--- a/DevOps on IBMi.pptx
+++ b/DevOps on IBMi.pptx
@@ -5,10 +5,10 @@
     <p:sldMasterId id="2147483672" r:id="rId4"/>
   </p:sldMasterIdLst>
   <p:notesMasterIdLst>
-    <p:notesMasterId r:id="rId13"/>
+    <p:notesMasterId r:id="rId17"/>
   </p:notesMasterIdLst>
   <p:handoutMasterIdLst>
-    <p:handoutMasterId r:id="rId14"/>
+    <p:handoutMasterId r:id="rId18"/>
   </p:handoutMasterIdLst>
   <p:sldIdLst>
     <p:sldId id="256" r:id="rId5"/>
@@ -17,8 +17,12 @@
     <p:sldId id="279" r:id="rId8"/>
     <p:sldId id="290" r:id="rId9"/>
     <p:sldId id="280" r:id="rId10"/>
-    <p:sldId id="291" r:id="rId11"/>
-    <p:sldId id="277" r:id="rId12"/>
+    <p:sldId id="292" r:id="rId11"/>
+    <p:sldId id="291" r:id="rId12"/>
+    <p:sldId id="293" r:id="rId13"/>
+    <p:sldId id="294" r:id="rId14"/>
+    <p:sldId id="295" r:id="rId15"/>
+    <p:sldId id="277" r:id="rId16"/>
   </p:sldIdLst>
   <p:sldSz cx="12192000" cy="6858000"/>
   <p:notesSz cx="6858000" cy="9144000"/>
@@ -128,7 +132,11 @@
             <p14:sldId id="279"/>
             <p14:sldId id="290"/>
             <p14:sldId id="280"/>
+            <p14:sldId id="292"/>
             <p14:sldId id="291"/>
+            <p14:sldId id="293"/>
+            <p14:sldId id="294"/>
+            <p14:sldId id="295"/>
             <p14:sldId id="277"/>
           </p14:sldIdLst>
         </p14:section>
@@ -144,7 +152,7 @@
 <file path=ppt/revisionInfo.xml><?xml version="1.0" encoding="utf-8"?>
 <p1510:revInfo xmlns:a="http://schemas.openxmlformats.org/drawingml/2006/main" xmlns:r="http://schemas.openxmlformats.org/officeDocument/2006/relationships" xmlns:p1510="http://schemas.microsoft.com/office/powerpoint/2015/10/main">
   <p1510:revLst>
-    <p1510:client id="{F90EED2A-78A7-4939-A5D9-9CD56D8FC3CA}" v="13" dt="2024-05-13T13:49:18.164"/>
+    <p1510:client id="{F90EED2A-78A7-4939-A5D9-9CD56D8FC3CA}" v="58" dt="2024-05-14T12:19:22.803"/>
   </p1510:revLst>
 </p1510:revInfo>
 </file>
@@ -153,8 +161,8 @@
 <pc:chgInfo xmlns:a="http://schemas.openxmlformats.org/drawingml/2006/main" xmlns:r="http://schemas.openxmlformats.org/officeDocument/2006/relationships" xmlns:ac="http://schemas.microsoft.com/office/drawing/2013/main/command" xmlns:pc="http://schemas.microsoft.com/office/powerpoint/2013/main/command">
   <pc:docChgLst>
     <pc:chgData name="Ravisankar Pandian" userId="ed09f74a-2b53-4ce0-832d-148e0a91ef02" providerId="ADAL" clId="{F90EED2A-78A7-4939-A5D9-9CD56D8FC3CA}"/>
-    <pc:docChg chg="undo custSel addSld delSld modSld modSection">
-      <pc:chgData name="Ravisankar Pandian" userId="ed09f74a-2b53-4ce0-832d-148e0a91ef02" providerId="ADAL" clId="{F90EED2A-78A7-4939-A5D9-9CD56D8FC3CA}" dt="2024-05-13T14:01:22.781" v="2278" actId="47"/>
+    <pc:docChg chg="undo custSel addSld delSld modSld sldOrd modSection">
+      <pc:chgData name="Ravisankar Pandian" userId="ed09f74a-2b53-4ce0-832d-148e0a91ef02" providerId="ADAL" clId="{F90EED2A-78A7-4939-A5D9-9CD56D8FC3CA}" dt="2024-05-14T14:01:37.672" v="5984" actId="732"/>
       <pc:docMkLst>
         <pc:docMk/>
       </pc:docMkLst>
@@ -190,19 +198,27 @@
         </pc:spChg>
       </pc:sldChg>
       <pc:sldChg chg="modSp mod">
-        <pc:chgData name="Ravisankar Pandian" userId="ed09f74a-2b53-4ce0-832d-148e0a91ef02" providerId="ADAL" clId="{F90EED2A-78A7-4939-A5D9-9CD56D8FC3CA}" dt="2024-05-13T13:36:29.798" v="1991" actId="20577"/>
+        <pc:chgData name="Ravisankar Pandian" userId="ed09f74a-2b53-4ce0-832d-148e0a91ef02" providerId="ADAL" clId="{F90EED2A-78A7-4939-A5D9-9CD56D8FC3CA}" dt="2024-05-14T12:45:48.362" v="5881" actId="1076"/>
         <pc:sldMkLst>
           <pc:docMk/>
           <pc:sldMk cId="1543194730" sldId="257"/>
         </pc:sldMkLst>
         <pc:spChg chg="mod">
-          <ac:chgData name="Ravisankar Pandian" userId="ed09f74a-2b53-4ce0-832d-148e0a91ef02" providerId="ADAL" clId="{F90EED2A-78A7-4939-A5D9-9CD56D8FC3CA}" dt="2024-05-13T13:36:29.798" v="1991" actId="20577"/>
+          <ac:chgData name="Ravisankar Pandian" userId="ed09f74a-2b53-4ce0-832d-148e0a91ef02" providerId="ADAL" clId="{F90EED2A-78A7-4939-A5D9-9CD56D8FC3CA}" dt="2024-05-14T12:45:44.479" v="5880" actId="20577"/>
           <ac:spMkLst>
             <pc:docMk/>
             <pc:sldMk cId="1543194730" sldId="257"/>
             <ac:spMk id="8" creationId="{E2465CD1-47CE-7736-A1B3-B21E4BD2462E}"/>
           </ac:spMkLst>
         </pc:spChg>
+        <pc:picChg chg="mod">
+          <ac:chgData name="Ravisankar Pandian" userId="ed09f74a-2b53-4ce0-832d-148e0a91ef02" providerId="ADAL" clId="{F90EED2A-78A7-4939-A5D9-9CD56D8FC3CA}" dt="2024-05-14T12:45:48.362" v="5881" actId="1076"/>
+          <ac:picMkLst>
+            <pc:docMk/>
+            <pc:sldMk cId="1543194730" sldId="257"/>
+            <ac:picMk id="5" creationId="{08B3D9D7-9A13-2736-D671-99B879504AA2}"/>
+          </ac:picMkLst>
+        </pc:picChg>
       </pc:sldChg>
       <pc:sldChg chg="del">
         <pc:chgData name="Ravisankar Pandian" userId="ed09f74a-2b53-4ce0-832d-148e0a91ef02" providerId="ADAL" clId="{F90EED2A-78A7-4939-A5D9-9CD56D8FC3CA}" dt="2024-05-13T12:34:32.346" v="356" actId="2696"/>
@@ -328,14 +344,14 @@
           </ac:picMkLst>
         </pc:picChg>
       </pc:sldChg>
-      <pc:sldChg chg="addSp delSp modSp mod">
-        <pc:chgData name="Ravisankar Pandian" userId="ed09f74a-2b53-4ce0-832d-148e0a91ef02" providerId="ADAL" clId="{F90EED2A-78A7-4939-A5D9-9CD56D8FC3CA}" dt="2024-05-13T13:28:30.493" v="1870" actId="20577"/>
+      <pc:sldChg chg="addSp delSp modSp mod ord">
+        <pc:chgData name="Ravisankar Pandian" userId="ed09f74a-2b53-4ce0-832d-148e0a91ef02" providerId="ADAL" clId="{F90EED2A-78A7-4939-A5D9-9CD56D8FC3CA}" dt="2024-05-14T12:20:31.555" v="4796" actId="1076"/>
         <pc:sldMkLst>
           <pc:docMk/>
           <pc:sldMk cId="2574282278" sldId="280"/>
         </pc:sldMkLst>
         <pc:spChg chg="add mod">
-          <ac:chgData name="Ravisankar Pandian" userId="ed09f74a-2b53-4ce0-832d-148e0a91ef02" providerId="ADAL" clId="{F90EED2A-78A7-4939-A5D9-9CD56D8FC3CA}" dt="2024-05-13T13:25:33.627" v="1626" actId="1076"/>
+          <ac:chgData name="Ravisankar Pandian" userId="ed09f74a-2b53-4ce0-832d-148e0a91ef02" providerId="ADAL" clId="{F90EED2A-78A7-4939-A5D9-9CD56D8FC3CA}" dt="2024-05-14T11:08:17.827" v="2295" actId="33524"/>
           <ac:spMkLst>
             <pc:docMk/>
             <pc:sldMk cId="2574282278" sldId="280"/>
@@ -343,7 +359,7 @@
           </ac:spMkLst>
         </pc:spChg>
         <pc:spChg chg="mod">
-          <ac:chgData name="Ravisankar Pandian" userId="ed09f74a-2b53-4ce0-832d-148e0a91ef02" providerId="ADAL" clId="{F90EED2A-78A7-4939-A5D9-9CD56D8FC3CA}" dt="2024-05-13T13:23:17.140" v="1533" actId="20577"/>
+          <ac:chgData name="Ravisankar Pandian" userId="ed09f74a-2b53-4ce0-832d-148e0a91ef02" providerId="ADAL" clId="{F90EED2A-78A7-4939-A5D9-9CD56D8FC3CA}" dt="2024-05-14T11:07:56.378" v="2292" actId="20577"/>
           <ac:spMkLst>
             <pc:docMk/>
             <pc:sldMk cId="2574282278" sldId="280"/>
@@ -367,7 +383,7 @@
           </ac:spMkLst>
         </pc:spChg>
         <pc:spChg chg="add mod">
-          <ac:chgData name="Ravisankar Pandian" userId="ed09f74a-2b53-4ce0-832d-148e0a91ef02" providerId="ADAL" clId="{F90EED2A-78A7-4939-A5D9-9CD56D8FC3CA}" dt="2024-05-13T13:28:30.493" v="1870" actId="20577"/>
+          <ac:chgData name="Ravisankar Pandian" userId="ed09f74a-2b53-4ce0-832d-148e0a91ef02" providerId="ADAL" clId="{F90EED2A-78A7-4939-A5D9-9CD56D8FC3CA}" dt="2024-05-14T11:01:42.791" v="2288" actId="20577"/>
           <ac:spMkLst>
             <pc:docMk/>
             <pc:sldMk cId="2574282278" sldId="280"/>
@@ -380,6 +396,14 @@
             <pc:docMk/>
             <pc:sldMk cId="2574282278" sldId="280"/>
             <ac:picMk id="9" creationId="{F307789D-5CC0-0B07-93B0-BD8D727D6EF4}"/>
+          </ac:picMkLst>
+        </pc:picChg>
+        <pc:picChg chg="add mod">
+          <ac:chgData name="Ravisankar Pandian" userId="ed09f74a-2b53-4ce0-832d-148e0a91ef02" providerId="ADAL" clId="{F90EED2A-78A7-4939-A5D9-9CD56D8FC3CA}" dt="2024-05-14T12:20:31.555" v="4796" actId="1076"/>
+          <ac:picMkLst>
+            <pc:docMk/>
+            <pc:sldMk cId="2574282278" sldId="280"/>
+            <ac:picMk id="11" creationId="{9D68B335-F31A-53CF-33E7-1A5FE7974AB9}"/>
           </ac:picMkLst>
         </pc:picChg>
       </pc:sldChg>
@@ -455,7 +479,7 @@
         </pc:sldMkLst>
       </pc:sldChg>
       <pc:sldChg chg="addSp delSp modSp add mod">
-        <pc:chgData name="Ravisankar Pandian" userId="ed09f74a-2b53-4ce0-832d-148e0a91ef02" providerId="ADAL" clId="{F90EED2A-78A7-4939-A5D9-9CD56D8FC3CA}" dt="2024-05-13T13:19:05.912" v="1411" actId="1076"/>
+        <pc:chgData name="Ravisankar Pandian" userId="ed09f74a-2b53-4ce0-832d-148e0a91ef02" providerId="ADAL" clId="{F90EED2A-78A7-4939-A5D9-9CD56D8FC3CA}" dt="2024-05-14T12:06:53.702" v="4577" actId="1076"/>
         <pc:sldMkLst>
           <pc:docMk/>
           <pc:sldMk cId="87324113" sldId="290"/>
@@ -468,6 +492,14 @@
             <ac:spMk id="3" creationId="{DEDF2A00-354A-7C83-274A-5B051A538660}"/>
           </ac:spMkLst>
         </pc:spChg>
+        <pc:spChg chg="add mod">
+          <ac:chgData name="Ravisankar Pandian" userId="ed09f74a-2b53-4ce0-832d-148e0a91ef02" providerId="ADAL" clId="{F90EED2A-78A7-4939-A5D9-9CD56D8FC3CA}" dt="2024-05-14T12:06:53.702" v="4577" actId="1076"/>
+          <ac:spMkLst>
+            <pc:docMk/>
+            <pc:sldMk cId="87324113" sldId="290"/>
+            <ac:spMk id="5" creationId="{5E6EB467-A40C-F1E1-926F-ACC6611BC340}"/>
+          </ac:spMkLst>
+        </pc:spChg>
         <pc:spChg chg="mod">
           <ac:chgData name="Ravisankar Pandian" userId="ed09f74a-2b53-4ce0-832d-148e0a91ef02" providerId="ADAL" clId="{F90EED2A-78A7-4939-A5D9-9CD56D8FC3CA}" dt="2024-05-13T13:18:32.861" v="1403" actId="20577"/>
           <ac:spMkLst>
@@ -477,7 +509,7 @@
           </ac:spMkLst>
         </pc:spChg>
         <pc:picChg chg="add mod">
-          <ac:chgData name="Ravisankar Pandian" userId="ed09f74a-2b53-4ce0-832d-148e0a91ef02" providerId="ADAL" clId="{F90EED2A-78A7-4939-A5D9-9CD56D8FC3CA}" dt="2024-05-13T13:19:05.912" v="1411" actId="1076"/>
+          <ac:chgData name="Ravisankar Pandian" userId="ed09f74a-2b53-4ce0-832d-148e0a91ef02" providerId="ADAL" clId="{F90EED2A-78A7-4939-A5D9-9CD56D8FC3CA}" dt="2024-05-14T12:06:45.703" v="4576" actId="1076"/>
           <ac:picMkLst>
             <pc:docMk/>
             <pc:sldMk cId="87324113" sldId="290"/>
@@ -508,8 +540,8 @@
           </ac:spMkLst>
         </pc:spChg>
       </pc:sldChg>
-      <pc:sldChg chg="delSp modSp add mod">
-        <pc:chgData name="Ravisankar Pandian" userId="ed09f74a-2b53-4ce0-832d-148e0a91ef02" providerId="ADAL" clId="{F90EED2A-78A7-4939-A5D9-9CD56D8FC3CA}" dt="2024-05-13T13:39:37.905" v="2206" actId="20577"/>
+      <pc:sldChg chg="addSp delSp modSp add mod">
+        <pc:chgData name="Ravisankar Pandian" userId="ed09f74a-2b53-4ce0-832d-148e0a91ef02" providerId="ADAL" clId="{F90EED2A-78A7-4939-A5D9-9CD56D8FC3CA}" dt="2024-05-14T12:17:21.162" v="4702" actId="1076"/>
         <pc:sldMkLst>
           <pc:docMk/>
           <pc:sldMk cId="1745376459" sldId="291"/>
@@ -546,6 +578,117 @@
             <ac:spMk id="8" creationId="{748567D3-5C97-B202-F0AE-2D886D8CC4CD}"/>
           </ac:spMkLst>
         </pc:spChg>
+        <pc:picChg chg="add mod">
+          <ac:chgData name="Ravisankar Pandian" userId="ed09f74a-2b53-4ce0-832d-148e0a91ef02" providerId="ADAL" clId="{F90EED2A-78A7-4939-A5D9-9CD56D8FC3CA}" dt="2024-05-14T12:17:21.162" v="4702" actId="1076"/>
+          <ac:picMkLst>
+            <pc:docMk/>
+            <pc:sldMk cId="1745376459" sldId="291"/>
+            <ac:picMk id="5" creationId="{D7CF7C7A-F14B-1C38-20A0-6F9266612ADE}"/>
+          </ac:picMkLst>
+        </pc:picChg>
+      </pc:sldChg>
+      <pc:sldChg chg="addSp delSp modSp add mod ord">
+        <pc:chgData name="Ravisankar Pandian" userId="ed09f74a-2b53-4ce0-832d-148e0a91ef02" providerId="ADAL" clId="{F90EED2A-78A7-4939-A5D9-9CD56D8FC3CA}" dt="2024-05-14T12:15:04.526" v="4694" actId="1076"/>
+        <pc:sldMkLst>
+          <pc:docMk/>
+          <pc:sldMk cId="420561970" sldId="292"/>
+        </pc:sldMkLst>
+        <pc:spChg chg="add mod">
+          <ac:chgData name="Ravisankar Pandian" userId="ed09f74a-2b53-4ce0-832d-148e0a91ef02" providerId="ADAL" clId="{F90EED2A-78A7-4939-A5D9-9CD56D8FC3CA}" dt="2024-05-14T11:19:21.802" v="2421"/>
+          <ac:spMkLst>
+            <pc:docMk/>
+            <pc:sldMk cId="420561970" sldId="292"/>
+            <ac:spMk id="2" creationId="{56609C28-5689-5A02-B13A-C720976FE892}"/>
+          </ac:spMkLst>
+        </pc:spChg>
+        <pc:spChg chg="mod">
+          <ac:chgData name="Ravisankar Pandian" userId="ed09f74a-2b53-4ce0-832d-148e0a91ef02" providerId="ADAL" clId="{F90EED2A-78A7-4939-A5D9-9CD56D8FC3CA}" dt="2024-05-14T11:22:23.742" v="2796" actId="20577"/>
+          <ac:spMkLst>
+            <pc:docMk/>
+            <pc:sldMk cId="420561970" sldId="292"/>
+            <ac:spMk id="3" creationId="{741FC70E-97CF-22C4-E6DF-46098F0C37D7}"/>
+          </ac:spMkLst>
+        </pc:spChg>
+        <pc:spChg chg="mod">
+          <ac:chgData name="Ravisankar Pandian" userId="ed09f74a-2b53-4ce0-832d-148e0a91ef02" providerId="ADAL" clId="{F90EED2A-78A7-4939-A5D9-9CD56D8FC3CA}" dt="2024-05-14T11:25:18.178" v="2863" actId="20577"/>
+          <ac:spMkLst>
+            <pc:docMk/>
+            <pc:sldMk cId="420561970" sldId="292"/>
+            <ac:spMk id="4" creationId="{DF828A0C-8F4D-8B4E-A992-36FED302A132}"/>
+          </ac:spMkLst>
+        </pc:spChg>
+        <pc:spChg chg="add mod">
+          <ac:chgData name="Ravisankar Pandian" userId="ed09f74a-2b53-4ce0-832d-148e0a91ef02" providerId="ADAL" clId="{F90EED2A-78A7-4939-A5D9-9CD56D8FC3CA}" dt="2024-05-14T11:26:17.007" v="2865" actId="20577"/>
+          <ac:spMkLst>
+            <pc:docMk/>
+            <pc:sldMk cId="420561970" sldId="292"/>
+            <ac:spMk id="5" creationId="{B7999309-9177-3BF3-CDC6-C0C04166F581}"/>
+          </ac:spMkLst>
+        </pc:spChg>
+        <pc:spChg chg="add mod">
+          <ac:chgData name="Ravisankar Pandian" userId="ed09f74a-2b53-4ce0-832d-148e0a91ef02" providerId="ADAL" clId="{F90EED2A-78A7-4939-A5D9-9CD56D8FC3CA}" dt="2024-05-14T11:22:49.687" v="2846" actId="20577"/>
+          <ac:spMkLst>
+            <pc:docMk/>
+            <pc:sldMk cId="420561970" sldId="292"/>
+            <ac:spMk id="8" creationId="{4658016D-7714-95B9-6342-C2C68D869228}"/>
+          </ac:spMkLst>
+        </pc:spChg>
+        <pc:spChg chg="add mod">
+          <ac:chgData name="Ravisankar Pandian" userId="ed09f74a-2b53-4ce0-832d-148e0a91ef02" providerId="ADAL" clId="{F90EED2A-78A7-4939-A5D9-9CD56D8FC3CA}" dt="2024-05-14T11:26:51.740" v="2919" actId="20577"/>
+          <ac:spMkLst>
+            <pc:docMk/>
+            <pc:sldMk cId="420561970" sldId="292"/>
+            <ac:spMk id="9" creationId="{D009D5F7-8AED-C443-4945-0F8517711421}"/>
+          </ac:spMkLst>
+        </pc:spChg>
+        <pc:picChg chg="add mod">
+          <ac:chgData name="Ravisankar Pandian" userId="ed09f74a-2b53-4ce0-832d-148e0a91ef02" providerId="ADAL" clId="{F90EED2A-78A7-4939-A5D9-9CD56D8FC3CA}" dt="2024-05-14T12:09:34.725" v="4648" actId="1076"/>
+          <ac:picMkLst>
+            <pc:docMk/>
+            <pc:sldMk cId="420561970" sldId="292"/>
+            <ac:picMk id="11" creationId="{9F740E4A-7CC3-7F0D-D72F-9F9A4E109D9B}"/>
+          </ac:picMkLst>
+        </pc:picChg>
+        <pc:picChg chg="add mod">
+          <ac:chgData name="Ravisankar Pandian" userId="ed09f74a-2b53-4ce0-832d-148e0a91ef02" providerId="ADAL" clId="{F90EED2A-78A7-4939-A5D9-9CD56D8FC3CA}" dt="2024-05-14T12:09:51.970" v="4649"/>
+          <ac:picMkLst>
+            <pc:docMk/>
+            <pc:sldMk cId="420561970" sldId="292"/>
+            <ac:picMk id="15" creationId="{7C4FFC3E-21D3-834A-557D-949C31E9B086}"/>
+          </ac:picMkLst>
+        </pc:picChg>
+        <pc:picChg chg="add mod">
+          <ac:chgData name="Ravisankar Pandian" userId="ed09f74a-2b53-4ce0-832d-148e0a91ef02" providerId="ADAL" clId="{F90EED2A-78A7-4939-A5D9-9CD56D8FC3CA}" dt="2024-05-14T12:15:04.526" v="4694" actId="1076"/>
+          <ac:picMkLst>
+            <pc:docMk/>
+            <pc:sldMk cId="420561970" sldId="292"/>
+            <ac:picMk id="1026" creationId="{F2942A22-3435-CFD6-1E68-9591933C1C7B}"/>
+          </ac:picMkLst>
+        </pc:picChg>
+        <pc:picChg chg="add del">
+          <ac:chgData name="Ravisankar Pandian" userId="ed09f74a-2b53-4ce0-832d-148e0a91ef02" providerId="ADAL" clId="{F90EED2A-78A7-4939-A5D9-9CD56D8FC3CA}" dt="2024-05-14T12:11:42.615" v="4657" actId="478"/>
+          <ac:picMkLst>
+            <pc:docMk/>
+            <pc:sldMk cId="420561970" sldId="292"/>
+            <ac:picMk id="1028" creationId="{0E3E0F30-E8A9-079D-8E37-B3F2EA4BBBD6}"/>
+          </ac:picMkLst>
+        </pc:picChg>
+        <pc:picChg chg="add mod">
+          <ac:chgData name="Ravisankar Pandian" userId="ed09f74a-2b53-4ce0-832d-148e0a91ef02" providerId="ADAL" clId="{F90EED2A-78A7-4939-A5D9-9CD56D8FC3CA}" dt="2024-05-14T12:12:48.468" v="4665" actId="1076"/>
+          <ac:picMkLst>
+            <pc:docMk/>
+            <pc:sldMk cId="420561970" sldId="292"/>
+            <ac:picMk id="1030" creationId="{2E3AF0F2-14DC-FC55-F0DA-1006C1A190EF}"/>
+          </ac:picMkLst>
+        </pc:picChg>
+        <pc:picChg chg="add mod">
+          <ac:chgData name="Ravisankar Pandian" userId="ed09f74a-2b53-4ce0-832d-148e0a91ef02" providerId="ADAL" clId="{F90EED2A-78A7-4939-A5D9-9CD56D8FC3CA}" dt="2024-05-14T12:13:58.757" v="4678" actId="1076"/>
+          <ac:picMkLst>
+            <pc:docMk/>
+            <pc:sldMk cId="420561970" sldId="292"/>
+            <ac:picMk id="1032" creationId="{06CB4D5B-2239-289F-E50B-4580BD7CA267}"/>
+          </ac:picMkLst>
+        </pc:picChg>
       </pc:sldChg>
       <pc:sldChg chg="add del">
         <pc:chgData name="Ravisankar Pandian" userId="ed09f74a-2b53-4ce0-832d-148e0a91ef02" providerId="ADAL" clId="{F90EED2A-78A7-4939-A5D9-9CD56D8FC3CA}" dt="2024-05-13T14:01:22.781" v="2278" actId="47"/>
@@ -553,6 +696,113 @@
           <pc:docMk/>
           <pc:sldMk cId="2381953475" sldId="292"/>
         </pc:sldMkLst>
+      </pc:sldChg>
+      <pc:sldChg chg="new del">
+        <pc:chgData name="Ravisankar Pandian" userId="ed09f74a-2b53-4ce0-832d-148e0a91ef02" providerId="ADAL" clId="{F90EED2A-78A7-4939-A5D9-9CD56D8FC3CA}" dt="2024-05-14T11:09:16.484" v="2297" actId="680"/>
+        <pc:sldMkLst>
+          <pc:docMk/>
+          <pc:sldMk cId="2820651073" sldId="292"/>
+        </pc:sldMkLst>
+      </pc:sldChg>
+      <pc:sldChg chg="new del">
+        <pc:chgData name="Ravisankar Pandian" userId="ed09f74a-2b53-4ce0-832d-148e0a91ef02" providerId="ADAL" clId="{F90EED2A-78A7-4939-A5D9-9CD56D8FC3CA}" dt="2024-05-14T11:37:24.537" v="2923" actId="2696"/>
+        <pc:sldMkLst>
+          <pc:docMk/>
+          <pc:sldMk cId="2110912776" sldId="293"/>
+        </pc:sldMkLst>
+      </pc:sldChg>
+      <pc:sldChg chg="modSp add mod">
+        <pc:chgData name="Ravisankar Pandian" userId="ed09f74a-2b53-4ce0-832d-148e0a91ef02" providerId="ADAL" clId="{F90EED2A-78A7-4939-A5D9-9CD56D8FC3CA}" dt="2024-05-14T12:03:19.806" v="4470" actId="114"/>
+        <pc:sldMkLst>
+          <pc:docMk/>
+          <pc:sldMk cId="3953193169" sldId="293"/>
+        </pc:sldMkLst>
+        <pc:spChg chg="mod">
+          <ac:chgData name="Ravisankar Pandian" userId="ed09f74a-2b53-4ce0-832d-148e0a91ef02" providerId="ADAL" clId="{F90EED2A-78A7-4939-A5D9-9CD56D8FC3CA}" dt="2024-05-14T12:03:19.806" v="4470" actId="114"/>
+          <ac:spMkLst>
+            <pc:docMk/>
+            <pc:sldMk cId="3953193169" sldId="293"/>
+            <ac:spMk id="3" creationId="{BEF95B3F-908B-8345-7871-D77060846FC8}"/>
+          </ac:spMkLst>
+        </pc:spChg>
+        <pc:spChg chg="mod">
+          <ac:chgData name="Ravisankar Pandian" userId="ed09f74a-2b53-4ce0-832d-148e0a91ef02" providerId="ADAL" clId="{F90EED2A-78A7-4939-A5D9-9CD56D8FC3CA}" dt="2024-05-14T11:41:23.199" v="3023" actId="14100"/>
+          <ac:spMkLst>
+            <pc:docMk/>
+            <pc:sldMk cId="3953193169" sldId="293"/>
+            <ac:spMk id="4" creationId="{4CD1F55D-D03E-A3EF-4060-A346585103DD}"/>
+          </ac:spMkLst>
+        </pc:spChg>
+      </pc:sldChg>
+      <pc:sldChg chg="addSp delSp modSp add mod ord">
+        <pc:chgData name="Ravisankar Pandian" userId="ed09f74a-2b53-4ce0-832d-148e0a91ef02" providerId="ADAL" clId="{F90EED2A-78A7-4939-A5D9-9CD56D8FC3CA}" dt="2024-05-14T14:01:37.672" v="5984" actId="732"/>
+        <pc:sldMkLst>
+          <pc:docMk/>
+          <pc:sldMk cId="2888951602" sldId="294"/>
+        </pc:sldMkLst>
+        <pc:spChg chg="mod">
+          <ac:chgData name="Ravisankar Pandian" userId="ed09f74a-2b53-4ce0-832d-148e0a91ef02" providerId="ADAL" clId="{F90EED2A-78A7-4939-A5D9-9CD56D8FC3CA}" dt="2024-05-14T12:47:40.187" v="5897" actId="20577"/>
+          <ac:spMkLst>
+            <pc:docMk/>
+            <pc:sldMk cId="2888951602" sldId="294"/>
+            <ac:spMk id="3" creationId="{8B8D2A41-0CCF-DF57-DFF9-B5F924346E31}"/>
+          </ac:spMkLst>
+        </pc:spChg>
+        <pc:spChg chg="mod">
+          <ac:chgData name="Ravisankar Pandian" userId="ed09f74a-2b53-4ce0-832d-148e0a91ef02" providerId="ADAL" clId="{F90EED2A-78A7-4939-A5D9-9CD56D8FC3CA}" dt="2024-05-14T12:19:07.591" v="4779" actId="14100"/>
+          <ac:spMkLst>
+            <pc:docMk/>
+            <pc:sldMk cId="2888951602" sldId="294"/>
+            <ac:spMk id="4" creationId="{87DA787D-4006-A211-E700-E2F3A2A6B47D}"/>
+          </ac:spMkLst>
+        </pc:spChg>
+        <pc:picChg chg="del">
+          <ac:chgData name="Ravisankar Pandian" userId="ed09f74a-2b53-4ce0-832d-148e0a91ef02" providerId="ADAL" clId="{F90EED2A-78A7-4939-A5D9-9CD56D8FC3CA}" dt="2024-05-14T12:19:14.320" v="4787" actId="478"/>
+          <ac:picMkLst>
+            <pc:docMk/>
+            <pc:sldMk cId="2888951602" sldId="294"/>
+            <ac:picMk id="5" creationId="{2225F91A-195B-AC62-3EB7-6D0184567D97}"/>
+          </ac:picMkLst>
+        </pc:picChg>
+        <pc:picChg chg="add mod ord modCrop">
+          <ac:chgData name="Ravisankar Pandian" userId="ed09f74a-2b53-4ce0-832d-148e0a91ef02" providerId="ADAL" clId="{F90EED2A-78A7-4939-A5D9-9CD56D8FC3CA}" dt="2024-05-14T14:01:37.672" v="5984" actId="732"/>
+          <ac:picMkLst>
+            <pc:docMk/>
+            <pc:sldMk cId="2888951602" sldId="294"/>
+            <ac:picMk id="8" creationId="{921A6275-F8E7-184D-A157-4FF573297831}"/>
+          </ac:picMkLst>
+        </pc:picChg>
+      </pc:sldChg>
+      <pc:sldChg chg="delSp modSp add mod">
+        <pc:chgData name="Ravisankar Pandian" userId="ed09f74a-2b53-4ce0-832d-148e0a91ef02" providerId="ADAL" clId="{F90EED2A-78A7-4939-A5D9-9CD56D8FC3CA}" dt="2024-05-14T12:48:11.842" v="5983" actId="478"/>
+        <pc:sldMkLst>
+          <pc:docMk/>
+          <pc:sldMk cId="2665125064" sldId="295"/>
+        </pc:sldMkLst>
+        <pc:spChg chg="del">
+          <ac:chgData name="Ravisankar Pandian" userId="ed09f74a-2b53-4ce0-832d-148e0a91ef02" providerId="ADAL" clId="{F90EED2A-78A7-4939-A5D9-9CD56D8FC3CA}" dt="2024-05-14T12:48:10.172" v="5982" actId="478"/>
+          <ac:spMkLst>
+            <pc:docMk/>
+            <pc:sldMk cId="2665125064" sldId="295"/>
+            <ac:spMk id="3" creationId="{D8CDAD6F-3655-B3D8-7465-C59343E786EE}"/>
+          </ac:spMkLst>
+        </pc:spChg>
+        <pc:spChg chg="mod">
+          <ac:chgData name="Ravisankar Pandian" userId="ed09f74a-2b53-4ce0-832d-148e0a91ef02" providerId="ADAL" clId="{F90EED2A-78A7-4939-A5D9-9CD56D8FC3CA}" dt="2024-05-14T12:48:06.929" v="5981" actId="20577"/>
+          <ac:spMkLst>
+            <pc:docMk/>
+            <pc:sldMk cId="2665125064" sldId="295"/>
+            <ac:spMk id="4" creationId="{8A1B65F3-F01A-845F-68E3-7498AB4E148F}"/>
+          </ac:spMkLst>
+        </pc:spChg>
+        <pc:picChg chg="del">
+          <ac:chgData name="Ravisankar Pandian" userId="ed09f74a-2b53-4ce0-832d-148e0a91ef02" providerId="ADAL" clId="{F90EED2A-78A7-4939-A5D9-9CD56D8FC3CA}" dt="2024-05-14T12:48:11.842" v="5983" actId="478"/>
+          <ac:picMkLst>
+            <pc:docMk/>
+            <pc:sldMk cId="2665125064" sldId="295"/>
+            <ac:picMk id="8" creationId="{312D560B-757E-0713-91AA-553B844EC4B7}"/>
+          </ac:picMkLst>
+        </pc:picChg>
       </pc:sldChg>
     </pc:docChg>
   </pc:docChgLst>
@@ -653,7 +903,7 @@
           <a:p>
             <a:fld id="{75A3273E-3781-48D3-A31F-F752C7DB28AD}" type="datetimeFigureOut">
               <a:rPr lang="en-US" smtClean="0"/>
-              <a:t>5/13/2024</a:t>
+              <a:t>5/14/2024</a:t>
             </a:fld>
             <a:endParaRPr lang="en-US"/>
           </a:p>
@@ -831,7 +1081,7 @@
           <a:p>
             <a:fld id="{3A9CDE7A-5932-4913-9F1C-43B1E9CC019B}" type="datetimeFigureOut">
               <a:rPr lang="en-US" smtClean="0"/>
-              <a:t>5/13/2024</a:t>
+              <a:t>5/14/2024</a:t>
             </a:fld>
             <a:endParaRPr lang="en-US"/>
           </a:p>
@@ -1246,7 +1496,7 @@
           <a:p>
             <a:fld id="{838FE5D1-9AAE-4E69-9355-139EF2F27780}" type="datetimeFigureOut">
               <a:rPr lang="en-US" smtClean="0"/>
-              <a:t>5/13/2024</a:t>
+              <a:t>5/14/2024</a:t>
             </a:fld>
             <a:endParaRPr lang="en-US"/>
           </a:p>
@@ -1444,7 +1694,7 @@
           <a:p>
             <a:fld id="{838FE5D1-9AAE-4E69-9355-139EF2F27780}" type="datetimeFigureOut">
               <a:rPr lang="en-US" smtClean="0"/>
-              <a:t>5/13/2024</a:t>
+              <a:t>5/14/2024</a:t>
             </a:fld>
             <a:endParaRPr lang="en-US"/>
           </a:p>
@@ -1652,7 +1902,7 @@
           <a:p>
             <a:fld id="{838FE5D1-9AAE-4E69-9355-139EF2F27780}" type="datetimeFigureOut">
               <a:rPr lang="en-US" smtClean="0"/>
-              <a:t>5/13/2024</a:t>
+              <a:t>5/14/2024</a:t>
             </a:fld>
             <a:endParaRPr lang="en-US"/>
           </a:p>
@@ -1850,7 +2100,7 @@
           <a:p>
             <a:fld id="{838FE5D1-9AAE-4E69-9355-139EF2F27780}" type="datetimeFigureOut">
               <a:rPr lang="en-US" smtClean="0"/>
-              <a:t>5/13/2024</a:t>
+              <a:t>5/14/2024</a:t>
             </a:fld>
             <a:endParaRPr lang="en-US"/>
           </a:p>
@@ -2125,7 +2375,7 @@
           <a:p>
             <a:fld id="{838FE5D1-9AAE-4E69-9355-139EF2F27780}" type="datetimeFigureOut">
               <a:rPr lang="en-US" smtClean="0"/>
-              <a:t>5/13/2024</a:t>
+              <a:t>5/14/2024</a:t>
             </a:fld>
             <a:endParaRPr lang="en-US"/>
           </a:p>
@@ -2390,7 +2640,7 @@
           <a:p>
             <a:fld id="{838FE5D1-9AAE-4E69-9355-139EF2F27780}" type="datetimeFigureOut">
               <a:rPr lang="en-US" smtClean="0"/>
-              <a:t>5/13/2024</a:t>
+              <a:t>5/14/2024</a:t>
             </a:fld>
             <a:endParaRPr lang="en-US"/>
           </a:p>
@@ -2802,7 +3052,7 @@
           <a:p>
             <a:fld id="{838FE5D1-9AAE-4E69-9355-139EF2F27780}" type="datetimeFigureOut">
               <a:rPr lang="en-US" smtClean="0"/>
-              <a:t>5/13/2024</a:t>
+              <a:t>5/14/2024</a:t>
             </a:fld>
             <a:endParaRPr lang="en-US"/>
           </a:p>
@@ -2943,7 +3193,7 @@
           <a:p>
             <a:fld id="{838FE5D1-9AAE-4E69-9355-139EF2F27780}" type="datetimeFigureOut">
               <a:rPr lang="en-US" smtClean="0"/>
-              <a:t>5/13/2024</a:t>
+              <a:t>5/14/2024</a:t>
             </a:fld>
             <a:endParaRPr lang="en-US"/>
           </a:p>
@@ -3056,7 +3306,7 @@
           <a:p>
             <a:fld id="{838FE5D1-9AAE-4E69-9355-139EF2F27780}" type="datetimeFigureOut">
               <a:rPr lang="en-US" smtClean="0"/>
-              <a:t>5/13/2024</a:t>
+              <a:t>5/14/2024</a:t>
             </a:fld>
             <a:endParaRPr lang="en-US"/>
           </a:p>
@@ -3367,7 +3617,7 @@
           <a:p>
             <a:fld id="{838FE5D1-9AAE-4E69-9355-139EF2F27780}" type="datetimeFigureOut">
               <a:rPr lang="en-US" smtClean="0"/>
-              <a:t>5/13/2024</a:t>
+              <a:t>5/14/2024</a:t>
             </a:fld>
             <a:endParaRPr lang="en-US"/>
           </a:p>
@@ -3655,7 +3905,7 @@
           <a:p>
             <a:fld id="{838FE5D1-9AAE-4E69-9355-139EF2F27780}" type="datetimeFigureOut">
               <a:rPr lang="en-US" smtClean="0"/>
-              <a:t>5/13/2024</a:t>
+              <a:t>5/14/2024</a:t>
             </a:fld>
             <a:endParaRPr lang="en-US"/>
           </a:p>
@@ -3896,7 +4146,7 @@
           <a:p>
             <a:fld id="{838FE5D1-9AAE-4E69-9355-139EF2F27780}" type="datetimeFigureOut">
               <a:rPr lang="en-US" smtClean="0"/>
-              <a:t>5/13/2024</a:t>
+              <a:t>5/14/2024</a:t>
             </a:fld>
             <a:endParaRPr lang="en-US"/>
           </a:p>
@@ -4954,6 +5204,1905 @@
 </p:sld>
 </file>
 
+<file path=ppt/slides/slide10.xml><?xml version="1.0" encoding="utf-8"?>
+<p:sld xmlns:a="http://schemas.openxmlformats.org/drawingml/2006/main" xmlns:r="http://schemas.openxmlformats.org/officeDocument/2006/relationships" xmlns:p="http://schemas.openxmlformats.org/presentationml/2006/main">
+  <p:cSld>
+    <p:spTree>
+      <p:nvGrpSpPr>
+        <p:cNvPr id="1" name="">
+          <a:extLst>
+            <a:ext uri="{FF2B5EF4-FFF2-40B4-BE49-F238E27FC236}">
+              <a16:creationId xmlns:a16="http://schemas.microsoft.com/office/drawing/2014/main" id="{4AD8A722-ADB5-1A22-4931-03A1A169F64F}"/>
+            </a:ext>
+          </a:extLst>
+        </p:cNvPr>
+        <p:cNvGrpSpPr/>
+        <p:nvPr/>
+      </p:nvGrpSpPr>
+      <p:grpSpPr>
+        <a:xfrm>
+          <a:off x="0" y="0"/>
+          <a:ext cx="0" cy="0"/>
+          <a:chOff x="0" y="0"/>
+          <a:chExt cx="0" cy="0"/>
+        </a:xfrm>
+      </p:grpSpPr>
+      <p:pic>
+        <p:nvPicPr>
+          <p:cNvPr id="8" name="Picture 7" descr="A cartoon of a person in a suit&#10;&#10;Description automatically generated">
+            <a:extLst>
+              <a:ext uri="{FF2B5EF4-FFF2-40B4-BE49-F238E27FC236}">
+                <a16:creationId xmlns:a16="http://schemas.microsoft.com/office/drawing/2014/main" id="{921A6275-F8E7-184D-A157-4FF573297831}"/>
+              </a:ext>
+            </a:extLst>
+          </p:cNvPr>
+          <p:cNvPicPr>
+            <a:picLocks noChangeAspect="1"/>
+          </p:cNvPicPr>
+          <p:nvPr/>
+        </p:nvPicPr>
+        <p:blipFill rotWithShape="1">
+          <a:blip r:embed="rId2">
+            <a:alphaModFix amt="75000"/>
+            <a:extLst>
+              <a:ext uri="{28A0092B-C50C-407E-A947-70E740481C1C}">
+                <a14:useLocalDpi xmlns:a14="http://schemas.microsoft.com/office/drawing/2010/main" val="0"/>
+              </a:ext>
+            </a:extLst>
+          </a:blip>
+          <a:srcRect r="27473"/>
+          <a:stretch/>
+        </p:blipFill>
+        <p:spPr>
+          <a:xfrm>
+            <a:off x="9113444" y="2642673"/>
+            <a:ext cx="2636109" cy="2829516"/>
+          </a:xfrm>
+          <a:prstGeom prst="rect">
+            <a:avLst/>
+          </a:prstGeom>
+        </p:spPr>
+      </p:pic>
+      <p:sp>
+        <p:nvSpPr>
+          <p:cNvPr id="3" name="TextBox 2">
+            <a:extLst>
+              <a:ext uri="{FF2B5EF4-FFF2-40B4-BE49-F238E27FC236}">
+                <a16:creationId xmlns:a16="http://schemas.microsoft.com/office/drawing/2014/main" id="{8B8D2A41-0CCF-DF57-DFF9-B5F924346E31}"/>
+              </a:ext>
+            </a:extLst>
+          </p:cNvPr>
+          <p:cNvSpPr txBox="1"/>
+          <p:nvPr/>
+        </p:nvSpPr>
+        <p:spPr>
+          <a:xfrm>
+            <a:off x="830084" y="1084833"/>
+            <a:ext cx="10919469" cy="3693319"/>
+          </a:xfrm>
+          <a:prstGeom prst="rect">
+            <a:avLst/>
+          </a:prstGeom>
+          <a:noFill/>
+        </p:spPr>
+        <p:txBody>
+          <a:bodyPr wrap="square">
+            <a:spAutoFit/>
+          </a:bodyPr>
+          <a:lstStyle/>
+          <a:p>
+            <a:r>
+              <a:rPr lang="en-US" b="1" dirty="0">
+                <a:solidFill>
+                  <a:srgbClr val="569CD6"/>
+                </a:solidFill>
+                <a:effectLst/>
+              </a:rPr>
+              <a:t>Jenkins is an open-source automation server that can be installed on </a:t>
+            </a:r>
+            <a:r>
+              <a:rPr lang="en-US" b="1" dirty="0" err="1">
+                <a:solidFill>
+                  <a:srgbClr val="569CD6"/>
+                </a:solidFill>
+                <a:effectLst/>
+              </a:rPr>
+              <a:t>IBMi</a:t>
+            </a:r>
+            <a:r>
+              <a:rPr lang="en-US" b="1" dirty="0">
+                <a:solidFill>
+                  <a:srgbClr val="569CD6"/>
+                </a:solidFill>
+                <a:effectLst/>
+              </a:rPr>
+              <a:t>.</a:t>
+            </a:r>
+            <a:endParaRPr lang="en-US" b="1" dirty="0">
+              <a:solidFill>
+                <a:srgbClr val="569CD6"/>
+              </a:solidFill>
+            </a:endParaRPr>
+          </a:p>
+          <a:p>
+            <a:r>
+              <a:rPr lang="en-US" dirty="0"/>
+              <a:t>Jenkins,</a:t>
+            </a:r>
+          </a:p>
+          <a:p>
+            <a:pPr marL="285750" indent="-285750">
+              <a:buFont typeface="Arial" panose="020B0604020202020204" pitchFamily="34" charset="0"/>
+              <a:buChar char="•"/>
+            </a:pPr>
+            <a:r>
+              <a:rPr lang="en-US" dirty="0"/>
+              <a:t>Can Provide Continuous Integration: Keeps an eye on Git. Upon new commit, it can trigger automated builds.</a:t>
+            </a:r>
+          </a:p>
+          <a:p>
+            <a:pPr marL="285750" indent="-285750">
+              <a:buFont typeface="Arial" panose="020B0604020202020204" pitchFamily="34" charset="0"/>
+              <a:buChar char="•"/>
+            </a:pPr>
+            <a:endParaRPr lang="en-US" dirty="0"/>
+          </a:p>
+          <a:p>
+            <a:pPr marL="285750" indent="-285750">
+              <a:buFont typeface="Arial" panose="020B0604020202020204" pitchFamily="34" charset="0"/>
+              <a:buChar char="•"/>
+            </a:pPr>
+            <a:r>
+              <a:rPr lang="en-US" dirty="0"/>
+              <a:t>Can provide Continuous Delivery: Coordinates deployment pipeline by performing deployment scripts.</a:t>
+            </a:r>
+          </a:p>
+          <a:p>
+            <a:pPr marL="285750" indent="-285750">
+              <a:buFont typeface="Arial" panose="020B0604020202020204" pitchFamily="34" charset="0"/>
+              <a:buChar char="•"/>
+            </a:pPr>
+            <a:endParaRPr lang="en-US" dirty="0"/>
+          </a:p>
+          <a:p>
+            <a:pPr marL="285750" indent="-285750">
+              <a:buFont typeface="Arial" panose="020B0604020202020204" pitchFamily="34" charset="0"/>
+              <a:buChar char="•"/>
+            </a:pPr>
+            <a:r>
+              <a:rPr lang="en-US" dirty="0"/>
+              <a:t>Can arrange test cases, enables test report generation &amp; alerts developers to failed test cases.</a:t>
+            </a:r>
+          </a:p>
+          <a:p>
+            <a:pPr marL="285750" indent="-285750">
+              <a:buFont typeface="Arial" panose="020B0604020202020204" pitchFamily="34" charset="0"/>
+              <a:buChar char="•"/>
+            </a:pPr>
+            <a:endParaRPr lang="en-US" dirty="0"/>
+          </a:p>
+          <a:p>
+            <a:pPr marL="285750" indent="-285750">
+              <a:buFont typeface="Arial" panose="020B0604020202020204" pitchFamily="34" charset="0"/>
+              <a:buChar char="•"/>
+            </a:pPr>
+            <a:r>
+              <a:rPr lang="en-US" dirty="0"/>
+              <a:t>Can automate the Deployment life cycle by setting up rolling updates and releases. </a:t>
+            </a:r>
+          </a:p>
+          <a:p>
+            <a:pPr marL="285750" indent="-285750">
+              <a:buFont typeface="Arial" panose="020B0604020202020204" pitchFamily="34" charset="0"/>
+              <a:buChar char="•"/>
+            </a:pPr>
+            <a:endParaRPr lang="en-US" dirty="0"/>
+          </a:p>
+          <a:p>
+            <a:pPr marL="285750" indent="-285750">
+              <a:buFont typeface="Arial" panose="020B0604020202020204" pitchFamily="34" charset="0"/>
+              <a:buChar char="•"/>
+            </a:pPr>
+            <a:r>
+              <a:rPr lang="en-US" dirty="0"/>
+              <a:t>Can be scaled up easily to handle large projects/workloads.</a:t>
+            </a:r>
+          </a:p>
+          <a:p>
+            <a:pPr marL="285750" indent="-285750">
+              <a:buFont typeface="Arial" panose="020B0604020202020204" pitchFamily="34" charset="0"/>
+              <a:buChar char="•"/>
+            </a:pPr>
+            <a:endParaRPr lang="en-US" dirty="0"/>
+          </a:p>
+          <a:p>
+            <a:pPr marL="285750" indent="-285750">
+              <a:buFont typeface="Arial" panose="020B0604020202020204" pitchFamily="34" charset="0"/>
+              <a:buChar char="•"/>
+            </a:pPr>
+            <a:r>
+              <a:rPr lang="en-US" dirty="0"/>
+              <a:t>Can provide Infrastructure as Code (</a:t>
+            </a:r>
+            <a:r>
+              <a:rPr lang="en-US" dirty="0" err="1"/>
+              <a:t>IaC</a:t>
+            </a:r>
+            <a:r>
+              <a:rPr lang="en-US" dirty="0"/>
+              <a:t>) when coupled with tools like Ansible &amp; Terraform.</a:t>
+            </a:r>
+          </a:p>
+        </p:txBody>
+      </p:sp>
+      <p:grpSp>
+        <p:nvGrpSpPr>
+          <p:cNvPr id="6" name="Group 5">
+            <a:extLst>
+              <a:ext uri="{FF2B5EF4-FFF2-40B4-BE49-F238E27FC236}">
+                <a16:creationId xmlns:a16="http://schemas.microsoft.com/office/drawing/2014/main" id="{A4629C30-C378-95C3-B118-DF792FDDFE61}"/>
+              </a:ext>
+            </a:extLst>
+          </p:cNvPr>
+          <p:cNvGrpSpPr/>
+          <p:nvPr/>
+        </p:nvGrpSpPr>
+        <p:grpSpPr>
+          <a:xfrm>
+            <a:off x="629110" y="5881665"/>
+            <a:ext cx="11258551" cy="616902"/>
+            <a:chOff x="373320" y="11920376"/>
+            <a:chExt cx="17541357" cy="1544612"/>
+          </a:xfrm>
+        </p:grpSpPr>
+        <p:sp>
+          <p:nvSpPr>
+            <p:cNvPr id="7" name="Rectangle 6">
+              <a:extLst>
+                <a:ext uri="{FF2B5EF4-FFF2-40B4-BE49-F238E27FC236}">
+                  <a16:creationId xmlns:a16="http://schemas.microsoft.com/office/drawing/2014/main" id="{B14AAB33-0991-A06C-74BE-2F1D9341CC18}"/>
+                </a:ext>
+              </a:extLst>
+            </p:cNvPr>
+            <p:cNvSpPr/>
+            <p:nvPr/>
+          </p:nvSpPr>
+          <p:spPr>
+            <a:xfrm>
+              <a:off x="373320" y="11920376"/>
+              <a:ext cx="17541357" cy="1544612"/>
+            </a:xfrm>
+            <a:prstGeom prst="rect">
+              <a:avLst/>
+            </a:prstGeom>
+            <a:solidFill>
+              <a:schemeClr val="bg1"/>
+            </a:solidFill>
+            <a:ln>
+              <a:noFill/>
+            </a:ln>
+          </p:spPr>
+          <p:style>
+            <a:lnRef idx="2">
+              <a:schemeClr val="accent1">
+                <a:shade val="50000"/>
+              </a:schemeClr>
+            </a:lnRef>
+            <a:fillRef idx="1">
+              <a:schemeClr val="accent1"/>
+            </a:fillRef>
+            <a:effectRef idx="0">
+              <a:schemeClr val="accent1"/>
+            </a:effectRef>
+            <a:fontRef idx="minor">
+              <a:schemeClr val="lt1"/>
+            </a:fontRef>
+          </p:style>
+          <p:txBody>
+            <a:bodyPr rtlCol="0" anchor="ctr"/>
+            <a:lstStyle/>
+            <a:p>
+              <a:pPr algn="ctr"/>
+              <a:endParaRPr lang="en-US" dirty="0"/>
+            </a:p>
+          </p:txBody>
+        </p:sp>
+        <p:sp>
+          <p:nvSpPr>
+            <p:cNvPr id="12" name="TextBox 26">
+              <a:extLst>
+                <a:ext uri="{FF2B5EF4-FFF2-40B4-BE49-F238E27FC236}">
+                  <a16:creationId xmlns:a16="http://schemas.microsoft.com/office/drawing/2014/main" id="{8E445013-F7EE-E1D8-9F0A-1E0411F30992}"/>
+                </a:ext>
+              </a:extLst>
+            </p:cNvPr>
+            <p:cNvSpPr txBox="1">
+              <a:spLocks noChangeArrowheads="1"/>
+            </p:cNvSpPr>
+            <p:nvPr/>
+          </p:nvSpPr>
+          <p:spPr bwMode="auto">
+            <a:xfrm>
+              <a:off x="686449" y="12531163"/>
+              <a:ext cx="7411302" cy="924741"/>
+            </a:xfrm>
+            <a:prstGeom prst="rect">
+              <a:avLst/>
+            </a:prstGeom>
+            <a:noFill/>
+            <a:ln w="9525">
+              <a:solidFill>
+                <a:schemeClr val="bg1"/>
+              </a:solidFill>
+              <a:miter lim="800000"/>
+              <a:headEnd/>
+              <a:tailEnd/>
+            </a:ln>
+            <a:extLst>
+              <a:ext uri="{909E8E84-426E-40DD-AFC4-6F175D3DCCD1}">
+                <a14:hiddenFill xmlns:a14="http://schemas.microsoft.com/office/drawing/2010/main">
+                  <a:solidFill>
+                    <a:srgbClr val="FFFFFF"/>
+                  </a:solidFill>
+                </a14:hiddenFill>
+              </a:ext>
+            </a:extLst>
+          </p:spPr>
+          <p:txBody>
+            <a:bodyPr wrap="square">
+              <a:spAutoFit/>
+            </a:bodyPr>
+            <a:lstStyle>
+              <a:lvl1pPr>
+                <a:defRPr sz="3600">
+                  <a:solidFill>
+                    <a:schemeClr val="tx1"/>
+                  </a:solidFill>
+                  <a:latin typeface="Lato Light" panose="020F0502020204030203" pitchFamily="34" charset="0"/>
+                </a:defRPr>
+              </a:lvl1pPr>
+              <a:lvl2pPr marL="742950" indent="-285750">
+                <a:defRPr sz="3600">
+                  <a:solidFill>
+                    <a:schemeClr val="tx1"/>
+                  </a:solidFill>
+                  <a:latin typeface="Lato Light" panose="020F0502020204030203" pitchFamily="34" charset="0"/>
+                </a:defRPr>
+              </a:lvl2pPr>
+              <a:lvl3pPr marL="1143000" indent="-228600">
+                <a:defRPr sz="3600">
+                  <a:solidFill>
+                    <a:schemeClr val="tx1"/>
+                  </a:solidFill>
+                  <a:latin typeface="Lato Light" panose="020F0502020204030203" pitchFamily="34" charset="0"/>
+                </a:defRPr>
+              </a:lvl3pPr>
+              <a:lvl4pPr marL="1600200" indent="-228600">
+                <a:defRPr sz="3600">
+                  <a:solidFill>
+                    <a:schemeClr val="tx1"/>
+                  </a:solidFill>
+                  <a:latin typeface="Lato Light" panose="020F0502020204030203" pitchFamily="34" charset="0"/>
+                </a:defRPr>
+              </a:lvl4pPr>
+              <a:lvl5pPr marL="2057400" indent="-228600">
+                <a:defRPr sz="3600">
+                  <a:solidFill>
+                    <a:schemeClr val="tx1"/>
+                  </a:solidFill>
+                  <a:latin typeface="Lato Light" panose="020F0502020204030203" pitchFamily="34" charset="0"/>
+                </a:defRPr>
+              </a:lvl5pPr>
+              <a:lvl6pPr marL="2514600" indent="-228600" defTabSz="1827213" eaLnBrk="0" fontAlgn="base" hangingPunct="0">
+                <a:spcBef>
+                  <a:spcPct val="0"/>
+                </a:spcBef>
+                <a:spcAft>
+                  <a:spcPct val="0"/>
+                </a:spcAft>
+                <a:defRPr sz="3600">
+                  <a:solidFill>
+                    <a:schemeClr val="tx1"/>
+                  </a:solidFill>
+                  <a:latin typeface="Lato Light" panose="020F0502020204030203" pitchFamily="34" charset="0"/>
+                </a:defRPr>
+              </a:lvl6pPr>
+              <a:lvl7pPr marL="2971800" indent="-228600" defTabSz="1827213" eaLnBrk="0" fontAlgn="base" hangingPunct="0">
+                <a:spcBef>
+                  <a:spcPct val="0"/>
+                </a:spcBef>
+                <a:spcAft>
+                  <a:spcPct val="0"/>
+                </a:spcAft>
+                <a:defRPr sz="3600">
+                  <a:solidFill>
+                    <a:schemeClr val="tx1"/>
+                  </a:solidFill>
+                  <a:latin typeface="Lato Light" panose="020F0502020204030203" pitchFamily="34" charset="0"/>
+                </a:defRPr>
+              </a:lvl7pPr>
+              <a:lvl8pPr marL="3429000" indent="-228600" defTabSz="1827213" eaLnBrk="0" fontAlgn="base" hangingPunct="0">
+                <a:spcBef>
+                  <a:spcPct val="0"/>
+                </a:spcBef>
+                <a:spcAft>
+                  <a:spcPct val="0"/>
+                </a:spcAft>
+                <a:defRPr sz="3600">
+                  <a:solidFill>
+                    <a:schemeClr val="tx1"/>
+                  </a:solidFill>
+                  <a:latin typeface="Lato Light" panose="020F0502020204030203" pitchFamily="34" charset="0"/>
+                </a:defRPr>
+              </a:lvl8pPr>
+              <a:lvl9pPr marL="3886200" indent="-228600" defTabSz="1827213" eaLnBrk="0" fontAlgn="base" hangingPunct="0">
+                <a:spcBef>
+                  <a:spcPct val="0"/>
+                </a:spcBef>
+                <a:spcAft>
+                  <a:spcPct val="0"/>
+                </a:spcAft>
+                <a:defRPr sz="3600">
+                  <a:solidFill>
+                    <a:schemeClr val="tx1"/>
+                  </a:solidFill>
+                  <a:latin typeface="Lato Light" panose="020F0502020204030203" pitchFamily="34" charset="0"/>
+                </a:defRPr>
+              </a:lvl9pPr>
+            </a:lstStyle>
+            <a:p>
+              <a:pPr eaLnBrk="1" hangingPunct="1"/>
+              <a:r>
+                <a:rPr lang="en-IN" altLang="en-US" sz="1800" dirty="0">
+                  <a:solidFill>
+                    <a:schemeClr val="accent2"/>
+                  </a:solidFill>
+                  <a:latin typeface="+mj-lt"/>
+                  <a:ea typeface="Montserrat" panose="00000500000000000000" pitchFamily="50" charset="0"/>
+                  <a:cs typeface="Montserrat" panose="00000500000000000000" pitchFamily="50" charset="0"/>
+                </a:rPr>
+                <a:t>Programmers.io Confidential and Proprietary</a:t>
+              </a:r>
+              <a:endParaRPr lang="en-US" altLang="en-US" sz="1800" dirty="0">
+                <a:solidFill>
+                  <a:schemeClr val="accent2"/>
+                </a:solidFill>
+                <a:latin typeface="+mj-lt"/>
+                <a:ea typeface="Montserrat" panose="00000500000000000000" pitchFamily="50" charset="0"/>
+                <a:cs typeface="Montserrat" panose="00000500000000000000" pitchFamily="50" charset="0"/>
+              </a:endParaRPr>
+            </a:p>
+          </p:txBody>
+        </p:sp>
+        <p:pic>
+          <p:nvPicPr>
+            <p:cNvPr id="13" name="Picture 12">
+              <a:extLst>
+                <a:ext uri="{FF2B5EF4-FFF2-40B4-BE49-F238E27FC236}">
+                  <a16:creationId xmlns:a16="http://schemas.microsoft.com/office/drawing/2014/main" id="{5796CCCD-FBD4-025C-68EE-46316FDB60F4}"/>
+                </a:ext>
+              </a:extLst>
+            </p:cNvPr>
+            <p:cNvPicPr>
+              <a:picLocks noChangeAspect="1"/>
+            </p:cNvPicPr>
+            <p:nvPr/>
+          </p:nvPicPr>
+          <p:blipFill>
+            <a:blip r:embed="rId3">
+              <a:extLst>
+                <a:ext uri="{28A0092B-C50C-407E-A947-70E740481C1C}">
+                  <a14:useLocalDpi xmlns:a14="http://schemas.microsoft.com/office/drawing/2010/main" val="0"/>
+                </a:ext>
+              </a:extLst>
+            </a:blip>
+            <a:stretch>
+              <a:fillRect/>
+            </a:stretch>
+          </p:blipFill>
+          <p:spPr>
+            <a:xfrm>
+              <a:off x="13592315" y="12121964"/>
+              <a:ext cx="4107183" cy="1333941"/>
+            </a:xfrm>
+            <a:prstGeom prst="rect">
+              <a:avLst/>
+            </a:prstGeom>
+            <a:ln>
+              <a:noFill/>
+            </a:ln>
+          </p:spPr>
+        </p:pic>
+      </p:grpSp>
+      <p:sp>
+        <p:nvSpPr>
+          <p:cNvPr id="4" name="Rectangle 3">
+            <a:extLst>
+              <a:ext uri="{FF2B5EF4-FFF2-40B4-BE49-F238E27FC236}">
+                <a16:creationId xmlns:a16="http://schemas.microsoft.com/office/drawing/2014/main" id="{87DA787D-4006-A211-E700-E2F3A2A6B47D}"/>
+              </a:ext>
+            </a:extLst>
+          </p:cNvPr>
+          <p:cNvSpPr>
+            <a:spLocks noChangeArrowheads="1"/>
+          </p:cNvSpPr>
+          <p:nvPr/>
+        </p:nvSpPr>
+        <p:spPr bwMode="auto">
+          <a:xfrm>
+            <a:off x="830085" y="223989"/>
+            <a:ext cx="6199365" cy="616902"/>
+          </a:xfrm>
+          <a:prstGeom prst="rect">
+            <a:avLst/>
+          </a:prstGeom>
+          <a:solidFill>
+            <a:schemeClr val="tx1">
+              <a:lumMod val="65000"/>
+              <a:lumOff val="35000"/>
+            </a:schemeClr>
+          </a:solidFill>
+          <a:ln>
+            <a:noFill/>
+          </a:ln>
+          <a:effectLst/>
+        </p:spPr>
+        <p:txBody>
+          <a:bodyPr wrap="none" lIns="90000" tIns="45000" rIns="90000" bIns="45000" anchor="ctr"/>
+          <a:lstStyle>
+            <a:lvl1pPr>
+              <a:tabLst>
+                <a:tab pos="457200" algn="l"/>
+                <a:tab pos="914400" algn="l"/>
+                <a:tab pos="1371600" algn="l"/>
+                <a:tab pos="1828800" algn="l"/>
+                <a:tab pos="2286000" algn="l"/>
+              </a:tabLst>
+              <a:defRPr>
+                <a:solidFill>
+                  <a:srgbClr val="000000"/>
+                </a:solidFill>
+                <a:latin typeface="Arial" panose="020B0604020202020204" pitchFamily="34" charset="0"/>
+                <a:cs typeface="Tahoma" panose="020B0604030504040204" pitchFamily="34" charset="0"/>
+              </a:defRPr>
+            </a:lvl1pPr>
+            <a:lvl2pPr>
+              <a:tabLst>
+                <a:tab pos="457200" algn="l"/>
+                <a:tab pos="914400" algn="l"/>
+                <a:tab pos="1371600" algn="l"/>
+                <a:tab pos="1828800" algn="l"/>
+                <a:tab pos="2286000" algn="l"/>
+              </a:tabLst>
+              <a:defRPr>
+                <a:solidFill>
+                  <a:srgbClr val="000000"/>
+                </a:solidFill>
+                <a:latin typeface="Arial" panose="020B0604020202020204" pitchFamily="34" charset="0"/>
+                <a:cs typeface="Tahoma" panose="020B0604030504040204" pitchFamily="34" charset="0"/>
+              </a:defRPr>
+            </a:lvl2pPr>
+            <a:lvl3pPr>
+              <a:tabLst>
+                <a:tab pos="457200" algn="l"/>
+                <a:tab pos="914400" algn="l"/>
+                <a:tab pos="1371600" algn="l"/>
+                <a:tab pos="1828800" algn="l"/>
+                <a:tab pos="2286000" algn="l"/>
+              </a:tabLst>
+              <a:defRPr>
+                <a:solidFill>
+                  <a:srgbClr val="000000"/>
+                </a:solidFill>
+                <a:latin typeface="Arial" panose="020B0604020202020204" pitchFamily="34" charset="0"/>
+                <a:cs typeface="Tahoma" panose="020B0604030504040204" pitchFamily="34" charset="0"/>
+              </a:defRPr>
+            </a:lvl3pPr>
+            <a:lvl4pPr>
+              <a:tabLst>
+                <a:tab pos="457200" algn="l"/>
+                <a:tab pos="914400" algn="l"/>
+                <a:tab pos="1371600" algn="l"/>
+                <a:tab pos="1828800" algn="l"/>
+                <a:tab pos="2286000" algn="l"/>
+              </a:tabLst>
+              <a:defRPr>
+                <a:solidFill>
+                  <a:srgbClr val="000000"/>
+                </a:solidFill>
+                <a:latin typeface="Arial" panose="020B0604020202020204" pitchFamily="34" charset="0"/>
+                <a:cs typeface="Tahoma" panose="020B0604030504040204" pitchFamily="34" charset="0"/>
+              </a:defRPr>
+            </a:lvl4pPr>
+            <a:lvl5pPr>
+              <a:tabLst>
+                <a:tab pos="457200" algn="l"/>
+                <a:tab pos="914400" algn="l"/>
+                <a:tab pos="1371600" algn="l"/>
+                <a:tab pos="1828800" algn="l"/>
+                <a:tab pos="2286000" algn="l"/>
+              </a:tabLst>
+              <a:defRPr>
+                <a:solidFill>
+                  <a:srgbClr val="000000"/>
+                </a:solidFill>
+                <a:latin typeface="Arial" panose="020B0604020202020204" pitchFamily="34" charset="0"/>
+                <a:cs typeface="Tahoma" panose="020B0604030504040204" pitchFamily="34" charset="0"/>
+              </a:defRPr>
+            </a:lvl5pPr>
+            <a:lvl6pPr marL="2514600" indent="-228600" defTabSz="457200" fontAlgn="base" hangingPunct="0">
+              <a:lnSpc>
+                <a:spcPct val="93000"/>
+              </a:lnSpc>
+              <a:spcBef>
+                <a:spcPts val="13"/>
+              </a:spcBef>
+              <a:spcAft>
+                <a:spcPts val="13"/>
+              </a:spcAft>
+              <a:buClr>
+                <a:srgbClr val="000000"/>
+              </a:buClr>
+              <a:buSzPct val="100000"/>
+              <a:buFont typeface="Times New Roman" panose="02020603050405020304" pitchFamily="18" charset="0"/>
+              <a:tabLst>
+                <a:tab pos="457200" algn="l"/>
+                <a:tab pos="914400" algn="l"/>
+                <a:tab pos="1371600" algn="l"/>
+                <a:tab pos="1828800" algn="l"/>
+                <a:tab pos="2286000" algn="l"/>
+              </a:tabLst>
+              <a:defRPr>
+                <a:solidFill>
+                  <a:srgbClr val="000000"/>
+                </a:solidFill>
+                <a:latin typeface="Arial" panose="020B0604020202020204" pitchFamily="34" charset="0"/>
+                <a:cs typeface="Tahoma" panose="020B0604030504040204" pitchFamily="34" charset="0"/>
+              </a:defRPr>
+            </a:lvl6pPr>
+            <a:lvl7pPr marL="2971800" indent="-228600" defTabSz="457200" fontAlgn="base" hangingPunct="0">
+              <a:lnSpc>
+                <a:spcPct val="93000"/>
+              </a:lnSpc>
+              <a:spcBef>
+                <a:spcPts val="13"/>
+              </a:spcBef>
+              <a:spcAft>
+                <a:spcPts val="13"/>
+              </a:spcAft>
+              <a:buClr>
+                <a:srgbClr val="000000"/>
+              </a:buClr>
+              <a:buSzPct val="100000"/>
+              <a:buFont typeface="Times New Roman" panose="02020603050405020304" pitchFamily="18" charset="0"/>
+              <a:tabLst>
+                <a:tab pos="457200" algn="l"/>
+                <a:tab pos="914400" algn="l"/>
+                <a:tab pos="1371600" algn="l"/>
+                <a:tab pos="1828800" algn="l"/>
+                <a:tab pos="2286000" algn="l"/>
+              </a:tabLst>
+              <a:defRPr>
+                <a:solidFill>
+                  <a:srgbClr val="000000"/>
+                </a:solidFill>
+                <a:latin typeface="Arial" panose="020B0604020202020204" pitchFamily="34" charset="0"/>
+                <a:cs typeface="Tahoma" panose="020B0604030504040204" pitchFamily="34" charset="0"/>
+              </a:defRPr>
+            </a:lvl7pPr>
+            <a:lvl8pPr marL="3429000" indent="-228600" defTabSz="457200" fontAlgn="base" hangingPunct="0">
+              <a:lnSpc>
+                <a:spcPct val="93000"/>
+              </a:lnSpc>
+              <a:spcBef>
+                <a:spcPts val="13"/>
+              </a:spcBef>
+              <a:spcAft>
+                <a:spcPts val="13"/>
+              </a:spcAft>
+              <a:buClr>
+                <a:srgbClr val="000000"/>
+              </a:buClr>
+              <a:buSzPct val="100000"/>
+              <a:buFont typeface="Times New Roman" panose="02020603050405020304" pitchFamily="18" charset="0"/>
+              <a:tabLst>
+                <a:tab pos="457200" algn="l"/>
+                <a:tab pos="914400" algn="l"/>
+                <a:tab pos="1371600" algn="l"/>
+                <a:tab pos="1828800" algn="l"/>
+                <a:tab pos="2286000" algn="l"/>
+              </a:tabLst>
+              <a:defRPr>
+                <a:solidFill>
+                  <a:srgbClr val="000000"/>
+                </a:solidFill>
+                <a:latin typeface="Arial" panose="020B0604020202020204" pitchFamily="34" charset="0"/>
+                <a:cs typeface="Tahoma" panose="020B0604030504040204" pitchFamily="34" charset="0"/>
+              </a:defRPr>
+            </a:lvl8pPr>
+            <a:lvl9pPr marL="3886200" indent="-228600" defTabSz="457200" fontAlgn="base" hangingPunct="0">
+              <a:lnSpc>
+                <a:spcPct val="93000"/>
+              </a:lnSpc>
+              <a:spcBef>
+                <a:spcPts val="13"/>
+              </a:spcBef>
+              <a:spcAft>
+                <a:spcPts val="13"/>
+              </a:spcAft>
+              <a:buClr>
+                <a:srgbClr val="000000"/>
+              </a:buClr>
+              <a:buSzPct val="100000"/>
+              <a:buFont typeface="Times New Roman" panose="02020603050405020304" pitchFamily="18" charset="0"/>
+              <a:tabLst>
+                <a:tab pos="457200" algn="l"/>
+                <a:tab pos="914400" algn="l"/>
+                <a:tab pos="1371600" algn="l"/>
+                <a:tab pos="1828800" algn="l"/>
+                <a:tab pos="2286000" algn="l"/>
+              </a:tabLst>
+              <a:defRPr>
+                <a:solidFill>
+                  <a:srgbClr val="000000"/>
+                </a:solidFill>
+                <a:latin typeface="Arial" panose="020B0604020202020204" pitchFamily="34" charset="0"/>
+                <a:cs typeface="Tahoma" panose="020B0604030504040204" pitchFamily="34" charset="0"/>
+              </a:defRPr>
+            </a:lvl9pPr>
+          </a:lstStyle>
+          <a:p>
+            <a:pPr algn="ctr">
+              <a:lnSpc>
+                <a:spcPct val="100000"/>
+              </a:lnSpc>
+            </a:pPr>
+            <a:r>
+              <a:rPr lang="en-US" altLang="en-US" sz="2800" dirty="0">
+                <a:solidFill>
+                  <a:srgbClr val="FFFFFF"/>
+                </a:solidFill>
+                <a:latin typeface="Calibri   "/>
+              </a:rPr>
+              <a:t>Automate much? Make way for Jenkins</a:t>
+            </a:r>
+          </a:p>
+        </p:txBody>
+      </p:sp>
+    </p:spTree>
+    <p:extLst>
+      <p:ext uri="{BB962C8B-B14F-4D97-AF65-F5344CB8AC3E}">
+        <p14:creationId xmlns:p14="http://schemas.microsoft.com/office/powerpoint/2010/main" val="2888951602"/>
+      </p:ext>
+    </p:extLst>
+  </p:cSld>
+  <p:clrMapOvr>
+    <a:masterClrMapping/>
+  </p:clrMapOvr>
+</p:sld>
+</file>
+
+<file path=ppt/slides/slide11.xml><?xml version="1.0" encoding="utf-8"?>
+<p:sld xmlns:a="http://schemas.openxmlformats.org/drawingml/2006/main" xmlns:r="http://schemas.openxmlformats.org/officeDocument/2006/relationships" xmlns:p="http://schemas.openxmlformats.org/presentationml/2006/main">
+  <p:cSld>
+    <p:spTree>
+      <p:nvGrpSpPr>
+        <p:cNvPr id="1" name="">
+          <a:extLst>
+            <a:ext uri="{FF2B5EF4-FFF2-40B4-BE49-F238E27FC236}">
+              <a16:creationId xmlns:a16="http://schemas.microsoft.com/office/drawing/2014/main" id="{F0D04540-ED2C-AE8C-79F7-0B8856DF8354}"/>
+            </a:ext>
+          </a:extLst>
+        </p:cNvPr>
+        <p:cNvGrpSpPr/>
+        <p:nvPr/>
+      </p:nvGrpSpPr>
+      <p:grpSpPr>
+        <a:xfrm>
+          <a:off x="0" y="0"/>
+          <a:ext cx="0" cy="0"/>
+          <a:chOff x="0" y="0"/>
+          <a:chExt cx="0" cy="0"/>
+        </a:xfrm>
+      </p:grpSpPr>
+      <p:grpSp>
+        <p:nvGrpSpPr>
+          <p:cNvPr id="6" name="Group 5">
+            <a:extLst>
+              <a:ext uri="{FF2B5EF4-FFF2-40B4-BE49-F238E27FC236}">
+                <a16:creationId xmlns:a16="http://schemas.microsoft.com/office/drawing/2014/main" id="{2339EBCC-EAC3-270E-A514-334C34AA4324}"/>
+              </a:ext>
+            </a:extLst>
+          </p:cNvPr>
+          <p:cNvGrpSpPr/>
+          <p:nvPr/>
+        </p:nvGrpSpPr>
+        <p:grpSpPr>
+          <a:xfrm>
+            <a:off x="629110" y="5881665"/>
+            <a:ext cx="11258551" cy="616902"/>
+            <a:chOff x="373320" y="11920376"/>
+            <a:chExt cx="17541357" cy="1544612"/>
+          </a:xfrm>
+        </p:grpSpPr>
+        <p:sp>
+          <p:nvSpPr>
+            <p:cNvPr id="7" name="Rectangle 6">
+              <a:extLst>
+                <a:ext uri="{FF2B5EF4-FFF2-40B4-BE49-F238E27FC236}">
+                  <a16:creationId xmlns:a16="http://schemas.microsoft.com/office/drawing/2014/main" id="{AD404CB2-24F6-9225-2CA3-2390A7FF80A7}"/>
+                </a:ext>
+              </a:extLst>
+            </p:cNvPr>
+            <p:cNvSpPr/>
+            <p:nvPr/>
+          </p:nvSpPr>
+          <p:spPr>
+            <a:xfrm>
+              <a:off x="373320" y="11920376"/>
+              <a:ext cx="17541357" cy="1544612"/>
+            </a:xfrm>
+            <a:prstGeom prst="rect">
+              <a:avLst/>
+            </a:prstGeom>
+            <a:solidFill>
+              <a:schemeClr val="bg1"/>
+            </a:solidFill>
+            <a:ln>
+              <a:noFill/>
+            </a:ln>
+          </p:spPr>
+          <p:style>
+            <a:lnRef idx="2">
+              <a:schemeClr val="accent1">
+                <a:shade val="50000"/>
+              </a:schemeClr>
+            </a:lnRef>
+            <a:fillRef idx="1">
+              <a:schemeClr val="accent1"/>
+            </a:fillRef>
+            <a:effectRef idx="0">
+              <a:schemeClr val="accent1"/>
+            </a:effectRef>
+            <a:fontRef idx="minor">
+              <a:schemeClr val="lt1"/>
+            </a:fontRef>
+          </p:style>
+          <p:txBody>
+            <a:bodyPr rtlCol="0" anchor="ctr"/>
+            <a:lstStyle/>
+            <a:p>
+              <a:pPr algn="ctr"/>
+              <a:endParaRPr lang="en-US" dirty="0"/>
+            </a:p>
+          </p:txBody>
+        </p:sp>
+        <p:sp>
+          <p:nvSpPr>
+            <p:cNvPr id="12" name="TextBox 26">
+              <a:extLst>
+                <a:ext uri="{FF2B5EF4-FFF2-40B4-BE49-F238E27FC236}">
+                  <a16:creationId xmlns:a16="http://schemas.microsoft.com/office/drawing/2014/main" id="{0A680238-9213-EB70-635D-C0C04DD5F765}"/>
+                </a:ext>
+              </a:extLst>
+            </p:cNvPr>
+            <p:cNvSpPr txBox="1">
+              <a:spLocks noChangeArrowheads="1"/>
+            </p:cNvSpPr>
+            <p:nvPr/>
+          </p:nvSpPr>
+          <p:spPr bwMode="auto">
+            <a:xfrm>
+              <a:off x="686449" y="12531163"/>
+              <a:ext cx="7411302" cy="924741"/>
+            </a:xfrm>
+            <a:prstGeom prst="rect">
+              <a:avLst/>
+            </a:prstGeom>
+            <a:noFill/>
+            <a:ln w="9525">
+              <a:solidFill>
+                <a:schemeClr val="bg1"/>
+              </a:solidFill>
+              <a:miter lim="800000"/>
+              <a:headEnd/>
+              <a:tailEnd/>
+            </a:ln>
+            <a:extLst>
+              <a:ext uri="{909E8E84-426E-40DD-AFC4-6F175D3DCCD1}">
+                <a14:hiddenFill xmlns:a14="http://schemas.microsoft.com/office/drawing/2010/main">
+                  <a:solidFill>
+                    <a:srgbClr val="FFFFFF"/>
+                  </a:solidFill>
+                </a14:hiddenFill>
+              </a:ext>
+            </a:extLst>
+          </p:spPr>
+          <p:txBody>
+            <a:bodyPr wrap="square">
+              <a:spAutoFit/>
+            </a:bodyPr>
+            <a:lstStyle>
+              <a:lvl1pPr>
+                <a:defRPr sz="3600">
+                  <a:solidFill>
+                    <a:schemeClr val="tx1"/>
+                  </a:solidFill>
+                  <a:latin typeface="Lato Light" panose="020F0502020204030203" pitchFamily="34" charset="0"/>
+                </a:defRPr>
+              </a:lvl1pPr>
+              <a:lvl2pPr marL="742950" indent="-285750">
+                <a:defRPr sz="3600">
+                  <a:solidFill>
+                    <a:schemeClr val="tx1"/>
+                  </a:solidFill>
+                  <a:latin typeface="Lato Light" panose="020F0502020204030203" pitchFamily="34" charset="0"/>
+                </a:defRPr>
+              </a:lvl2pPr>
+              <a:lvl3pPr marL="1143000" indent="-228600">
+                <a:defRPr sz="3600">
+                  <a:solidFill>
+                    <a:schemeClr val="tx1"/>
+                  </a:solidFill>
+                  <a:latin typeface="Lato Light" panose="020F0502020204030203" pitchFamily="34" charset="0"/>
+                </a:defRPr>
+              </a:lvl3pPr>
+              <a:lvl4pPr marL="1600200" indent="-228600">
+                <a:defRPr sz="3600">
+                  <a:solidFill>
+                    <a:schemeClr val="tx1"/>
+                  </a:solidFill>
+                  <a:latin typeface="Lato Light" panose="020F0502020204030203" pitchFamily="34" charset="0"/>
+                </a:defRPr>
+              </a:lvl4pPr>
+              <a:lvl5pPr marL="2057400" indent="-228600">
+                <a:defRPr sz="3600">
+                  <a:solidFill>
+                    <a:schemeClr val="tx1"/>
+                  </a:solidFill>
+                  <a:latin typeface="Lato Light" panose="020F0502020204030203" pitchFamily="34" charset="0"/>
+                </a:defRPr>
+              </a:lvl5pPr>
+              <a:lvl6pPr marL="2514600" indent="-228600" defTabSz="1827213" eaLnBrk="0" fontAlgn="base" hangingPunct="0">
+                <a:spcBef>
+                  <a:spcPct val="0"/>
+                </a:spcBef>
+                <a:spcAft>
+                  <a:spcPct val="0"/>
+                </a:spcAft>
+                <a:defRPr sz="3600">
+                  <a:solidFill>
+                    <a:schemeClr val="tx1"/>
+                  </a:solidFill>
+                  <a:latin typeface="Lato Light" panose="020F0502020204030203" pitchFamily="34" charset="0"/>
+                </a:defRPr>
+              </a:lvl6pPr>
+              <a:lvl7pPr marL="2971800" indent="-228600" defTabSz="1827213" eaLnBrk="0" fontAlgn="base" hangingPunct="0">
+                <a:spcBef>
+                  <a:spcPct val="0"/>
+                </a:spcBef>
+                <a:spcAft>
+                  <a:spcPct val="0"/>
+                </a:spcAft>
+                <a:defRPr sz="3600">
+                  <a:solidFill>
+                    <a:schemeClr val="tx1"/>
+                  </a:solidFill>
+                  <a:latin typeface="Lato Light" panose="020F0502020204030203" pitchFamily="34" charset="0"/>
+                </a:defRPr>
+              </a:lvl7pPr>
+              <a:lvl8pPr marL="3429000" indent="-228600" defTabSz="1827213" eaLnBrk="0" fontAlgn="base" hangingPunct="0">
+                <a:spcBef>
+                  <a:spcPct val="0"/>
+                </a:spcBef>
+                <a:spcAft>
+                  <a:spcPct val="0"/>
+                </a:spcAft>
+                <a:defRPr sz="3600">
+                  <a:solidFill>
+                    <a:schemeClr val="tx1"/>
+                  </a:solidFill>
+                  <a:latin typeface="Lato Light" panose="020F0502020204030203" pitchFamily="34" charset="0"/>
+                </a:defRPr>
+              </a:lvl8pPr>
+              <a:lvl9pPr marL="3886200" indent="-228600" defTabSz="1827213" eaLnBrk="0" fontAlgn="base" hangingPunct="0">
+                <a:spcBef>
+                  <a:spcPct val="0"/>
+                </a:spcBef>
+                <a:spcAft>
+                  <a:spcPct val="0"/>
+                </a:spcAft>
+                <a:defRPr sz="3600">
+                  <a:solidFill>
+                    <a:schemeClr val="tx1"/>
+                  </a:solidFill>
+                  <a:latin typeface="Lato Light" panose="020F0502020204030203" pitchFamily="34" charset="0"/>
+                </a:defRPr>
+              </a:lvl9pPr>
+            </a:lstStyle>
+            <a:p>
+              <a:pPr eaLnBrk="1" hangingPunct="1"/>
+              <a:r>
+                <a:rPr lang="en-IN" altLang="en-US" sz="1800" dirty="0">
+                  <a:solidFill>
+                    <a:schemeClr val="accent2"/>
+                  </a:solidFill>
+                  <a:latin typeface="+mj-lt"/>
+                  <a:ea typeface="Montserrat" panose="00000500000000000000" pitchFamily="50" charset="0"/>
+                  <a:cs typeface="Montserrat" panose="00000500000000000000" pitchFamily="50" charset="0"/>
+                </a:rPr>
+                <a:t>Programmers.io Confidential and Proprietary</a:t>
+              </a:r>
+              <a:endParaRPr lang="en-US" altLang="en-US" sz="1800" dirty="0">
+                <a:solidFill>
+                  <a:schemeClr val="accent2"/>
+                </a:solidFill>
+                <a:latin typeface="+mj-lt"/>
+                <a:ea typeface="Montserrat" panose="00000500000000000000" pitchFamily="50" charset="0"/>
+                <a:cs typeface="Montserrat" panose="00000500000000000000" pitchFamily="50" charset="0"/>
+              </a:endParaRPr>
+            </a:p>
+          </p:txBody>
+        </p:sp>
+        <p:pic>
+          <p:nvPicPr>
+            <p:cNvPr id="13" name="Picture 12">
+              <a:extLst>
+                <a:ext uri="{FF2B5EF4-FFF2-40B4-BE49-F238E27FC236}">
+                  <a16:creationId xmlns:a16="http://schemas.microsoft.com/office/drawing/2014/main" id="{EBDC9338-D435-B1ED-AB7A-BFEC709FDFD6}"/>
+                </a:ext>
+              </a:extLst>
+            </p:cNvPr>
+            <p:cNvPicPr>
+              <a:picLocks noChangeAspect="1"/>
+            </p:cNvPicPr>
+            <p:nvPr/>
+          </p:nvPicPr>
+          <p:blipFill>
+            <a:blip r:embed="rId2">
+              <a:extLst>
+                <a:ext uri="{28A0092B-C50C-407E-A947-70E740481C1C}">
+                  <a14:useLocalDpi xmlns:a14="http://schemas.microsoft.com/office/drawing/2010/main" val="0"/>
+                </a:ext>
+              </a:extLst>
+            </a:blip>
+            <a:stretch>
+              <a:fillRect/>
+            </a:stretch>
+          </p:blipFill>
+          <p:spPr>
+            <a:xfrm>
+              <a:off x="13592315" y="12121964"/>
+              <a:ext cx="4107183" cy="1333941"/>
+            </a:xfrm>
+            <a:prstGeom prst="rect">
+              <a:avLst/>
+            </a:prstGeom>
+            <a:ln>
+              <a:noFill/>
+            </a:ln>
+          </p:spPr>
+        </p:pic>
+      </p:grpSp>
+      <p:sp>
+        <p:nvSpPr>
+          <p:cNvPr id="4" name="Rectangle 3">
+            <a:extLst>
+              <a:ext uri="{FF2B5EF4-FFF2-40B4-BE49-F238E27FC236}">
+                <a16:creationId xmlns:a16="http://schemas.microsoft.com/office/drawing/2014/main" id="{8A1B65F3-F01A-845F-68E3-7498AB4E148F}"/>
+              </a:ext>
+            </a:extLst>
+          </p:cNvPr>
+          <p:cNvSpPr>
+            <a:spLocks noChangeArrowheads="1"/>
+          </p:cNvSpPr>
+          <p:nvPr/>
+        </p:nvSpPr>
+        <p:spPr bwMode="auto">
+          <a:xfrm>
+            <a:off x="830085" y="223989"/>
+            <a:ext cx="6199365" cy="616902"/>
+          </a:xfrm>
+          <a:prstGeom prst="rect">
+            <a:avLst/>
+          </a:prstGeom>
+          <a:solidFill>
+            <a:schemeClr val="tx1">
+              <a:lumMod val="65000"/>
+              <a:lumOff val="35000"/>
+            </a:schemeClr>
+          </a:solidFill>
+          <a:ln>
+            <a:noFill/>
+          </a:ln>
+          <a:effectLst/>
+        </p:spPr>
+        <p:txBody>
+          <a:bodyPr wrap="none" lIns="90000" tIns="45000" rIns="90000" bIns="45000" anchor="ctr"/>
+          <a:lstStyle>
+            <a:lvl1pPr>
+              <a:tabLst>
+                <a:tab pos="457200" algn="l"/>
+                <a:tab pos="914400" algn="l"/>
+                <a:tab pos="1371600" algn="l"/>
+                <a:tab pos="1828800" algn="l"/>
+                <a:tab pos="2286000" algn="l"/>
+              </a:tabLst>
+              <a:defRPr>
+                <a:solidFill>
+                  <a:srgbClr val="000000"/>
+                </a:solidFill>
+                <a:latin typeface="Arial" panose="020B0604020202020204" pitchFamily="34" charset="0"/>
+                <a:cs typeface="Tahoma" panose="020B0604030504040204" pitchFamily="34" charset="0"/>
+              </a:defRPr>
+            </a:lvl1pPr>
+            <a:lvl2pPr>
+              <a:tabLst>
+                <a:tab pos="457200" algn="l"/>
+                <a:tab pos="914400" algn="l"/>
+                <a:tab pos="1371600" algn="l"/>
+                <a:tab pos="1828800" algn="l"/>
+                <a:tab pos="2286000" algn="l"/>
+              </a:tabLst>
+              <a:defRPr>
+                <a:solidFill>
+                  <a:srgbClr val="000000"/>
+                </a:solidFill>
+                <a:latin typeface="Arial" panose="020B0604020202020204" pitchFamily="34" charset="0"/>
+                <a:cs typeface="Tahoma" panose="020B0604030504040204" pitchFamily="34" charset="0"/>
+              </a:defRPr>
+            </a:lvl2pPr>
+            <a:lvl3pPr>
+              <a:tabLst>
+                <a:tab pos="457200" algn="l"/>
+                <a:tab pos="914400" algn="l"/>
+                <a:tab pos="1371600" algn="l"/>
+                <a:tab pos="1828800" algn="l"/>
+                <a:tab pos="2286000" algn="l"/>
+              </a:tabLst>
+              <a:defRPr>
+                <a:solidFill>
+                  <a:srgbClr val="000000"/>
+                </a:solidFill>
+                <a:latin typeface="Arial" panose="020B0604020202020204" pitchFamily="34" charset="0"/>
+                <a:cs typeface="Tahoma" panose="020B0604030504040204" pitchFamily="34" charset="0"/>
+              </a:defRPr>
+            </a:lvl3pPr>
+            <a:lvl4pPr>
+              <a:tabLst>
+                <a:tab pos="457200" algn="l"/>
+                <a:tab pos="914400" algn="l"/>
+                <a:tab pos="1371600" algn="l"/>
+                <a:tab pos="1828800" algn="l"/>
+                <a:tab pos="2286000" algn="l"/>
+              </a:tabLst>
+              <a:defRPr>
+                <a:solidFill>
+                  <a:srgbClr val="000000"/>
+                </a:solidFill>
+                <a:latin typeface="Arial" panose="020B0604020202020204" pitchFamily="34" charset="0"/>
+                <a:cs typeface="Tahoma" panose="020B0604030504040204" pitchFamily="34" charset="0"/>
+              </a:defRPr>
+            </a:lvl4pPr>
+            <a:lvl5pPr>
+              <a:tabLst>
+                <a:tab pos="457200" algn="l"/>
+                <a:tab pos="914400" algn="l"/>
+                <a:tab pos="1371600" algn="l"/>
+                <a:tab pos="1828800" algn="l"/>
+                <a:tab pos="2286000" algn="l"/>
+              </a:tabLst>
+              <a:defRPr>
+                <a:solidFill>
+                  <a:srgbClr val="000000"/>
+                </a:solidFill>
+                <a:latin typeface="Arial" panose="020B0604020202020204" pitchFamily="34" charset="0"/>
+                <a:cs typeface="Tahoma" panose="020B0604030504040204" pitchFamily="34" charset="0"/>
+              </a:defRPr>
+            </a:lvl5pPr>
+            <a:lvl6pPr marL="2514600" indent="-228600" defTabSz="457200" fontAlgn="base" hangingPunct="0">
+              <a:lnSpc>
+                <a:spcPct val="93000"/>
+              </a:lnSpc>
+              <a:spcBef>
+                <a:spcPts val="13"/>
+              </a:spcBef>
+              <a:spcAft>
+                <a:spcPts val="13"/>
+              </a:spcAft>
+              <a:buClr>
+                <a:srgbClr val="000000"/>
+              </a:buClr>
+              <a:buSzPct val="100000"/>
+              <a:buFont typeface="Times New Roman" panose="02020603050405020304" pitchFamily="18" charset="0"/>
+              <a:tabLst>
+                <a:tab pos="457200" algn="l"/>
+                <a:tab pos="914400" algn="l"/>
+                <a:tab pos="1371600" algn="l"/>
+                <a:tab pos="1828800" algn="l"/>
+                <a:tab pos="2286000" algn="l"/>
+              </a:tabLst>
+              <a:defRPr>
+                <a:solidFill>
+                  <a:srgbClr val="000000"/>
+                </a:solidFill>
+                <a:latin typeface="Arial" panose="020B0604020202020204" pitchFamily="34" charset="0"/>
+                <a:cs typeface="Tahoma" panose="020B0604030504040204" pitchFamily="34" charset="0"/>
+              </a:defRPr>
+            </a:lvl6pPr>
+            <a:lvl7pPr marL="2971800" indent="-228600" defTabSz="457200" fontAlgn="base" hangingPunct="0">
+              <a:lnSpc>
+                <a:spcPct val="93000"/>
+              </a:lnSpc>
+              <a:spcBef>
+                <a:spcPts val="13"/>
+              </a:spcBef>
+              <a:spcAft>
+                <a:spcPts val="13"/>
+              </a:spcAft>
+              <a:buClr>
+                <a:srgbClr val="000000"/>
+              </a:buClr>
+              <a:buSzPct val="100000"/>
+              <a:buFont typeface="Times New Roman" panose="02020603050405020304" pitchFamily="18" charset="0"/>
+              <a:tabLst>
+                <a:tab pos="457200" algn="l"/>
+                <a:tab pos="914400" algn="l"/>
+                <a:tab pos="1371600" algn="l"/>
+                <a:tab pos="1828800" algn="l"/>
+                <a:tab pos="2286000" algn="l"/>
+              </a:tabLst>
+              <a:defRPr>
+                <a:solidFill>
+                  <a:srgbClr val="000000"/>
+                </a:solidFill>
+                <a:latin typeface="Arial" panose="020B0604020202020204" pitchFamily="34" charset="0"/>
+                <a:cs typeface="Tahoma" panose="020B0604030504040204" pitchFamily="34" charset="0"/>
+              </a:defRPr>
+            </a:lvl7pPr>
+            <a:lvl8pPr marL="3429000" indent="-228600" defTabSz="457200" fontAlgn="base" hangingPunct="0">
+              <a:lnSpc>
+                <a:spcPct val="93000"/>
+              </a:lnSpc>
+              <a:spcBef>
+                <a:spcPts val="13"/>
+              </a:spcBef>
+              <a:spcAft>
+                <a:spcPts val="13"/>
+              </a:spcAft>
+              <a:buClr>
+                <a:srgbClr val="000000"/>
+              </a:buClr>
+              <a:buSzPct val="100000"/>
+              <a:buFont typeface="Times New Roman" panose="02020603050405020304" pitchFamily="18" charset="0"/>
+              <a:tabLst>
+                <a:tab pos="457200" algn="l"/>
+                <a:tab pos="914400" algn="l"/>
+                <a:tab pos="1371600" algn="l"/>
+                <a:tab pos="1828800" algn="l"/>
+                <a:tab pos="2286000" algn="l"/>
+              </a:tabLst>
+              <a:defRPr>
+                <a:solidFill>
+                  <a:srgbClr val="000000"/>
+                </a:solidFill>
+                <a:latin typeface="Arial" panose="020B0604020202020204" pitchFamily="34" charset="0"/>
+                <a:cs typeface="Tahoma" panose="020B0604030504040204" pitchFamily="34" charset="0"/>
+              </a:defRPr>
+            </a:lvl8pPr>
+            <a:lvl9pPr marL="3886200" indent="-228600" defTabSz="457200" fontAlgn="base" hangingPunct="0">
+              <a:lnSpc>
+                <a:spcPct val="93000"/>
+              </a:lnSpc>
+              <a:spcBef>
+                <a:spcPts val="13"/>
+              </a:spcBef>
+              <a:spcAft>
+                <a:spcPts val="13"/>
+              </a:spcAft>
+              <a:buClr>
+                <a:srgbClr val="000000"/>
+              </a:buClr>
+              <a:buSzPct val="100000"/>
+              <a:buFont typeface="Times New Roman" panose="02020603050405020304" pitchFamily="18" charset="0"/>
+              <a:tabLst>
+                <a:tab pos="457200" algn="l"/>
+                <a:tab pos="914400" algn="l"/>
+                <a:tab pos="1371600" algn="l"/>
+                <a:tab pos="1828800" algn="l"/>
+                <a:tab pos="2286000" algn="l"/>
+              </a:tabLst>
+              <a:defRPr>
+                <a:solidFill>
+                  <a:srgbClr val="000000"/>
+                </a:solidFill>
+                <a:latin typeface="Arial" panose="020B0604020202020204" pitchFamily="34" charset="0"/>
+                <a:cs typeface="Tahoma" panose="020B0604030504040204" pitchFamily="34" charset="0"/>
+              </a:defRPr>
+            </a:lvl9pPr>
+          </a:lstStyle>
+          <a:p>
+            <a:pPr algn="ctr">
+              <a:lnSpc>
+                <a:spcPct val="100000"/>
+              </a:lnSpc>
+            </a:pPr>
+            <a:r>
+              <a:rPr lang="en-US" altLang="en-US" sz="2800" dirty="0">
+                <a:solidFill>
+                  <a:srgbClr val="FFFFFF"/>
+                </a:solidFill>
+                <a:latin typeface="Calibri   "/>
+              </a:rPr>
+              <a:t>A modern workflow for </a:t>
+            </a:r>
+            <a:r>
+              <a:rPr lang="en-US" altLang="en-US" sz="2800" dirty="0" err="1">
+                <a:solidFill>
+                  <a:srgbClr val="FFFFFF"/>
+                </a:solidFill>
+                <a:latin typeface="Calibri   "/>
+              </a:rPr>
+              <a:t>IBMi</a:t>
+            </a:r>
+            <a:r>
+              <a:rPr lang="en-US" altLang="en-US" sz="2800" dirty="0">
+                <a:solidFill>
+                  <a:srgbClr val="FFFFFF"/>
+                </a:solidFill>
+                <a:latin typeface="Calibri   "/>
+              </a:rPr>
+              <a:t> developer.</a:t>
+            </a:r>
+          </a:p>
+        </p:txBody>
+      </p:sp>
+    </p:spTree>
+    <p:extLst>
+      <p:ext uri="{BB962C8B-B14F-4D97-AF65-F5344CB8AC3E}">
+        <p14:creationId xmlns:p14="http://schemas.microsoft.com/office/powerpoint/2010/main" val="2665125064"/>
+      </p:ext>
+    </p:extLst>
+  </p:cSld>
+  <p:clrMapOvr>
+    <a:masterClrMapping/>
+  </p:clrMapOvr>
+</p:sld>
+</file>
+
+<file path=ppt/slides/slide12.xml><?xml version="1.0" encoding="utf-8"?>
+<p:sld xmlns:a="http://schemas.openxmlformats.org/drawingml/2006/main" xmlns:r="http://schemas.openxmlformats.org/officeDocument/2006/relationships" xmlns:p="http://schemas.openxmlformats.org/presentationml/2006/main">
+  <p:cSld>
+    <p:bg>
+      <p:bgPr>
+        <a:solidFill>
+          <a:schemeClr val="accent1">
+            <a:alpha val="0"/>
+          </a:schemeClr>
+        </a:solidFill>
+        <a:effectLst/>
+      </p:bgPr>
+    </p:bg>
+    <p:spTree>
+      <p:nvGrpSpPr>
+        <p:cNvPr id="1" name=""/>
+        <p:cNvGrpSpPr/>
+        <p:nvPr/>
+      </p:nvGrpSpPr>
+      <p:grpSpPr>
+        <a:xfrm>
+          <a:off x="0" y="0"/>
+          <a:ext cx="0" cy="0"/>
+          <a:chOff x="0" y="0"/>
+          <a:chExt cx="0" cy="0"/>
+        </a:xfrm>
+      </p:grpSpPr>
+      <p:sp>
+        <p:nvSpPr>
+          <p:cNvPr id="9" name="Rectangle 8">
+            <a:extLst>
+              <a:ext uri="{FF2B5EF4-FFF2-40B4-BE49-F238E27FC236}">
+                <a16:creationId xmlns:a16="http://schemas.microsoft.com/office/drawing/2014/main" id="{C0B27210-D0CA-4654-B3E3-9ABB4F178EA1}"/>
+              </a:ext>
+              <a:ext uri="{C183D7F6-B498-43B3-948B-1728B52AA6E4}">
+                <adec:decorative xmlns:adec="http://schemas.microsoft.com/office/drawing/2017/decorative" val="1"/>
+              </a:ext>
+            </a:extLst>
+          </p:cNvPr>
+          <p:cNvSpPr>
+            <a:spLocks noGrp="1" noRot="1" noChangeAspect="1" noMove="1" noResize="1" noEditPoints="1" noAdjustHandles="1" noChangeArrowheads="1" noChangeShapeType="1" noTextEdit="1"/>
+          </p:cNvSpPr>
+          <p:nvPr>
+            <p:extLst>
+              <p:ext uri="{386F3935-93C4-4BCD-93E2-E3B085C9AB24}">
+                <p16:designElem xmlns:p16="http://schemas.microsoft.com/office/powerpoint/2015/main" val="1"/>
+              </p:ext>
+            </p:extLst>
+          </p:nvPr>
+        </p:nvSpPr>
+        <p:spPr>
+          <a:xfrm>
+            <a:off x="0" y="0"/>
+            <a:ext cx="12192000" cy="6858000"/>
+          </a:xfrm>
+          <a:prstGeom prst="rect">
+            <a:avLst/>
+          </a:prstGeom>
+          <a:solidFill>
+            <a:schemeClr val="tx1">
+              <a:lumMod val="75000"/>
+              <a:lumOff val="25000"/>
+            </a:schemeClr>
+          </a:solidFill>
+          <a:ln>
+            <a:noFill/>
+          </a:ln>
+        </p:spPr>
+        <p:style>
+          <a:lnRef idx="2">
+            <a:schemeClr val="accent1">
+              <a:shade val="50000"/>
+            </a:schemeClr>
+          </a:lnRef>
+          <a:fillRef idx="1">
+            <a:schemeClr val="accent1"/>
+          </a:fillRef>
+          <a:effectRef idx="0">
+            <a:schemeClr val="accent1"/>
+          </a:effectRef>
+          <a:fontRef idx="minor">
+            <a:schemeClr val="lt1"/>
+          </a:fontRef>
+        </p:style>
+        <p:txBody>
+          <a:bodyPr rtlCol="0" anchor="ctr"/>
+          <a:lstStyle/>
+          <a:p>
+            <a:pPr algn="ctr"/>
+            <a:endParaRPr lang="en-US"/>
+          </a:p>
+        </p:txBody>
+      </p:sp>
+      <p:sp>
+        <p:nvSpPr>
+          <p:cNvPr id="11" name="Freeform: Shape 10">
+            <a:extLst>
+              <a:ext uri="{FF2B5EF4-FFF2-40B4-BE49-F238E27FC236}">
+                <a16:creationId xmlns:a16="http://schemas.microsoft.com/office/drawing/2014/main" id="{1DB7C82F-AB7E-4F0C-B829-FA1B9C415180}"/>
+              </a:ext>
+              <a:ext uri="{C183D7F6-B498-43B3-948B-1728B52AA6E4}">
+                <adec:decorative xmlns:adec="http://schemas.microsoft.com/office/drawing/2017/decorative" val="1"/>
+              </a:ext>
+            </a:extLst>
+          </p:cNvPr>
+          <p:cNvSpPr>
+            <a:spLocks noGrp="1" noRot="1" noChangeAspect="1" noMove="1" noResize="1" noEditPoints="1" noAdjustHandles="1" noChangeArrowheads="1" noChangeShapeType="1" noTextEdit="1"/>
+          </p:cNvSpPr>
+          <p:nvPr>
+            <p:extLst>
+              <p:ext uri="{386F3935-93C4-4BCD-93E2-E3B085C9AB24}">
+                <p16:designElem xmlns:p16="http://schemas.microsoft.com/office/powerpoint/2015/main" val="1"/>
+              </p:ext>
+            </p:extLst>
+          </p:nvPr>
+        </p:nvSpPr>
+        <p:spPr>
+          <a:xfrm flipH="1">
+            <a:off x="0" y="0"/>
+            <a:ext cx="6172782" cy="6858000"/>
+          </a:xfrm>
+          <a:custGeom>
+            <a:avLst/>
+            <a:gdLst>
+              <a:gd name="connsiteX0" fmla="*/ 6172782 w 6172782"/>
+              <a:gd name="connsiteY0" fmla="*/ 0 h 6858000"/>
+              <a:gd name="connsiteX1" fmla="*/ 69075 w 6172782"/>
+              <a:gd name="connsiteY1" fmla="*/ 0 h 6858000"/>
+              <a:gd name="connsiteX2" fmla="*/ 35131 w 6172782"/>
+              <a:gd name="connsiteY2" fmla="*/ 267128 h 6858000"/>
+              <a:gd name="connsiteX3" fmla="*/ 0 w 6172782"/>
+              <a:gd name="connsiteY3" fmla="*/ 962845 h 6858000"/>
+              <a:gd name="connsiteX4" fmla="*/ 3276103 w 6172782"/>
+              <a:gd name="connsiteY4" fmla="*/ 6782205 h 6858000"/>
+              <a:gd name="connsiteX5" fmla="*/ 3407923 w 6172782"/>
+              <a:gd name="connsiteY5" fmla="*/ 6858000 h 6858000"/>
+              <a:gd name="connsiteX6" fmla="*/ 6172782 w 6172782"/>
+              <a:gd name="connsiteY6" fmla="*/ 6858000 h 6858000"/>
+            </a:gdLst>
+            <a:ahLst/>
+            <a:cxnLst>
+              <a:cxn ang="0">
+                <a:pos x="connsiteX0" y="connsiteY0"/>
+              </a:cxn>
+              <a:cxn ang="0">
+                <a:pos x="connsiteX1" y="connsiteY1"/>
+              </a:cxn>
+              <a:cxn ang="0">
+                <a:pos x="connsiteX2" y="connsiteY2"/>
+              </a:cxn>
+              <a:cxn ang="0">
+                <a:pos x="connsiteX3" y="connsiteY3"/>
+              </a:cxn>
+              <a:cxn ang="0">
+                <a:pos x="connsiteX4" y="connsiteY4"/>
+              </a:cxn>
+              <a:cxn ang="0">
+                <a:pos x="connsiteX5" y="connsiteY5"/>
+              </a:cxn>
+              <a:cxn ang="0">
+                <a:pos x="connsiteX6" y="connsiteY6"/>
+              </a:cxn>
+            </a:cxnLst>
+            <a:rect l="l" t="t" r="r" b="b"/>
+            <a:pathLst>
+              <a:path w="6172782" h="6858000">
+                <a:moveTo>
+                  <a:pt x="6172782" y="0"/>
+                </a:moveTo>
+                <a:lnTo>
+                  <a:pt x="69075" y="0"/>
+                </a:lnTo>
+                <a:lnTo>
+                  <a:pt x="35131" y="267128"/>
+                </a:lnTo>
+                <a:cubicBezTo>
+                  <a:pt x="11901" y="495874"/>
+                  <a:pt x="0" y="727970"/>
+                  <a:pt x="0" y="962845"/>
+                </a:cubicBezTo>
+                <a:cubicBezTo>
+                  <a:pt x="0" y="3429034"/>
+                  <a:pt x="1312002" y="5588789"/>
+                  <a:pt x="3276103" y="6782205"/>
+                </a:cubicBezTo>
+                <a:lnTo>
+                  <a:pt x="3407923" y="6858000"/>
+                </a:lnTo>
+                <a:lnTo>
+                  <a:pt x="6172782" y="6858000"/>
+                </a:lnTo>
+                <a:close/>
+              </a:path>
+            </a:pathLst>
+          </a:custGeom>
+          <a:solidFill>
+            <a:schemeClr val="bg1">
+              <a:alpha val="80000"/>
+            </a:schemeClr>
+          </a:solidFill>
+          <a:ln>
+            <a:noFill/>
+          </a:ln>
+        </p:spPr>
+        <p:style>
+          <a:lnRef idx="2">
+            <a:schemeClr val="accent1">
+              <a:shade val="50000"/>
+            </a:schemeClr>
+          </a:lnRef>
+          <a:fillRef idx="1">
+            <a:schemeClr val="accent1"/>
+          </a:fillRef>
+          <a:effectRef idx="0">
+            <a:schemeClr val="accent1"/>
+          </a:effectRef>
+          <a:fontRef idx="minor">
+            <a:schemeClr val="lt1"/>
+          </a:fontRef>
+        </p:style>
+        <p:txBody>
+          <a:bodyPr wrap="square" rtlCol="0" anchor="ctr">
+            <a:noAutofit/>
+          </a:bodyPr>
+          <a:lstStyle/>
+          <a:p>
+            <a:pPr marL="0" marR="0" lvl="0" indent="0" algn="ctr" defTabSz="914400" rtl="0" eaLnBrk="1" fontAlgn="auto" latinLnBrk="0" hangingPunct="1">
+              <a:lnSpc>
+                <a:spcPct val="100000"/>
+              </a:lnSpc>
+              <a:spcBef>
+                <a:spcPts val="0"/>
+              </a:spcBef>
+              <a:spcAft>
+                <a:spcPts val="0"/>
+              </a:spcAft>
+              <a:buClrTx/>
+              <a:buSzTx/>
+              <a:buFontTx/>
+              <a:buNone/>
+              <a:tabLst/>
+              <a:defRPr/>
+            </a:pPr>
+            <a:endParaRPr kumimoji="0" lang="en-US" sz="1800" b="0" i="0" u="none" strike="noStrike" kern="1200" cap="none" spc="0" normalizeH="0" baseline="0" noProof="0">
+              <a:ln>
+                <a:noFill/>
+              </a:ln>
+              <a:solidFill>
+                <a:prstClr val="white"/>
+              </a:solidFill>
+              <a:effectLst/>
+              <a:uLnTx/>
+              <a:uFillTx/>
+              <a:latin typeface="Calibri" panose="020F0502020204030204"/>
+              <a:ea typeface="+mn-ea"/>
+              <a:cs typeface="+mn-cs"/>
+            </a:endParaRPr>
+          </a:p>
+        </p:txBody>
+      </p:sp>
+      <p:sp>
+        <p:nvSpPr>
+          <p:cNvPr id="13" name="Freeform: Shape 12">
+            <a:extLst>
+              <a:ext uri="{FF2B5EF4-FFF2-40B4-BE49-F238E27FC236}">
+                <a16:creationId xmlns:a16="http://schemas.microsoft.com/office/drawing/2014/main" id="{70B66945-4967-4040-926D-DCA44313CDAB}"/>
+              </a:ext>
+              <a:ext uri="{C183D7F6-B498-43B3-948B-1728B52AA6E4}">
+                <adec:decorative xmlns:adec="http://schemas.microsoft.com/office/drawing/2017/decorative" val="1"/>
+              </a:ext>
+            </a:extLst>
+          </p:cNvPr>
+          <p:cNvSpPr>
+            <a:spLocks noGrp="1" noRot="1" noChangeAspect="1" noMove="1" noResize="1" noEditPoints="1" noAdjustHandles="1" noChangeArrowheads="1" noChangeShapeType="1" noTextEdit="1"/>
+          </p:cNvSpPr>
+          <p:nvPr>
+            <p:extLst>
+              <p:ext uri="{386F3935-93C4-4BCD-93E2-E3B085C9AB24}">
+                <p16:designElem xmlns:p16="http://schemas.microsoft.com/office/powerpoint/2015/main" val="1"/>
+              </p:ext>
+            </p:extLst>
+          </p:nvPr>
+        </p:nvSpPr>
+        <p:spPr>
+          <a:xfrm>
+            <a:off x="0" y="0"/>
+            <a:ext cx="6024154" cy="6858000"/>
+          </a:xfrm>
+          <a:custGeom>
+            <a:avLst/>
+            <a:gdLst>
+              <a:gd name="connsiteX0" fmla="*/ 0 w 6024154"/>
+              <a:gd name="connsiteY0" fmla="*/ 0 h 6858000"/>
+              <a:gd name="connsiteX1" fmla="*/ 5953780 w 6024154"/>
+              <a:gd name="connsiteY1" fmla="*/ 0 h 6858000"/>
+              <a:gd name="connsiteX2" fmla="*/ 5989880 w 6024154"/>
+              <a:gd name="connsiteY2" fmla="*/ 284091 h 6858000"/>
+              <a:gd name="connsiteX3" fmla="*/ 6024154 w 6024154"/>
+              <a:gd name="connsiteY3" fmla="*/ 962844 h 6858000"/>
+              <a:gd name="connsiteX4" fmla="*/ 2549934 w 6024154"/>
+              <a:gd name="connsiteY4" fmla="*/ 6800152 h 6858000"/>
+              <a:gd name="connsiteX5" fmla="*/ 2436987 w 6024154"/>
+              <a:gd name="connsiteY5" fmla="*/ 6858000 h 6858000"/>
+              <a:gd name="connsiteX6" fmla="*/ 0 w 6024154"/>
+              <a:gd name="connsiteY6" fmla="*/ 6858000 h 6858000"/>
+            </a:gdLst>
+            <a:ahLst/>
+            <a:cxnLst>
+              <a:cxn ang="0">
+                <a:pos x="connsiteX0" y="connsiteY0"/>
+              </a:cxn>
+              <a:cxn ang="0">
+                <a:pos x="connsiteX1" y="connsiteY1"/>
+              </a:cxn>
+              <a:cxn ang="0">
+                <a:pos x="connsiteX2" y="connsiteY2"/>
+              </a:cxn>
+              <a:cxn ang="0">
+                <a:pos x="connsiteX3" y="connsiteY3"/>
+              </a:cxn>
+              <a:cxn ang="0">
+                <a:pos x="connsiteX4" y="connsiteY4"/>
+              </a:cxn>
+              <a:cxn ang="0">
+                <a:pos x="connsiteX5" y="connsiteY5"/>
+              </a:cxn>
+              <a:cxn ang="0">
+                <a:pos x="connsiteX6" y="connsiteY6"/>
+              </a:cxn>
+            </a:cxnLst>
+            <a:rect l="l" t="t" r="r" b="b"/>
+            <a:pathLst>
+              <a:path w="6024154" h="6858000">
+                <a:moveTo>
+                  <a:pt x="0" y="0"/>
+                </a:moveTo>
+                <a:lnTo>
+                  <a:pt x="5953780" y="0"/>
+                </a:lnTo>
+                <a:lnTo>
+                  <a:pt x="5989880" y="284091"/>
+                </a:lnTo>
+                <a:cubicBezTo>
+                  <a:pt x="6012544" y="507260"/>
+                  <a:pt x="6024154" y="733696"/>
+                  <a:pt x="6024154" y="962844"/>
+                </a:cubicBezTo>
+                <a:cubicBezTo>
+                  <a:pt x="6024154" y="3483472"/>
+                  <a:pt x="4619336" y="5675986"/>
+                  <a:pt x="2549934" y="6800152"/>
+                </a:cubicBezTo>
+                <a:lnTo>
+                  <a:pt x="2436987" y="6858000"/>
+                </a:lnTo>
+                <a:lnTo>
+                  <a:pt x="0" y="6858000"/>
+                </a:lnTo>
+                <a:close/>
+              </a:path>
+            </a:pathLst>
+          </a:custGeom>
+          <a:solidFill>
+            <a:schemeClr val="bg1"/>
+          </a:solidFill>
+          <a:ln>
+            <a:noFill/>
+          </a:ln>
+        </p:spPr>
+        <p:style>
+          <a:lnRef idx="2">
+            <a:schemeClr val="accent1">
+              <a:shade val="50000"/>
+            </a:schemeClr>
+          </a:lnRef>
+          <a:fillRef idx="1">
+            <a:schemeClr val="accent1"/>
+          </a:fillRef>
+          <a:effectRef idx="0">
+            <a:schemeClr val="accent1"/>
+          </a:effectRef>
+          <a:fontRef idx="minor">
+            <a:schemeClr val="lt1"/>
+          </a:fontRef>
+        </p:style>
+        <p:txBody>
+          <a:bodyPr wrap="square" rtlCol="0" anchor="ctr">
+            <a:noAutofit/>
+          </a:bodyPr>
+          <a:lstStyle/>
+          <a:p>
+            <a:pPr marL="0" marR="0" lvl="0" indent="0" algn="ctr" defTabSz="914400" rtl="0" eaLnBrk="1" fontAlgn="auto" latinLnBrk="0" hangingPunct="1">
+              <a:lnSpc>
+                <a:spcPct val="100000"/>
+              </a:lnSpc>
+              <a:spcBef>
+                <a:spcPts val="0"/>
+              </a:spcBef>
+              <a:spcAft>
+                <a:spcPts val="0"/>
+              </a:spcAft>
+              <a:buClrTx/>
+              <a:buSzTx/>
+              <a:buFontTx/>
+              <a:buNone/>
+              <a:tabLst/>
+              <a:defRPr/>
+            </a:pPr>
+            <a:endParaRPr kumimoji="0" lang="en-US" sz="1800" b="0" i="0" u="none" strike="noStrike" kern="1200" cap="none" spc="0" normalizeH="0" baseline="0" noProof="0">
+              <a:ln>
+                <a:noFill/>
+              </a:ln>
+              <a:solidFill>
+                <a:prstClr val="white"/>
+              </a:solidFill>
+              <a:effectLst/>
+              <a:uLnTx/>
+              <a:uFillTx/>
+              <a:latin typeface="Calibri" panose="020F0502020204030204"/>
+              <a:ea typeface="+mn-ea"/>
+              <a:cs typeface="+mn-cs"/>
+            </a:endParaRPr>
+          </a:p>
+        </p:txBody>
+      </p:sp>
+      <p:pic>
+        <p:nvPicPr>
+          <p:cNvPr id="4" name="Picture 3">
+            <a:extLst>
+              <a:ext uri="{FF2B5EF4-FFF2-40B4-BE49-F238E27FC236}">
+                <a16:creationId xmlns:a16="http://schemas.microsoft.com/office/drawing/2014/main" id="{EA1EC9FA-40B1-4BB6-A853-F743CC317FCC}"/>
+              </a:ext>
+            </a:extLst>
+          </p:cNvPr>
+          <p:cNvPicPr>
+            <a:picLocks noChangeAspect="1"/>
+          </p:cNvPicPr>
+          <p:nvPr/>
+        </p:nvPicPr>
+        <p:blipFill>
+          <a:blip r:embed="rId2">
+            <a:extLst>
+              <a:ext uri="{28A0092B-C50C-407E-A947-70E740481C1C}">
+                <a14:useLocalDpi xmlns:a14="http://schemas.microsoft.com/office/drawing/2010/main" val="0"/>
+              </a:ext>
+            </a:extLst>
+          </a:blip>
+          <a:stretch>
+            <a:fillRect/>
+          </a:stretch>
+        </p:blipFill>
+        <p:spPr>
+          <a:xfrm>
+            <a:off x="419382" y="1834150"/>
+            <a:ext cx="4047843" cy="1821529"/>
+          </a:xfrm>
+          <a:prstGeom prst="rect">
+            <a:avLst/>
+          </a:prstGeom>
+        </p:spPr>
+      </p:pic>
+      <p:sp>
+        <p:nvSpPr>
+          <p:cNvPr id="6" name="Title 1">
+            <a:extLst>
+              <a:ext uri="{FF2B5EF4-FFF2-40B4-BE49-F238E27FC236}">
+                <a16:creationId xmlns:a16="http://schemas.microsoft.com/office/drawing/2014/main" id="{ED79748E-0E43-9B86-383D-6B4C92D09E5D}"/>
+              </a:ext>
+            </a:extLst>
+          </p:cNvPr>
+          <p:cNvSpPr txBox="1">
+            <a:spLocks/>
+          </p:cNvSpPr>
+          <p:nvPr/>
+        </p:nvSpPr>
+        <p:spPr>
+          <a:xfrm>
+            <a:off x="6592164" y="1074832"/>
+            <a:ext cx="4645250" cy="2889114"/>
+          </a:xfrm>
+          <a:prstGeom prst="rect">
+            <a:avLst/>
+          </a:prstGeom>
+        </p:spPr>
+        <p:txBody>
+          <a:bodyPr vert="horz" lIns="91440" tIns="45720" rIns="91440" bIns="45720" rtlCol="0" anchor="b">
+            <a:normAutofit/>
+          </a:bodyPr>
+          <a:lstStyle>
+            <a:lvl1pPr algn="ctr" defTabSz="914400" rtl="0" eaLnBrk="1" latinLnBrk="0" hangingPunct="1">
+              <a:lnSpc>
+                <a:spcPct val="90000"/>
+              </a:lnSpc>
+              <a:spcBef>
+                <a:spcPct val="0"/>
+              </a:spcBef>
+              <a:buNone/>
+              <a:defRPr sz="6000" kern="1200">
+                <a:solidFill>
+                  <a:schemeClr val="tx1"/>
+                </a:solidFill>
+                <a:latin typeface="+mj-lt"/>
+                <a:ea typeface="+mj-ea"/>
+                <a:cs typeface="+mj-cs"/>
+              </a:defRPr>
+            </a:lvl1pPr>
+          </a:lstStyle>
+          <a:p>
+            <a:pPr algn="l"/>
+            <a:r>
+              <a:rPr lang="en-US" dirty="0">
+                <a:solidFill>
+                  <a:schemeClr val="bg1"/>
+                </a:solidFill>
+              </a:rPr>
+              <a:t>Questions and Answers?</a:t>
+            </a:r>
+          </a:p>
+        </p:txBody>
+      </p:sp>
+    </p:spTree>
+    <p:extLst>
+      <p:ext uri="{BB962C8B-B14F-4D97-AF65-F5344CB8AC3E}">
+        <p14:creationId xmlns:p14="http://schemas.microsoft.com/office/powerpoint/2010/main" val="3982711201"/>
+      </p:ext>
+    </p:extLst>
+  </p:cSld>
+  <p:clrMapOvr>
+    <a:masterClrMapping/>
+  </p:clrMapOvr>
+</p:sld>
+</file>
+
 <file path=ppt/slides/slide2.xml><?xml version="1.0" encoding="utf-8"?>
 <p:sld xmlns:a="http://schemas.openxmlformats.org/drawingml/2006/main" xmlns:r="http://schemas.openxmlformats.org/officeDocument/2006/relationships" xmlns:p="http://schemas.openxmlformats.org/presentationml/2006/main">
   <p:cSld>
@@ -4986,7 +7135,7 @@
         <p:spPr>
           <a:xfrm>
             <a:off x="1197858" y="1335140"/>
-            <a:ext cx="7171667" cy="4339650"/>
+            <a:ext cx="7171667" cy="4893647"/>
           </a:xfrm>
           <a:prstGeom prst="rect">
             <a:avLst/>
@@ -5057,11 +7206,18 @@
               <a:buChar char="•"/>
             </a:pPr>
             <a:r>
+              <a:rPr lang="en-US" altLang="en-US" sz="2400" dirty="0" err="1">
+                <a:latin typeface="Calibri  "/>
+                <a:ea typeface="ＭＳ Ｐゴシック" panose="020B0600070205080204" pitchFamily="34" charset="-128"/>
+              </a:rPr>
+              <a:t>Flavours</a:t>
+            </a:r>
+            <a:r>
               <a:rPr lang="en-US" altLang="en-US" sz="2400" dirty="0">
                 <a:latin typeface="Calibri  "/>
                 <a:ea typeface="ＭＳ Ｐゴシック" panose="020B0600070205080204" pitchFamily="34" charset="-128"/>
               </a:rPr>
-              <a:t>Local vs Cloud Git?</a:t>
+              <a:t> of Git</a:t>
             </a:r>
           </a:p>
           <a:p>
@@ -5077,7 +7233,7 @@
                 <a:latin typeface="Calibri  "/>
                 <a:ea typeface="ＭＳ Ｐゴシック" panose="020B0600070205080204" pitchFamily="34" charset="-128"/>
               </a:rPr>
-              <a:t>Project Management</a:t>
+              <a:t>GitHub</a:t>
             </a:r>
           </a:p>
           <a:p>
@@ -5093,7 +7249,37 @@
                 <a:latin typeface="Calibri  "/>
                 <a:ea typeface="ＭＳ Ｐゴシック" panose="020B0600070205080204" pitchFamily="34" charset="-128"/>
               </a:rPr>
-              <a:t>Pipeline</a:t>
+              <a:t>Jenkins</a:t>
+            </a:r>
+          </a:p>
+          <a:p>
+            <a:pPr marL="800100" lvl="1" indent="-342900">
+              <a:lnSpc>
+                <a:spcPct val="150000"/>
+              </a:lnSpc>
+              <a:buFont typeface="Arial" panose="020B0604020202020204" pitchFamily="34" charset="0"/>
+              <a:buChar char="•"/>
+            </a:pPr>
+            <a:r>
+              <a:rPr lang="en-US" altLang="en-US" sz="2400" dirty="0">
+                <a:latin typeface="Calibri  "/>
+                <a:ea typeface="ＭＳ Ｐゴシック" panose="020B0600070205080204" pitchFamily="34" charset="-128"/>
+              </a:rPr>
+              <a:t>A sample workflow for </a:t>
+            </a:r>
+            <a:r>
+              <a:rPr lang="en-US" altLang="en-US" sz="2400" dirty="0" err="1">
+                <a:latin typeface="Calibri  "/>
+                <a:ea typeface="ＭＳ Ｐゴシック" panose="020B0600070205080204" pitchFamily="34" charset="-128"/>
+              </a:rPr>
+              <a:t>IBMi</a:t>
+            </a:r>
+            <a:r>
+              <a:rPr lang="en-US" altLang="en-US" sz="2400" dirty="0">
+                <a:latin typeface="Calibri  "/>
+                <a:ea typeface="ＭＳ Ｐゴシック" panose="020B0600070205080204" pitchFamily="34" charset="-128"/>
+              </a:rPr>
+              <a:t> Developer</a:t>
             </a:r>
           </a:p>
           <a:p>
@@ -5690,7 +7876,7 @@
         </p:blipFill>
         <p:spPr>
           <a:xfrm>
-            <a:off x="6791470" y="1331512"/>
+            <a:off x="7401070" y="1922841"/>
             <a:ext cx="5023271" cy="3918568"/>
           </a:xfrm>
           <a:prstGeom prst="rect">
@@ -8374,7 +10560,7 @@
         </p:blipFill>
         <p:spPr>
           <a:xfrm>
-            <a:off x="391277" y="1036834"/>
+            <a:off x="3639" y="1027502"/>
             <a:ext cx="11358276" cy="6340422"/>
           </a:xfrm>
           <a:prstGeom prst="rect">
@@ -8382,6 +10568,52 @@
           </a:prstGeom>
         </p:spPr>
       </p:pic>
+      <p:sp>
+        <p:nvSpPr>
+          <p:cNvPr id="5" name="TextBox 4">
+            <a:extLst>
+              <a:ext uri="{FF2B5EF4-FFF2-40B4-BE49-F238E27FC236}">
+                <a16:creationId xmlns:a16="http://schemas.microsoft.com/office/drawing/2014/main" id="{5E6EB467-A40C-F1E1-926F-ACC6611BC340}"/>
+              </a:ext>
+            </a:extLst>
+          </p:cNvPr>
+          <p:cNvSpPr txBox="1"/>
+          <p:nvPr/>
+        </p:nvSpPr>
+        <p:spPr>
+          <a:xfrm>
+            <a:off x="2742860" y="921403"/>
+            <a:ext cx="7194106" cy="461665"/>
+          </a:xfrm>
+          <a:prstGeom prst="rect">
+            <a:avLst/>
+          </a:prstGeom>
+          <a:noFill/>
+        </p:spPr>
+        <p:txBody>
+          <a:bodyPr wrap="square">
+            <a:spAutoFit/>
+          </a:bodyPr>
+          <a:lstStyle/>
+          <a:p>
+            <a:r>
+              <a:rPr lang="en-US" sz="2400" i="0" dirty="0">
+                <a:solidFill>
+                  <a:srgbClr val="333333"/>
+                </a:solidFill>
+                <a:effectLst/>
+              </a:rPr>
+              <a:t>Some of the tools available in the DevOps arsenal</a:t>
+            </a:r>
+            <a:endParaRPr lang="en-US" b="0" i="0" dirty="0">
+              <a:solidFill>
+                <a:srgbClr val="333333"/>
+              </a:solidFill>
+              <a:effectLst/>
+            </a:endParaRPr>
+          </a:p>
+        </p:txBody>
+      </p:sp>
     </p:spTree>
     <p:extLst>
       <p:ext uri="{BB962C8B-B14F-4D97-AF65-F5344CB8AC3E}">
@@ -8467,7 +10699,7 @@
           <a:p>
             <a:r>
               <a:rPr lang="en-US" dirty="0"/>
-              <a:t>It is the big daddy of Version Control System. Like any other VCS, it is used to keep track of changes to your source code.</a:t>
+              <a:t>It is the big daddy of Version Control System. Like any other VCS, it is used to keep track of the changes to your source code.</a:t>
             </a:r>
           </a:p>
         </p:txBody>
@@ -9041,7 +11273,24 @@
                 </a:solidFill>
                 <a:effectLst/>
               </a:rPr>
-              <a:t>But, wait…</a:t>
+              <a:t>But</a:t>
+            </a:r>
+            <a:r>
+              <a:rPr lang="en-US" b="1" dirty="0">
+                <a:solidFill>
+                  <a:srgbClr val="569CD6"/>
+                </a:solidFill>
+              </a:rPr>
+              <a:t> </a:t>
+            </a:r>
+            <a:r>
+              <a:rPr lang="en-US" b="1" dirty="0">
+                <a:solidFill>
+                  <a:srgbClr val="569CD6"/>
+                </a:solidFill>
+                <a:effectLst/>
+              </a:rPr>
+              <a:t>wait…</a:t>
             </a:r>
             <a:endParaRPr lang="en-US" dirty="0">
               <a:solidFill>
@@ -9090,9 +11339,17 @@
                 <a:solidFill>
                   <a:srgbClr val="569CD6"/>
                 </a:solidFill>
+              </a:rPr>
+              <a:t>Well, G</a:t>
+            </a:r>
+            <a:r>
+              <a:rPr lang="en-US" b="1" dirty="0">
+                <a:solidFill>
+                  <a:srgbClr val="569CD6"/>
+                </a:solidFill>
                 <a:effectLst/>
               </a:rPr>
-              <a:t>GIT</a:t>
+              <a:t>IT</a:t>
             </a:r>
             <a:endParaRPr lang="en-US" dirty="0">
               <a:solidFill>
@@ -9179,6 +11436,43 @@
           </a:p>
         </p:txBody>
       </p:sp>
+      <p:pic>
+        <p:nvPicPr>
+          <p:cNvPr id="11" name="Picture 10" descr="A red and black logo&#10;&#10;Description automatically generated">
+            <a:extLst>
+              <a:ext uri="{FF2B5EF4-FFF2-40B4-BE49-F238E27FC236}">
+                <a16:creationId xmlns:a16="http://schemas.microsoft.com/office/drawing/2014/main" id="{9D68B335-F31A-53CF-33E7-1A5FE7974AB9}"/>
+              </a:ext>
+            </a:extLst>
+          </p:cNvPr>
+          <p:cNvPicPr>
+            <a:picLocks noChangeAspect="1"/>
+          </p:cNvPicPr>
+          <p:nvPr/>
+        </p:nvPicPr>
+        <p:blipFill>
+          <a:blip r:embed="rId3">
+            <a:alphaModFix amt="80000"/>
+            <a:extLst>
+              <a:ext uri="{28A0092B-C50C-407E-A947-70E740481C1C}">
+                <a14:useLocalDpi xmlns:a14="http://schemas.microsoft.com/office/drawing/2010/main" val="0"/>
+              </a:ext>
+            </a:extLst>
+          </a:blip>
+          <a:stretch>
+            <a:fillRect/>
+          </a:stretch>
+        </p:blipFill>
+        <p:spPr>
+          <a:xfrm>
+            <a:off x="8103222" y="2252105"/>
+            <a:ext cx="2595101" cy="2595101"/>
+          </a:xfrm>
+          <a:prstGeom prst="rect">
+            <a:avLst/>
+          </a:prstGeom>
+        </p:spPr>
+      </p:pic>
     </p:spTree>
     <p:extLst>
       <p:ext uri="{BB962C8B-B14F-4D97-AF65-F5344CB8AC3E}">
@@ -9193,6 +11487,1111 @@
 </file>
 
 <file path=ppt/slides/slide7.xml><?xml version="1.0" encoding="utf-8"?>
+<p:sld xmlns:a="http://schemas.openxmlformats.org/drawingml/2006/main" xmlns:r="http://schemas.openxmlformats.org/officeDocument/2006/relationships" xmlns:p="http://schemas.openxmlformats.org/presentationml/2006/main">
+  <p:cSld>
+    <p:spTree>
+      <p:nvGrpSpPr>
+        <p:cNvPr id="1" name="">
+          <a:extLst>
+            <a:ext uri="{FF2B5EF4-FFF2-40B4-BE49-F238E27FC236}">
+              <a16:creationId xmlns:a16="http://schemas.microsoft.com/office/drawing/2014/main" id="{AAEE7F67-4555-9D43-9789-E2DDCA9B893E}"/>
+            </a:ext>
+          </a:extLst>
+        </p:cNvPr>
+        <p:cNvGrpSpPr/>
+        <p:nvPr/>
+      </p:nvGrpSpPr>
+      <p:grpSpPr>
+        <a:xfrm>
+          <a:off x="0" y="0"/>
+          <a:ext cx="0" cy="0"/>
+          <a:chOff x="0" y="0"/>
+          <a:chExt cx="0" cy="0"/>
+        </a:xfrm>
+      </p:grpSpPr>
+      <p:sp>
+        <p:nvSpPr>
+          <p:cNvPr id="3" name="TextBox 2">
+            <a:extLst>
+              <a:ext uri="{FF2B5EF4-FFF2-40B4-BE49-F238E27FC236}">
+                <a16:creationId xmlns:a16="http://schemas.microsoft.com/office/drawing/2014/main" id="{741FC70E-97CF-22C4-E6DF-46098F0C37D7}"/>
+              </a:ext>
+            </a:extLst>
+          </p:cNvPr>
+          <p:cNvSpPr txBox="1"/>
+          <p:nvPr/>
+        </p:nvSpPr>
+        <p:spPr>
+          <a:xfrm>
+            <a:off x="830084" y="1084833"/>
+            <a:ext cx="3732585" cy="1200329"/>
+          </a:xfrm>
+          <a:prstGeom prst="rect">
+            <a:avLst/>
+          </a:prstGeom>
+          <a:noFill/>
+        </p:spPr>
+        <p:txBody>
+          <a:bodyPr wrap="square">
+            <a:spAutoFit/>
+          </a:bodyPr>
+          <a:lstStyle/>
+          <a:p>
+            <a:r>
+              <a:rPr lang="en-US" b="1" dirty="0">
+                <a:solidFill>
+                  <a:srgbClr val="569CD6"/>
+                </a:solidFill>
+                <a:effectLst/>
+              </a:rPr>
+              <a:t>GitHub</a:t>
+            </a:r>
+            <a:r>
+              <a:rPr lang="en-US" dirty="0">
+                <a:solidFill>
+                  <a:srgbClr val="CCCCCC"/>
+                </a:solidFill>
+              </a:rPr>
+              <a:t>:  </a:t>
+            </a:r>
+          </a:p>
+          <a:p>
+            <a:pPr marL="285750" indent="-285750">
+              <a:buFont typeface="Arial" panose="020B0604020202020204" pitchFamily="34" charset="0"/>
+              <a:buChar char="•"/>
+            </a:pPr>
+            <a:r>
+              <a:rPr lang="en-US" dirty="0"/>
+              <a:t>Proprietary and Cloud Based</a:t>
+            </a:r>
+          </a:p>
+          <a:p>
+            <a:pPr marL="285750" indent="-285750">
+              <a:buFont typeface="Arial" panose="020B0604020202020204" pitchFamily="34" charset="0"/>
+              <a:buChar char="•"/>
+            </a:pPr>
+            <a:r>
+              <a:rPr lang="en-US" dirty="0"/>
+              <a:t>Owned by Microsoft</a:t>
+            </a:r>
+          </a:p>
+          <a:p>
+            <a:pPr marL="285750" indent="-285750">
+              <a:buFont typeface="Arial" panose="020B0604020202020204" pitchFamily="34" charset="0"/>
+              <a:buChar char="•"/>
+            </a:pPr>
+            <a:r>
+              <a:rPr lang="en-US" dirty="0"/>
+              <a:t>Most popular</a:t>
+            </a:r>
+          </a:p>
+        </p:txBody>
+      </p:sp>
+      <p:grpSp>
+        <p:nvGrpSpPr>
+          <p:cNvPr id="6" name="Group 5">
+            <a:extLst>
+              <a:ext uri="{FF2B5EF4-FFF2-40B4-BE49-F238E27FC236}">
+                <a16:creationId xmlns:a16="http://schemas.microsoft.com/office/drawing/2014/main" id="{1D83EDB0-236F-8609-4648-7250C1943C76}"/>
+              </a:ext>
+            </a:extLst>
+          </p:cNvPr>
+          <p:cNvGrpSpPr/>
+          <p:nvPr/>
+        </p:nvGrpSpPr>
+        <p:grpSpPr>
+          <a:xfrm>
+            <a:off x="629110" y="5881665"/>
+            <a:ext cx="11258551" cy="616902"/>
+            <a:chOff x="373320" y="11920376"/>
+            <a:chExt cx="17541357" cy="1544612"/>
+          </a:xfrm>
+        </p:grpSpPr>
+        <p:sp>
+          <p:nvSpPr>
+            <p:cNvPr id="7" name="Rectangle 6">
+              <a:extLst>
+                <a:ext uri="{FF2B5EF4-FFF2-40B4-BE49-F238E27FC236}">
+                  <a16:creationId xmlns:a16="http://schemas.microsoft.com/office/drawing/2014/main" id="{49DA74CB-6AF2-41F7-386F-11802A300751}"/>
+                </a:ext>
+              </a:extLst>
+            </p:cNvPr>
+            <p:cNvSpPr/>
+            <p:nvPr/>
+          </p:nvSpPr>
+          <p:spPr>
+            <a:xfrm>
+              <a:off x="373320" y="11920376"/>
+              <a:ext cx="17541357" cy="1544612"/>
+            </a:xfrm>
+            <a:prstGeom prst="rect">
+              <a:avLst/>
+            </a:prstGeom>
+            <a:solidFill>
+              <a:schemeClr val="bg1"/>
+            </a:solidFill>
+            <a:ln>
+              <a:noFill/>
+            </a:ln>
+          </p:spPr>
+          <p:style>
+            <a:lnRef idx="2">
+              <a:schemeClr val="accent1">
+                <a:shade val="50000"/>
+              </a:schemeClr>
+            </a:lnRef>
+            <a:fillRef idx="1">
+              <a:schemeClr val="accent1"/>
+            </a:fillRef>
+            <a:effectRef idx="0">
+              <a:schemeClr val="accent1"/>
+            </a:effectRef>
+            <a:fontRef idx="minor">
+              <a:schemeClr val="lt1"/>
+            </a:fontRef>
+          </p:style>
+          <p:txBody>
+            <a:bodyPr rtlCol="0" anchor="ctr"/>
+            <a:lstStyle/>
+            <a:p>
+              <a:pPr algn="ctr"/>
+              <a:endParaRPr lang="en-US" dirty="0"/>
+            </a:p>
+          </p:txBody>
+        </p:sp>
+        <p:sp>
+          <p:nvSpPr>
+            <p:cNvPr id="12" name="TextBox 26">
+              <a:extLst>
+                <a:ext uri="{FF2B5EF4-FFF2-40B4-BE49-F238E27FC236}">
+                  <a16:creationId xmlns:a16="http://schemas.microsoft.com/office/drawing/2014/main" id="{854B620A-4057-BECA-E715-B6E4F3AF3529}"/>
+                </a:ext>
+              </a:extLst>
+            </p:cNvPr>
+            <p:cNvSpPr txBox="1">
+              <a:spLocks noChangeArrowheads="1"/>
+            </p:cNvSpPr>
+            <p:nvPr/>
+          </p:nvSpPr>
+          <p:spPr bwMode="auto">
+            <a:xfrm>
+              <a:off x="686449" y="12531163"/>
+              <a:ext cx="7411302" cy="924741"/>
+            </a:xfrm>
+            <a:prstGeom prst="rect">
+              <a:avLst/>
+            </a:prstGeom>
+            <a:noFill/>
+            <a:ln w="9525">
+              <a:solidFill>
+                <a:schemeClr val="bg1"/>
+              </a:solidFill>
+              <a:miter lim="800000"/>
+              <a:headEnd/>
+              <a:tailEnd/>
+            </a:ln>
+            <a:extLst>
+              <a:ext uri="{909E8E84-426E-40DD-AFC4-6F175D3DCCD1}">
+                <a14:hiddenFill xmlns:a14="http://schemas.microsoft.com/office/drawing/2010/main">
+                  <a:solidFill>
+                    <a:srgbClr val="FFFFFF"/>
+                  </a:solidFill>
+                </a14:hiddenFill>
+              </a:ext>
+            </a:extLst>
+          </p:spPr>
+          <p:txBody>
+            <a:bodyPr wrap="square">
+              <a:spAutoFit/>
+            </a:bodyPr>
+            <a:lstStyle>
+              <a:lvl1pPr>
+                <a:defRPr sz="3600">
+                  <a:solidFill>
+                    <a:schemeClr val="tx1"/>
+                  </a:solidFill>
+                  <a:latin typeface="Lato Light" panose="020F0502020204030203" pitchFamily="34" charset="0"/>
+                </a:defRPr>
+              </a:lvl1pPr>
+              <a:lvl2pPr marL="742950" indent="-285750">
+                <a:defRPr sz="3600">
+                  <a:solidFill>
+                    <a:schemeClr val="tx1"/>
+                  </a:solidFill>
+                  <a:latin typeface="Lato Light" panose="020F0502020204030203" pitchFamily="34" charset="0"/>
+                </a:defRPr>
+              </a:lvl2pPr>
+              <a:lvl3pPr marL="1143000" indent="-228600">
+                <a:defRPr sz="3600">
+                  <a:solidFill>
+                    <a:schemeClr val="tx1"/>
+                  </a:solidFill>
+                  <a:latin typeface="Lato Light" panose="020F0502020204030203" pitchFamily="34" charset="0"/>
+                </a:defRPr>
+              </a:lvl3pPr>
+              <a:lvl4pPr marL="1600200" indent="-228600">
+                <a:defRPr sz="3600">
+                  <a:solidFill>
+                    <a:schemeClr val="tx1"/>
+                  </a:solidFill>
+                  <a:latin typeface="Lato Light" panose="020F0502020204030203" pitchFamily="34" charset="0"/>
+                </a:defRPr>
+              </a:lvl4pPr>
+              <a:lvl5pPr marL="2057400" indent="-228600">
+                <a:defRPr sz="3600">
+                  <a:solidFill>
+                    <a:schemeClr val="tx1"/>
+                  </a:solidFill>
+                  <a:latin typeface="Lato Light" panose="020F0502020204030203" pitchFamily="34" charset="0"/>
+                </a:defRPr>
+              </a:lvl5pPr>
+              <a:lvl6pPr marL="2514600" indent="-228600" defTabSz="1827213" eaLnBrk="0" fontAlgn="base" hangingPunct="0">
+                <a:spcBef>
+                  <a:spcPct val="0"/>
+                </a:spcBef>
+                <a:spcAft>
+                  <a:spcPct val="0"/>
+                </a:spcAft>
+                <a:defRPr sz="3600">
+                  <a:solidFill>
+                    <a:schemeClr val="tx1"/>
+                  </a:solidFill>
+                  <a:latin typeface="Lato Light" panose="020F0502020204030203" pitchFamily="34" charset="0"/>
+                </a:defRPr>
+              </a:lvl6pPr>
+              <a:lvl7pPr marL="2971800" indent="-228600" defTabSz="1827213" eaLnBrk="0" fontAlgn="base" hangingPunct="0">
+                <a:spcBef>
+                  <a:spcPct val="0"/>
+                </a:spcBef>
+                <a:spcAft>
+                  <a:spcPct val="0"/>
+                </a:spcAft>
+                <a:defRPr sz="3600">
+                  <a:solidFill>
+                    <a:schemeClr val="tx1"/>
+                  </a:solidFill>
+                  <a:latin typeface="Lato Light" panose="020F0502020204030203" pitchFamily="34" charset="0"/>
+                </a:defRPr>
+              </a:lvl7pPr>
+              <a:lvl8pPr marL="3429000" indent="-228600" defTabSz="1827213" eaLnBrk="0" fontAlgn="base" hangingPunct="0">
+                <a:spcBef>
+                  <a:spcPct val="0"/>
+                </a:spcBef>
+                <a:spcAft>
+                  <a:spcPct val="0"/>
+                </a:spcAft>
+                <a:defRPr sz="3600">
+                  <a:solidFill>
+                    <a:schemeClr val="tx1"/>
+                  </a:solidFill>
+                  <a:latin typeface="Lato Light" panose="020F0502020204030203" pitchFamily="34" charset="0"/>
+                </a:defRPr>
+              </a:lvl8pPr>
+              <a:lvl9pPr marL="3886200" indent="-228600" defTabSz="1827213" eaLnBrk="0" fontAlgn="base" hangingPunct="0">
+                <a:spcBef>
+                  <a:spcPct val="0"/>
+                </a:spcBef>
+                <a:spcAft>
+                  <a:spcPct val="0"/>
+                </a:spcAft>
+                <a:defRPr sz="3600">
+                  <a:solidFill>
+                    <a:schemeClr val="tx1"/>
+                  </a:solidFill>
+                  <a:latin typeface="Lato Light" panose="020F0502020204030203" pitchFamily="34" charset="0"/>
+                </a:defRPr>
+              </a:lvl9pPr>
+            </a:lstStyle>
+            <a:p>
+              <a:pPr eaLnBrk="1" hangingPunct="1"/>
+              <a:r>
+                <a:rPr lang="en-IN" altLang="en-US" sz="1800" dirty="0">
+                  <a:solidFill>
+                    <a:schemeClr val="accent2"/>
+                  </a:solidFill>
+                  <a:latin typeface="+mj-lt"/>
+                  <a:ea typeface="Montserrat" panose="00000500000000000000" pitchFamily="50" charset="0"/>
+                  <a:cs typeface="Montserrat" panose="00000500000000000000" pitchFamily="50" charset="0"/>
+                </a:rPr>
+                <a:t>Programmers.io Confidential and Proprietary</a:t>
+              </a:r>
+              <a:endParaRPr lang="en-US" altLang="en-US" sz="1800" dirty="0">
+                <a:solidFill>
+                  <a:schemeClr val="accent2"/>
+                </a:solidFill>
+                <a:latin typeface="+mj-lt"/>
+                <a:ea typeface="Montserrat" panose="00000500000000000000" pitchFamily="50" charset="0"/>
+                <a:cs typeface="Montserrat" panose="00000500000000000000" pitchFamily="50" charset="0"/>
+              </a:endParaRPr>
+            </a:p>
+          </p:txBody>
+        </p:sp>
+        <p:pic>
+          <p:nvPicPr>
+            <p:cNvPr id="13" name="Picture 12">
+              <a:extLst>
+                <a:ext uri="{FF2B5EF4-FFF2-40B4-BE49-F238E27FC236}">
+                  <a16:creationId xmlns:a16="http://schemas.microsoft.com/office/drawing/2014/main" id="{85853E4F-103F-C6C6-6A32-BA4669C3E4C0}"/>
+                </a:ext>
+              </a:extLst>
+            </p:cNvPr>
+            <p:cNvPicPr>
+              <a:picLocks noChangeAspect="1"/>
+            </p:cNvPicPr>
+            <p:nvPr/>
+          </p:nvPicPr>
+          <p:blipFill>
+            <a:blip r:embed="rId2">
+              <a:extLst>
+                <a:ext uri="{28A0092B-C50C-407E-A947-70E740481C1C}">
+                  <a14:useLocalDpi xmlns:a14="http://schemas.microsoft.com/office/drawing/2010/main" val="0"/>
+                </a:ext>
+              </a:extLst>
+            </a:blip>
+            <a:stretch>
+              <a:fillRect/>
+            </a:stretch>
+          </p:blipFill>
+          <p:spPr>
+            <a:xfrm>
+              <a:off x="13592315" y="12121964"/>
+              <a:ext cx="4107183" cy="1333941"/>
+            </a:xfrm>
+            <a:prstGeom prst="rect">
+              <a:avLst/>
+            </a:prstGeom>
+            <a:ln>
+              <a:noFill/>
+            </a:ln>
+          </p:spPr>
+        </p:pic>
+      </p:grpSp>
+      <p:sp>
+        <p:nvSpPr>
+          <p:cNvPr id="4" name="Rectangle 3">
+            <a:extLst>
+              <a:ext uri="{FF2B5EF4-FFF2-40B4-BE49-F238E27FC236}">
+                <a16:creationId xmlns:a16="http://schemas.microsoft.com/office/drawing/2014/main" id="{DF828A0C-8F4D-8B4E-A992-36FED302A132}"/>
+              </a:ext>
+            </a:extLst>
+          </p:cNvPr>
+          <p:cNvSpPr>
+            <a:spLocks noChangeArrowheads="1"/>
+          </p:cNvSpPr>
+          <p:nvPr/>
+        </p:nvSpPr>
+        <p:spPr bwMode="auto">
+          <a:xfrm>
+            <a:off x="830085" y="223989"/>
+            <a:ext cx="5265915" cy="616902"/>
+          </a:xfrm>
+          <a:prstGeom prst="rect">
+            <a:avLst/>
+          </a:prstGeom>
+          <a:solidFill>
+            <a:schemeClr val="tx1">
+              <a:lumMod val="65000"/>
+              <a:lumOff val="35000"/>
+            </a:schemeClr>
+          </a:solidFill>
+          <a:ln>
+            <a:noFill/>
+          </a:ln>
+          <a:effectLst/>
+        </p:spPr>
+        <p:txBody>
+          <a:bodyPr wrap="none" lIns="90000" tIns="45000" rIns="90000" bIns="45000" anchor="ctr"/>
+          <a:lstStyle>
+            <a:lvl1pPr>
+              <a:tabLst>
+                <a:tab pos="457200" algn="l"/>
+                <a:tab pos="914400" algn="l"/>
+                <a:tab pos="1371600" algn="l"/>
+                <a:tab pos="1828800" algn="l"/>
+                <a:tab pos="2286000" algn="l"/>
+              </a:tabLst>
+              <a:defRPr>
+                <a:solidFill>
+                  <a:srgbClr val="000000"/>
+                </a:solidFill>
+                <a:latin typeface="Arial" panose="020B0604020202020204" pitchFamily="34" charset="0"/>
+                <a:cs typeface="Tahoma" panose="020B0604030504040204" pitchFamily="34" charset="0"/>
+              </a:defRPr>
+            </a:lvl1pPr>
+            <a:lvl2pPr>
+              <a:tabLst>
+                <a:tab pos="457200" algn="l"/>
+                <a:tab pos="914400" algn="l"/>
+                <a:tab pos="1371600" algn="l"/>
+                <a:tab pos="1828800" algn="l"/>
+                <a:tab pos="2286000" algn="l"/>
+              </a:tabLst>
+              <a:defRPr>
+                <a:solidFill>
+                  <a:srgbClr val="000000"/>
+                </a:solidFill>
+                <a:latin typeface="Arial" panose="020B0604020202020204" pitchFamily="34" charset="0"/>
+                <a:cs typeface="Tahoma" panose="020B0604030504040204" pitchFamily="34" charset="0"/>
+              </a:defRPr>
+            </a:lvl2pPr>
+            <a:lvl3pPr>
+              <a:tabLst>
+                <a:tab pos="457200" algn="l"/>
+                <a:tab pos="914400" algn="l"/>
+                <a:tab pos="1371600" algn="l"/>
+                <a:tab pos="1828800" algn="l"/>
+                <a:tab pos="2286000" algn="l"/>
+              </a:tabLst>
+              <a:defRPr>
+                <a:solidFill>
+                  <a:srgbClr val="000000"/>
+                </a:solidFill>
+                <a:latin typeface="Arial" panose="020B0604020202020204" pitchFamily="34" charset="0"/>
+                <a:cs typeface="Tahoma" panose="020B0604030504040204" pitchFamily="34" charset="0"/>
+              </a:defRPr>
+            </a:lvl3pPr>
+            <a:lvl4pPr>
+              <a:tabLst>
+                <a:tab pos="457200" algn="l"/>
+                <a:tab pos="914400" algn="l"/>
+                <a:tab pos="1371600" algn="l"/>
+                <a:tab pos="1828800" algn="l"/>
+                <a:tab pos="2286000" algn="l"/>
+              </a:tabLst>
+              <a:defRPr>
+                <a:solidFill>
+                  <a:srgbClr val="000000"/>
+                </a:solidFill>
+                <a:latin typeface="Arial" panose="020B0604020202020204" pitchFamily="34" charset="0"/>
+                <a:cs typeface="Tahoma" panose="020B0604030504040204" pitchFamily="34" charset="0"/>
+              </a:defRPr>
+            </a:lvl4pPr>
+            <a:lvl5pPr>
+              <a:tabLst>
+                <a:tab pos="457200" algn="l"/>
+                <a:tab pos="914400" algn="l"/>
+                <a:tab pos="1371600" algn="l"/>
+                <a:tab pos="1828800" algn="l"/>
+                <a:tab pos="2286000" algn="l"/>
+              </a:tabLst>
+              <a:defRPr>
+                <a:solidFill>
+                  <a:srgbClr val="000000"/>
+                </a:solidFill>
+                <a:latin typeface="Arial" panose="020B0604020202020204" pitchFamily="34" charset="0"/>
+                <a:cs typeface="Tahoma" panose="020B0604030504040204" pitchFamily="34" charset="0"/>
+              </a:defRPr>
+            </a:lvl5pPr>
+            <a:lvl6pPr marL="2514600" indent="-228600" defTabSz="457200" fontAlgn="base" hangingPunct="0">
+              <a:lnSpc>
+                <a:spcPct val="93000"/>
+              </a:lnSpc>
+              <a:spcBef>
+                <a:spcPts val="13"/>
+              </a:spcBef>
+              <a:spcAft>
+                <a:spcPts val="13"/>
+              </a:spcAft>
+              <a:buClr>
+                <a:srgbClr val="000000"/>
+              </a:buClr>
+              <a:buSzPct val="100000"/>
+              <a:buFont typeface="Times New Roman" panose="02020603050405020304" pitchFamily="18" charset="0"/>
+              <a:tabLst>
+                <a:tab pos="457200" algn="l"/>
+                <a:tab pos="914400" algn="l"/>
+                <a:tab pos="1371600" algn="l"/>
+                <a:tab pos="1828800" algn="l"/>
+                <a:tab pos="2286000" algn="l"/>
+              </a:tabLst>
+              <a:defRPr>
+                <a:solidFill>
+                  <a:srgbClr val="000000"/>
+                </a:solidFill>
+                <a:latin typeface="Arial" panose="020B0604020202020204" pitchFamily="34" charset="0"/>
+                <a:cs typeface="Tahoma" panose="020B0604030504040204" pitchFamily="34" charset="0"/>
+              </a:defRPr>
+            </a:lvl6pPr>
+            <a:lvl7pPr marL="2971800" indent="-228600" defTabSz="457200" fontAlgn="base" hangingPunct="0">
+              <a:lnSpc>
+                <a:spcPct val="93000"/>
+              </a:lnSpc>
+              <a:spcBef>
+                <a:spcPts val="13"/>
+              </a:spcBef>
+              <a:spcAft>
+                <a:spcPts val="13"/>
+              </a:spcAft>
+              <a:buClr>
+                <a:srgbClr val="000000"/>
+              </a:buClr>
+              <a:buSzPct val="100000"/>
+              <a:buFont typeface="Times New Roman" panose="02020603050405020304" pitchFamily="18" charset="0"/>
+              <a:tabLst>
+                <a:tab pos="457200" algn="l"/>
+                <a:tab pos="914400" algn="l"/>
+                <a:tab pos="1371600" algn="l"/>
+                <a:tab pos="1828800" algn="l"/>
+                <a:tab pos="2286000" algn="l"/>
+              </a:tabLst>
+              <a:defRPr>
+                <a:solidFill>
+                  <a:srgbClr val="000000"/>
+                </a:solidFill>
+                <a:latin typeface="Arial" panose="020B0604020202020204" pitchFamily="34" charset="0"/>
+                <a:cs typeface="Tahoma" panose="020B0604030504040204" pitchFamily="34" charset="0"/>
+              </a:defRPr>
+            </a:lvl7pPr>
+            <a:lvl8pPr marL="3429000" indent="-228600" defTabSz="457200" fontAlgn="base" hangingPunct="0">
+              <a:lnSpc>
+                <a:spcPct val="93000"/>
+              </a:lnSpc>
+              <a:spcBef>
+                <a:spcPts val="13"/>
+              </a:spcBef>
+              <a:spcAft>
+                <a:spcPts val="13"/>
+              </a:spcAft>
+              <a:buClr>
+                <a:srgbClr val="000000"/>
+              </a:buClr>
+              <a:buSzPct val="100000"/>
+              <a:buFont typeface="Times New Roman" panose="02020603050405020304" pitchFamily="18" charset="0"/>
+              <a:tabLst>
+                <a:tab pos="457200" algn="l"/>
+                <a:tab pos="914400" algn="l"/>
+                <a:tab pos="1371600" algn="l"/>
+                <a:tab pos="1828800" algn="l"/>
+                <a:tab pos="2286000" algn="l"/>
+              </a:tabLst>
+              <a:defRPr>
+                <a:solidFill>
+                  <a:srgbClr val="000000"/>
+                </a:solidFill>
+                <a:latin typeface="Arial" panose="020B0604020202020204" pitchFamily="34" charset="0"/>
+                <a:cs typeface="Tahoma" panose="020B0604030504040204" pitchFamily="34" charset="0"/>
+              </a:defRPr>
+            </a:lvl8pPr>
+            <a:lvl9pPr marL="3886200" indent="-228600" defTabSz="457200" fontAlgn="base" hangingPunct="0">
+              <a:lnSpc>
+                <a:spcPct val="93000"/>
+              </a:lnSpc>
+              <a:spcBef>
+                <a:spcPts val="13"/>
+              </a:spcBef>
+              <a:spcAft>
+                <a:spcPts val="13"/>
+              </a:spcAft>
+              <a:buClr>
+                <a:srgbClr val="000000"/>
+              </a:buClr>
+              <a:buSzPct val="100000"/>
+              <a:buFont typeface="Times New Roman" panose="02020603050405020304" pitchFamily="18" charset="0"/>
+              <a:tabLst>
+                <a:tab pos="457200" algn="l"/>
+                <a:tab pos="914400" algn="l"/>
+                <a:tab pos="1371600" algn="l"/>
+                <a:tab pos="1828800" algn="l"/>
+                <a:tab pos="2286000" algn="l"/>
+              </a:tabLst>
+              <a:defRPr>
+                <a:solidFill>
+                  <a:srgbClr val="000000"/>
+                </a:solidFill>
+                <a:latin typeface="Arial" panose="020B0604020202020204" pitchFamily="34" charset="0"/>
+                <a:cs typeface="Tahoma" panose="020B0604030504040204" pitchFamily="34" charset="0"/>
+              </a:defRPr>
+            </a:lvl9pPr>
+          </a:lstStyle>
+          <a:p>
+            <a:pPr algn="ctr">
+              <a:lnSpc>
+                <a:spcPct val="100000"/>
+              </a:lnSpc>
+            </a:pPr>
+            <a:r>
+              <a:rPr lang="en-US" altLang="en-US" sz="2800" dirty="0">
+                <a:solidFill>
+                  <a:srgbClr val="FFFFFF"/>
+                </a:solidFill>
+                <a:latin typeface="Calibri   "/>
+              </a:rPr>
+              <a:t>Choose your GIT </a:t>
+            </a:r>
+            <a:r>
+              <a:rPr lang="en-US" altLang="en-US" sz="2800" dirty="0" err="1">
+                <a:solidFill>
+                  <a:srgbClr val="FFFFFF"/>
+                </a:solidFill>
+                <a:latin typeface="Calibri   "/>
+              </a:rPr>
+              <a:t>flavour</a:t>
+            </a:r>
+            <a:endParaRPr lang="en-US" altLang="en-US" sz="2800" dirty="0">
+              <a:solidFill>
+                <a:srgbClr val="FFFFFF"/>
+              </a:solidFill>
+              <a:latin typeface="Calibri   "/>
+            </a:endParaRPr>
+          </a:p>
+        </p:txBody>
+      </p:sp>
+      <p:sp>
+        <p:nvSpPr>
+          <p:cNvPr id="5" name="TextBox 4">
+            <a:extLst>
+              <a:ext uri="{FF2B5EF4-FFF2-40B4-BE49-F238E27FC236}">
+                <a16:creationId xmlns:a16="http://schemas.microsoft.com/office/drawing/2014/main" id="{B7999309-9177-3BF3-CDC6-C0C04166F581}"/>
+              </a:ext>
+            </a:extLst>
+          </p:cNvPr>
+          <p:cNvSpPr txBox="1"/>
+          <p:nvPr/>
+        </p:nvSpPr>
+        <p:spPr>
+          <a:xfrm>
+            <a:off x="830084" y="3175491"/>
+            <a:ext cx="3732585" cy="1477328"/>
+          </a:xfrm>
+          <a:prstGeom prst="rect">
+            <a:avLst/>
+          </a:prstGeom>
+          <a:noFill/>
+        </p:spPr>
+        <p:txBody>
+          <a:bodyPr wrap="square">
+            <a:spAutoFit/>
+          </a:bodyPr>
+          <a:lstStyle/>
+          <a:p>
+            <a:r>
+              <a:rPr lang="en-US" b="1" dirty="0">
+                <a:solidFill>
+                  <a:srgbClr val="569CD6"/>
+                </a:solidFill>
+                <a:effectLst/>
+              </a:rPr>
+              <a:t>GitLab</a:t>
+            </a:r>
+            <a:r>
+              <a:rPr lang="en-US" dirty="0">
+                <a:solidFill>
+                  <a:srgbClr val="CCCCCC"/>
+                </a:solidFill>
+              </a:rPr>
+              <a:t>:  </a:t>
+            </a:r>
+          </a:p>
+          <a:p>
+            <a:pPr marL="285750" indent="-285750">
+              <a:buFont typeface="Arial" panose="020B0604020202020204" pitchFamily="34" charset="0"/>
+              <a:buChar char="•"/>
+            </a:pPr>
+            <a:r>
+              <a:rPr lang="en-US" dirty="0"/>
+              <a:t>Open Source Alternative to GitHub</a:t>
+            </a:r>
+          </a:p>
+          <a:p>
+            <a:pPr marL="285750" indent="-285750">
+              <a:buFont typeface="Arial" panose="020B0604020202020204" pitchFamily="34" charset="0"/>
+              <a:buChar char="•"/>
+            </a:pPr>
+            <a:r>
+              <a:rPr lang="en-US" dirty="0"/>
+              <a:t>Has CI/CD pipeline Built-in</a:t>
+            </a:r>
+          </a:p>
+          <a:p>
+            <a:pPr marL="285750" indent="-285750">
+              <a:buFont typeface="Arial" panose="020B0604020202020204" pitchFamily="34" charset="0"/>
+              <a:buChar char="•"/>
+            </a:pPr>
+            <a:r>
+              <a:rPr lang="en-US" dirty="0"/>
+              <a:t>Can be installed on any Server, except </a:t>
+            </a:r>
+            <a:r>
+              <a:rPr lang="en-US" dirty="0" err="1"/>
+              <a:t>IBMi</a:t>
+            </a:r>
+            <a:endParaRPr lang="en-US" dirty="0"/>
+          </a:p>
+        </p:txBody>
+      </p:sp>
+      <p:sp>
+        <p:nvSpPr>
+          <p:cNvPr id="8" name="TextBox 7">
+            <a:extLst>
+              <a:ext uri="{FF2B5EF4-FFF2-40B4-BE49-F238E27FC236}">
+                <a16:creationId xmlns:a16="http://schemas.microsoft.com/office/drawing/2014/main" id="{4658016D-7714-95B9-6342-C2C68D869228}"/>
+              </a:ext>
+            </a:extLst>
+          </p:cNvPr>
+          <p:cNvSpPr txBox="1"/>
+          <p:nvPr/>
+        </p:nvSpPr>
+        <p:spPr>
+          <a:xfrm>
+            <a:off x="6096000" y="1084833"/>
+            <a:ext cx="3732585" cy="1200329"/>
+          </a:xfrm>
+          <a:prstGeom prst="rect">
+            <a:avLst/>
+          </a:prstGeom>
+          <a:noFill/>
+        </p:spPr>
+        <p:txBody>
+          <a:bodyPr wrap="square">
+            <a:spAutoFit/>
+          </a:bodyPr>
+          <a:lstStyle/>
+          <a:p>
+            <a:r>
+              <a:rPr lang="en-US" b="1" dirty="0" err="1">
+                <a:solidFill>
+                  <a:srgbClr val="569CD6"/>
+                </a:solidFill>
+                <a:effectLst/>
+              </a:rPr>
+              <a:t>BitBucket</a:t>
+            </a:r>
+            <a:r>
+              <a:rPr lang="en-US" b="1" dirty="0">
+                <a:solidFill>
+                  <a:srgbClr val="569CD6"/>
+                </a:solidFill>
+                <a:effectLst/>
+              </a:rPr>
+              <a:t>:</a:t>
+            </a:r>
+            <a:endParaRPr lang="en-US" dirty="0">
+              <a:solidFill>
+                <a:srgbClr val="CCCCCC"/>
+              </a:solidFill>
+            </a:endParaRPr>
+          </a:p>
+          <a:p>
+            <a:pPr marL="285750" indent="-285750">
+              <a:buFont typeface="Arial" panose="020B0604020202020204" pitchFamily="34" charset="0"/>
+              <a:buChar char="•"/>
+            </a:pPr>
+            <a:r>
+              <a:rPr lang="en-US" dirty="0"/>
+              <a:t>Proprietary and Cloud Based</a:t>
+            </a:r>
+          </a:p>
+          <a:p>
+            <a:pPr marL="285750" indent="-285750">
+              <a:buFont typeface="Arial" panose="020B0604020202020204" pitchFamily="34" charset="0"/>
+              <a:buChar char="•"/>
+            </a:pPr>
+            <a:r>
+              <a:rPr lang="en-US" dirty="0"/>
+              <a:t>Owned by Atlassian</a:t>
+            </a:r>
+          </a:p>
+          <a:p>
+            <a:pPr marL="285750" indent="-285750">
+              <a:buFont typeface="Arial" panose="020B0604020202020204" pitchFamily="34" charset="0"/>
+              <a:buChar char="•"/>
+            </a:pPr>
+            <a:r>
+              <a:rPr lang="en-US" dirty="0"/>
+              <a:t>Can be integrated with Jira</a:t>
+            </a:r>
+          </a:p>
+        </p:txBody>
+      </p:sp>
+      <p:sp>
+        <p:nvSpPr>
+          <p:cNvPr id="9" name="TextBox 8">
+            <a:extLst>
+              <a:ext uri="{FF2B5EF4-FFF2-40B4-BE49-F238E27FC236}">
+                <a16:creationId xmlns:a16="http://schemas.microsoft.com/office/drawing/2014/main" id="{D009D5F7-8AED-C443-4945-0F8517711421}"/>
+              </a:ext>
+            </a:extLst>
+          </p:cNvPr>
+          <p:cNvSpPr txBox="1"/>
+          <p:nvPr/>
+        </p:nvSpPr>
+        <p:spPr>
+          <a:xfrm>
+            <a:off x="6258385" y="3175491"/>
+            <a:ext cx="4975672" cy="1477328"/>
+          </a:xfrm>
+          <a:prstGeom prst="rect">
+            <a:avLst/>
+          </a:prstGeom>
+          <a:noFill/>
+        </p:spPr>
+        <p:txBody>
+          <a:bodyPr wrap="square">
+            <a:spAutoFit/>
+          </a:bodyPr>
+          <a:lstStyle/>
+          <a:p>
+            <a:r>
+              <a:rPr lang="en-US" b="1" dirty="0" err="1">
+                <a:solidFill>
+                  <a:srgbClr val="569CD6"/>
+                </a:solidFill>
+              </a:rPr>
+              <a:t>G</a:t>
+            </a:r>
+            <a:r>
+              <a:rPr lang="en-US" b="1" dirty="0" err="1">
+                <a:solidFill>
+                  <a:srgbClr val="569CD6"/>
+                </a:solidFill>
+                <a:effectLst/>
+              </a:rPr>
+              <a:t>itBucket</a:t>
+            </a:r>
+            <a:r>
+              <a:rPr lang="en-US" dirty="0">
+                <a:solidFill>
+                  <a:srgbClr val="CCCCCC"/>
+                </a:solidFill>
+              </a:rPr>
+              <a:t>:  </a:t>
+            </a:r>
+          </a:p>
+          <a:p>
+            <a:pPr marL="285750" indent="-285750">
+              <a:buFont typeface="Arial" panose="020B0604020202020204" pitchFamily="34" charset="0"/>
+              <a:buChar char="•"/>
+            </a:pPr>
+            <a:r>
+              <a:rPr lang="en-US" dirty="0"/>
+              <a:t>Open Source and Can be installed On Prem.</a:t>
+            </a:r>
+          </a:p>
+          <a:p>
+            <a:pPr marL="285750" indent="-285750">
+              <a:buFont typeface="Arial" panose="020B0604020202020204" pitchFamily="34" charset="0"/>
+              <a:buChar char="•"/>
+            </a:pPr>
+            <a:r>
+              <a:rPr lang="en-US" dirty="0"/>
+              <a:t>Installation &amp; Maintenance are on us.</a:t>
+            </a:r>
+          </a:p>
+          <a:p>
+            <a:pPr marL="285750" indent="-285750">
+              <a:buFont typeface="Arial" panose="020B0604020202020204" pitchFamily="34" charset="0"/>
+              <a:buChar char="•"/>
+            </a:pPr>
+            <a:r>
+              <a:rPr lang="en-US" dirty="0"/>
+              <a:t>Can be installed on </a:t>
+            </a:r>
+            <a:r>
+              <a:rPr lang="en-US" dirty="0" err="1"/>
+              <a:t>IBMi</a:t>
+            </a:r>
+            <a:r>
+              <a:rPr lang="en-US" dirty="0"/>
+              <a:t> and thus provide more privacy to the source code.</a:t>
+            </a:r>
+          </a:p>
+        </p:txBody>
+      </p:sp>
+      <p:pic>
+        <p:nvPicPr>
+          <p:cNvPr id="11" name="Picture 10" descr="A logo of a cat&#10;&#10;Description automatically generated">
+            <a:extLst>
+              <a:ext uri="{FF2B5EF4-FFF2-40B4-BE49-F238E27FC236}">
+                <a16:creationId xmlns:a16="http://schemas.microsoft.com/office/drawing/2014/main" id="{9F740E4A-7CC3-7F0D-D72F-9F9A4E109D9B}"/>
+              </a:ext>
+            </a:extLst>
+          </p:cNvPr>
+          <p:cNvPicPr>
+            <a:picLocks noChangeAspect="1"/>
+          </p:cNvPicPr>
+          <p:nvPr/>
+        </p:nvPicPr>
+        <p:blipFill>
+          <a:blip r:embed="rId3">
+            <a:alphaModFix amt="25000"/>
+            <a:extLst>
+              <a:ext uri="{28A0092B-C50C-407E-A947-70E740481C1C}">
+                <a14:useLocalDpi xmlns:a14="http://schemas.microsoft.com/office/drawing/2010/main" val="0"/>
+              </a:ext>
+            </a:extLst>
+          </a:blip>
+          <a:stretch>
+            <a:fillRect/>
+          </a:stretch>
+        </p:blipFill>
+        <p:spPr>
+          <a:xfrm>
+            <a:off x="3362325" y="1166507"/>
+            <a:ext cx="1847850" cy="1036980"/>
+          </a:xfrm>
+          <a:prstGeom prst="rect">
+            <a:avLst/>
+          </a:prstGeom>
+        </p:spPr>
+      </p:pic>
+      <p:pic>
+        <p:nvPicPr>
+          <p:cNvPr id="1026" name="Picture 2">
+            <a:extLst>
+              <a:ext uri="{FF2B5EF4-FFF2-40B4-BE49-F238E27FC236}">
+                <a16:creationId xmlns:a16="http://schemas.microsoft.com/office/drawing/2014/main" id="{F2942A22-3435-CFD6-1E68-9591933C1C7B}"/>
+              </a:ext>
+            </a:extLst>
+          </p:cNvPr>
+          <p:cNvPicPr>
+            <a:picLocks noChangeAspect="1" noChangeArrowheads="1"/>
+          </p:cNvPicPr>
+          <p:nvPr/>
+        </p:nvPicPr>
+        <p:blipFill>
+          <a:blip r:embed="rId4">
+            <a:alphaModFix amt="25000"/>
+            <a:extLst>
+              <a:ext uri="{28A0092B-C50C-407E-A947-70E740481C1C}">
+                <a14:useLocalDpi xmlns:a14="http://schemas.microsoft.com/office/drawing/2010/main" val="0"/>
+              </a:ext>
+            </a:extLst>
+          </a:blip>
+          <a:srcRect/>
+          <a:stretch>
+            <a:fillRect/>
+          </a:stretch>
+        </p:blipFill>
+        <p:spPr bwMode="auto">
+          <a:xfrm>
+            <a:off x="8336689" y="4650340"/>
+            <a:ext cx="2983791" cy="616902"/>
+          </a:xfrm>
+          <a:prstGeom prst="rect">
+            <a:avLst/>
+          </a:prstGeom>
+          <a:noFill/>
+          <a:extLst>
+            <a:ext uri="{909E8E84-426E-40DD-AFC4-6F175D3DCCD1}">
+              <a14:hiddenFill xmlns:a14="http://schemas.microsoft.com/office/drawing/2010/main">
+                <a:solidFill>
+                  <a:srgbClr val="FFFFFF"/>
+                </a:solidFill>
+              </a14:hiddenFill>
+            </a:ext>
+          </a:extLst>
+        </p:spPr>
+      </p:pic>
+      <p:pic>
+        <p:nvPicPr>
+          <p:cNvPr id="1030" name="Picture 6">
+            <a:extLst>
+              <a:ext uri="{FF2B5EF4-FFF2-40B4-BE49-F238E27FC236}">
+                <a16:creationId xmlns:a16="http://schemas.microsoft.com/office/drawing/2014/main" id="{2E3AF0F2-14DC-FC55-F0DA-1006C1A190EF}"/>
+              </a:ext>
+            </a:extLst>
+          </p:cNvPr>
+          <p:cNvPicPr>
+            <a:picLocks noChangeAspect="1" noChangeArrowheads="1"/>
+          </p:cNvPicPr>
+          <p:nvPr/>
+        </p:nvPicPr>
+        <p:blipFill>
+          <a:blip r:embed="rId5">
+            <a:alphaModFix amt="30000"/>
+            <a:extLst>
+              <a:ext uri="{28A0092B-C50C-407E-A947-70E740481C1C}">
+                <a14:useLocalDpi xmlns:a14="http://schemas.microsoft.com/office/drawing/2010/main" val="0"/>
+              </a:ext>
+            </a:extLst>
+          </a:blip>
+          <a:srcRect/>
+          <a:stretch>
+            <a:fillRect/>
+          </a:stretch>
+        </p:blipFill>
+        <p:spPr bwMode="auto">
+          <a:xfrm>
+            <a:off x="8954170" y="1019496"/>
+            <a:ext cx="1477328" cy="1477328"/>
+          </a:xfrm>
+          <a:prstGeom prst="rect">
+            <a:avLst/>
+          </a:prstGeom>
+          <a:noFill/>
+          <a:extLst>
+            <a:ext uri="{909E8E84-426E-40DD-AFC4-6F175D3DCCD1}">
+              <a14:hiddenFill xmlns:a14="http://schemas.microsoft.com/office/drawing/2010/main">
+                <a:solidFill>
+                  <a:srgbClr val="FFFFFF"/>
+                </a:solidFill>
+              </a14:hiddenFill>
+            </a:ext>
+          </a:extLst>
+        </p:spPr>
+      </p:pic>
+      <p:pic>
+        <p:nvPicPr>
+          <p:cNvPr id="1032" name="Picture 8">
+            <a:extLst>
+              <a:ext uri="{FF2B5EF4-FFF2-40B4-BE49-F238E27FC236}">
+                <a16:creationId xmlns:a16="http://schemas.microsoft.com/office/drawing/2014/main" id="{06CB4D5B-2239-289F-E50B-4580BD7CA267}"/>
+              </a:ext>
+            </a:extLst>
+          </p:cNvPr>
+          <p:cNvPicPr>
+            <a:picLocks noChangeAspect="1" noChangeArrowheads="1"/>
+          </p:cNvPicPr>
+          <p:nvPr/>
+        </p:nvPicPr>
+        <p:blipFill>
+          <a:blip r:embed="rId6">
+            <a:alphaModFix amt="25000"/>
+            <a:extLst>
+              <a:ext uri="{28A0092B-C50C-407E-A947-70E740481C1C}">
+                <a14:useLocalDpi xmlns:a14="http://schemas.microsoft.com/office/drawing/2010/main" val="0"/>
+              </a:ext>
+            </a:extLst>
+          </a:blip>
+          <a:srcRect/>
+          <a:stretch>
+            <a:fillRect/>
+          </a:stretch>
+        </p:blipFill>
+        <p:spPr bwMode="auto">
+          <a:xfrm>
+            <a:off x="3461000" y="4102019"/>
+            <a:ext cx="1843522" cy="1036981"/>
+          </a:xfrm>
+          <a:prstGeom prst="rect">
+            <a:avLst/>
+          </a:prstGeom>
+          <a:noFill/>
+          <a:extLst>
+            <a:ext uri="{909E8E84-426E-40DD-AFC4-6F175D3DCCD1}">
+              <a14:hiddenFill xmlns:a14="http://schemas.microsoft.com/office/drawing/2010/main">
+                <a:solidFill>
+                  <a:srgbClr val="FFFFFF"/>
+                </a:solidFill>
+              </a14:hiddenFill>
+            </a:ext>
+          </a:extLst>
+        </p:spPr>
+      </p:pic>
+    </p:spTree>
+    <p:extLst>
+      <p:ext uri="{BB962C8B-B14F-4D97-AF65-F5344CB8AC3E}">
+        <p14:creationId xmlns:p14="http://schemas.microsoft.com/office/powerpoint/2010/main" val="420561970"/>
+      </p:ext>
+    </p:extLst>
+  </p:cSld>
+  <p:clrMapOvr>
+    <a:masterClrMapping/>
+  </p:clrMapOvr>
+</p:sld>
+</file>
+
+<file path=ppt/slides/slide8.xml><?xml version="1.0" encoding="utf-8"?>
 <p:sld xmlns:a="http://schemas.openxmlformats.org/drawingml/2006/main" xmlns:r="http://schemas.openxmlformats.org/officeDocument/2006/relationships" xmlns:p="http://schemas.openxmlformats.org/presentationml/2006/main">
   <p:cSld>
     <p:spTree>
@@ -9888,6 +13287,43 @@
           </a:p>
         </p:txBody>
       </p:sp>
+      <p:pic>
+        <p:nvPicPr>
+          <p:cNvPr id="5" name="Picture 4" descr="A logo of a cat&#10;&#10;Description automatically generated">
+            <a:extLst>
+              <a:ext uri="{FF2B5EF4-FFF2-40B4-BE49-F238E27FC236}">
+                <a16:creationId xmlns:a16="http://schemas.microsoft.com/office/drawing/2014/main" id="{D7CF7C7A-F14B-1C38-20A0-6F9266612ADE}"/>
+              </a:ext>
+            </a:extLst>
+          </p:cNvPr>
+          <p:cNvPicPr>
+            <a:picLocks noChangeAspect="1"/>
+          </p:cNvPicPr>
+          <p:nvPr/>
+        </p:nvPicPr>
+        <p:blipFill>
+          <a:blip r:embed="rId3">
+            <a:alphaModFix amt="75000"/>
+            <a:extLst>
+              <a:ext uri="{28A0092B-C50C-407E-A947-70E740481C1C}">
+                <a14:useLocalDpi xmlns:a14="http://schemas.microsoft.com/office/drawing/2010/main" val="0"/>
+              </a:ext>
+            </a:extLst>
+          </a:blip>
+          <a:stretch>
+            <a:fillRect/>
+          </a:stretch>
+        </p:blipFill>
+        <p:spPr>
+          <a:xfrm>
+            <a:off x="7517409" y="2153380"/>
+            <a:ext cx="3997710" cy="2243443"/>
+          </a:xfrm>
+          <a:prstGeom prst="rect">
+            <a:avLst/>
+          </a:prstGeom>
+        </p:spPr>
+      </p:pic>
     </p:spTree>
     <p:extLst>
       <p:ext uri="{BB962C8B-B14F-4D97-AF65-F5344CB8AC3E}">
@@ -9901,22 +13337,18 @@
 </p:sld>
 </file>
 
-<file path=ppt/slides/slide8.xml><?xml version="1.0" encoding="utf-8"?>
+<file path=ppt/slides/slide9.xml><?xml version="1.0" encoding="utf-8"?>
 <p:sld xmlns:a="http://schemas.openxmlformats.org/drawingml/2006/main" xmlns:r="http://schemas.openxmlformats.org/officeDocument/2006/relationships" xmlns:p="http://schemas.openxmlformats.org/presentationml/2006/main">
   <p:cSld>
-    <p:bg>
-      <p:bgPr>
-        <a:solidFill>
-          <a:schemeClr val="accent1">
-            <a:alpha val="0"/>
-          </a:schemeClr>
-        </a:solidFill>
-        <a:effectLst/>
-      </p:bgPr>
-    </p:bg>
     <p:spTree>
       <p:nvGrpSpPr>
-        <p:cNvPr id="1" name=""/>
+        <p:cNvPr id="1" name="">
+          <a:extLst>
+            <a:ext uri="{FF2B5EF4-FFF2-40B4-BE49-F238E27FC236}">
+              <a16:creationId xmlns:a16="http://schemas.microsoft.com/office/drawing/2014/main" id="{0D7583E8-FED8-C592-6205-ED1073D08EC8}"/>
+            </a:ext>
+          </a:extLst>
+        </p:cNvPr>
         <p:cNvGrpSpPr/>
         <p:nvPr/>
       </p:nvGrpSpPr>
@@ -9930,493 +13362,734 @@
       </p:grpSpPr>
       <p:sp>
         <p:nvSpPr>
-          <p:cNvPr id="9" name="Rectangle 8">
+          <p:cNvPr id="3" name="TextBox 2">
             <a:extLst>
               <a:ext uri="{FF2B5EF4-FFF2-40B4-BE49-F238E27FC236}">
-                <a16:creationId xmlns:a16="http://schemas.microsoft.com/office/drawing/2014/main" id="{C0B27210-D0CA-4654-B3E3-9ABB4F178EA1}"/>
+                <a16:creationId xmlns:a16="http://schemas.microsoft.com/office/drawing/2014/main" id="{BEF95B3F-908B-8345-7871-D77060846FC8}"/>
               </a:ext>
-              <a:ext uri="{C183D7F6-B498-43B3-948B-1728B52AA6E4}">
-                <adec:decorative xmlns:adec="http://schemas.microsoft.com/office/drawing/2017/decorative" val="1"/>
+            </a:extLst>
+          </p:cNvPr>
+          <p:cNvSpPr txBox="1"/>
+          <p:nvPr/>
+        </p:nvSpPr>
+        <p:spPr>
+          <a:xfrm>
+            <a:off x="830084" y="1084833"/>
+            <a:ext cx="9799815" cy="4308872"/>
+          </a:xfrm>
+          <a:prstGeom prst="rect">
+            <a:avLst/>
+          </a:prstGeom>
+          <a:noFill/>
+        </p:spPr>
+        <p:txBody>
+          <a:bodyPr wrap="square">
+            <a:spAutoFit/>
+          </a:bodyPr>
+          <a:lstStyle/>
+          <a:p>
+            <a:r>
+              <a:rPr lang="en-US" b="1" dirty="0">
+                <a:solidFill>
+                  <a:srgbClr val="569CD6"/>
+                </a:solidFill>
+                <a:effectLst/>
+              </a:rPr>
+              <a:t>If you use GIT, know that</a:t>
+            </a:r>
+            <a:endParaRPr lang="en-US" dirty="0">
+              <a:solidFill>
+                <a:srgbClr val="CCCCCC"/>
+              </a:solidFill>
+            </a:endParaRPr>
+          </a:p>
+          <a:p>
+            <a:pPr marL="285750" indent="-285750">
+              <a:buFont typeface="Arial" panose="020B0604020202020204" pitchFamily="34" charset="0"/>
+              <a:buChar char="•"/>
+            </a:pPr>
+            <a:r>
+              <a:rPr lang="en-US" sz="1600" dirty="0"/>
+              <a:t>Each developer will have a minimum of 1 copy of the dev repository.</a:t>
+            </a:r>
+          </a:p>
+          <a:p>
+            <a:pPr marL="285750" indent="-285750">
+              <a:buFont typeface="Arial" panose="020B0604020202020204" pitchFamily="34" charset="0"/>
+              <a:buChar char="•"/>
+            </a:pPr>
+            <a:endParaRPr lang="en-US" sz="1600" dirty="0"/>
+          </a:p>
+          <a:p>
+            <a:pPr marL="285750" indent="-285750">
+              <a:buFont typeface="Arial" panose="020B0604020202020204" pitchFamily="34" charset="0"/>
+              <a:buChar char="•"/>
+            </a:pPr>
+            <a:r>
+              <a:rPr lang="en-US" sz="1600" dirty="0"/>
+              <a:t>Since Git is consider every source as plain text file. It is required to Maintain the sources in IFS.</a:t>
+            </a:r>
+          </a:p>
+          <a:p>
+            <a:endParaRPr lang="en-US" sz="1600" dirty="0"/>
+          </a:p>
+          <a:p>
+            <a:pPr marL="285750" indent="-285750">
+              <a:buFont typeface="Arial" panose="020B0604020202020204" pitchFamily="34" charset="0"/>
+              <a:buChar char="•"/>
+            </a:pPr>
+            <a:r>
+              <a:rPr lang="en-US" sz="1600" dirty="0"/>
+              <a:t>You need to know how to compile from IFS. There are paid tools like </a:t>
+            </a:r>
+            <a:r>
+              <a:rPr lang="en-US" sz="1600" i="1" dirty="0" err="1"/>
+              <a:t>iForGit</a:t>
+            </a:r>
+            <a:r>
+              <a:rPr lang="en-US" sz="1600" i="1" dirty="0"/>
+              <a:t> </a:t>
+            </a:r>
+            <a:r>
+              <a:rPr lang="en-US" sz="1600" dirty="0"/>
+              <a:t>that bridges the gap b/w IFS and Traditional Source Files. But it is a good skill to have. </a:t>
+            </a:r>
+            <a:endParaRPr lang="en-US" sz="1600" i="1" dirty="0"/>
+          </a:p>
+          <a:p>
+            <a:pPr marL="285750" indent="-285750">
+              <a:buFont typeface="Arial" panose="020B0604020202020204" pitchFamily="34" charset="0"/>
+              <a:buChar char="•"/>
+            </a:pPr>
+            <a:endParaRPr lang="en-US" sz="1600" dirty="0"/>
+          </a:p>
+          <a:p>
+            <a:pPr marL="285750" indent="-285750">
+              <a:buFont typeface="Arial" panose="020B0604020202020204" pitchFamily="34" charset="0"/>
+              <a:buChar char="•"/>
+            </a:pPr>
+            <a:r>
+              <a:rPr lang="en-US" sz="1600" dirty="0"/>
+              <a:t>You will lose the ability to color code comments. But it is for greater good.</a:t>
+            </a:r>
+          </a:p>
+          <a:p>
+            <a:pPr marL="285750" indent="-285750">
+              <a:buFont typeface="Arial" panose="020B0604020202020204" pitchFamily="34" charset="0"/>
+              <a:buChar char="•"/>
+            </a:pPr>
+            <a:endParaRPr lang="en-US" sz="1600" dirty="0"/>
+          </a:p>
+          <a:p>
+            <a:pPr marL="285750" indent="-285750">
+              <a:buFont typeface="Arial" panose="020B0604020202020204" pitchFamily="34" charset="0"/>
+              <a:buChar char="•"/>
+            </a:pPr>
+            <a:r>
+              <a:rPr lang="en-US" sz="1600" dirty="0"/>
+              <a:t>Some source audit information will be lost, such as “info about compiled from which source physical file”</a:t>
+            </a:r>
+          </a:p>
+          <a:p>
+            <a:pPr marL="285750" indent="-285750">
+              <a:buFont typeface="Arial" panose="020B0604020202020204" pitchFamily="34" charset="0"/>
+              <a:buChar char="•"/>
+            </a:pPr>
+            <a:endParaRPr lang="en-US" sz="1600" dirty="0"/>
+          </a:p>
+          <a:p>
+            <a:pPr marL="285750" indent="-285750">
+              <a:buFont typeface="Arial" panose="020B0604020202020204" pitchFamily="34" charset="0"/>
+              <a:buChar char="•"/>
+            </a:pPr>
+            <a:r>
+              <a:rPr lang="en-US" sz="1600" dirty="0"/>
+              <a:t>Git and GitHub are different applications. Git is mostly used by Developers, while GitHub is widely used by Project Managers and Team Leads.</a:t>
+            </a:r>
+          </a:p>
+          <a:p>
+            <a:pPr marL="285750" indent="-285750">
+              <a:buFont typeface="Arial" panose="020B0604020202020204" pitchFamily="34" charset="0"/>
+              <a:buChar char="•"/>
+            </a:pPr>
+            <a:endParaRPr lang="en-US" sz="1600" dirty="0"/>
+          </a:p>
+          <a:p>
+            <a:pPr marL="285750" indent="-285750">
+              <a:buFont typeface="Arial" panose="020B0604020202020204" pitchFamily="34" charset="0"/>
+              <a:buChar char="•"/>
+            </a:pPr>
+            <a:r>
+              <a:rPr lang="en-US" sz="1600" dirty="0"/>
+              <a:t>It can only manage the source code and it </a:t>
+            </a:r>
+            <a:r>
+              <a:rPr lang="en-US" sz="1600" i="1" dirty="0"/>
+              <a:t>cannot compile, find dependent objects, test the code, do impact analysis, do deployment </a:t>
+            </a:r>
+            <a:r>
+              <a:rPr lang="en-US" sz="1600" dirty="0"/>
+              <a:t>(like traditional SCMs for </a:t>
+            </a:r>
+            <a:r>
+              <a:rPr lang="en-US" sz="1600" dirty="0" err="1"/>
+              <a:t>IBMi</a:t>
+            </a:r>
+            <a:r>
+              <a:rPr lang="en-US" sz="1600" dirty="0"/>
+              <a:t> do)</a:t>
+            </a:r>
+          </a:p>
+        </p:txBody>
+      </p:sp>
+      <p:grpSp>
+        <p:nvGrpSpPr>
+          <p:cNvPr id="6" name="Group 5">
+            <a:extLst>
+              <a:ext uri="{FF2B5EF4-FFF2-40B4-BE49-F238E27FC236}">
+                <a16:creationId xmlns:a16="http://schemas.microsoft.com/office/drawing/2014/main" id="{648DDDA4-DDA9-9697-7E1F-A26ACB1C9B50}"/>
+              </a:ext>
+            </a:extLst>
+          </p:cNvPr>
+          <p:cNvGrpSpPr/>
+          <p:nvPr/>
+        </p:nvGrpSpPr>
+        <p:grpSpPr>
+          <a:xfrm>
+            <a:off x="629110" y="5881665"/>
+            <a:ext cx="11258551" cy="616902"/>
+            <a:chOff x="373320" y="11920376"/>
+            <a:chExt cx="17541357" cy="1544612"/>
+          </a:xfrm>
+        </p:grpSpPr>
+        <p:sp>
+          <p:nvSpPr>
+            <p:cNvPr id="7" name="Rectangle 6">
+              <a:extLst>
+                <a:ext uri="{FF2B5EF4-FFF2-40B4-BE49-F238E27FC236}">
+                  <a16:creationId xmlns:a16="http://schemas.microsoft.com/office/drawing/2014/main" id="{739E7A65-F8A5-8F21-03F1-6E73FFBA7107}"/>
+                </a:ext>
+              </a:extLst>
+            </p:cNvPr>
+            <p:cNvSpPr/>
+            <p:nvPr/>
+          </p:nvSpPr>
+          <p:spPr>
+            <a:xfrm>
+              <a:off x="373320" y="11920376"/>
+              <a:ext cx="17541357" cy="1544612"/>
+            </a:xfrm>
+            <a:prstGeom prst="rect">
+              <a:avLst/>
+            </a:prstGeom>
+            <a:solidFill>
+              <a:schemeClr val="bg1"/>
+            </a:solidFill>
+            <a:ln>
+              <a:noFill/>
+            </a:ln>
+          </p:spPr>
+          <p:style>
+            <a:lnRef idx="2">
+              <a:schemeClr val="accent1">
+                <a:shade val="50000"/>
+              </a:schemeClr>
+            </a:lnRef>
+            <a:fillRef idx="1">
+              <a:schemeClr val="accent1"/>
+            </a:fillRef>
+            <a:effectRef idx="0">
+              <a:schemeClr val="accent1"/>
+            </a:effectRef>
+            <a:fontRef idx="minor">
+              <a:schemeClr val="lt1"/>
+            </a:fontRef>
+          </p:style>
+          <p:txBody>
+            <a:bodyPr rtlCol="0" anchor="ctr"/>
+            <a:lstStyle/>
+            <a:p>
+              <a:pPr algn="ctr"/>
+              <a:endParaRPr lang="en-US" dirty="0"/>
+            </a:p>
+          </p:txBody>
+        </p:sp>
+        <p:sp>
+          <p:nvSpPr>
+            <p:cNvPr id="12" name="TextBox 26">
+              <a:extLst>
+                <a:ext uri="{FF2B5EF4-FFF2-40B4-BE49-F238E27FC236}">
+                  <a16:creationId xmlns:a16="http://schemas.microsoft.com/office/drawing/2014/main" id="{7EAA641A-E42E-8103-6AF5-2AD80DA07E2D}"/>
+                </a:ext>
+              </a:extLst>
+            </p:cNvPr>
+            <p:cNvSpPr txBox="1">
+              <a:spLocks noChangeArrowheads="1"/>
+            </p:cNvSpPr>
+            <p:nvPr/>
+          </p:nvSpPr>
+          <p:spPr bwMode="auto">
+            <a:xfrm>
+              <a:off x="686449" y="12531163"/>
+              <a:ext cx="7411302" cy="924741"/>
+            </a:xfrm>
+            <a:prstGeom prst="rect">
+              <a:avLst/>
+            </a:prstGeom>
+            <a:noFill/>
+            <a:ln w="9525">
+              <a:solidFill>
+                <a:schemeClr val="bg1"/>
+              </a:solidFill>
+              <a:miter lim="800000"/>
+              <a:headEnd/>
+              <a:tailEnd/>
+            </a:ln>
+            <a:extLst>
+              <a:ext uri="{909E8E84-426E-40DD-AFC4-6F175D3DCCD1}">
+                <a14:hiddenFill xmlns:a14="http://schemas.microsoft.com/office/drawing/2010/main">
+                  <a:solidFill>
+                    <a:srgbClr val="FFFFFF"/>
+                  </a:solidFill>
+                </a14:hiddenFill>
+              </a:ext>
+            </a:extLst>
+          </p:spPr>
+          <p:txBody>
+            <a:bodyPr wrap="square">
+              <a:spAutoFit/>
+            </a:bodyPr>
+            <a:lstStyle>
+              <a:lvl1pPr>
+                <a:defRPr sz="3600">
+                  <a:solidFill>
+                    <a:schemeClr val="tx1"/>
+                  </a:solidFill>
+                  <a:latin typeface="Lato Light" panose="020F0502020204030203" pitchFamily="34" charset="0"/>
+                </a:defRPr>
+              </a:lvl1pPr>
+              <a:lvl2pPr marL="742950" indent="-285750">
+                <a:defRPr sz="3600">
+                  <a:solidFill>
+                    <a:schemeClr val="tx1"/>
+                  </a:solidFill>
+                  <a:latin typeface="Lato Light" panose="020F0502020204030203" pitchFamily="34" charset="0"/>
+                </a:defRPr>
+              </a:lvl2pPr>
+              <a:lvl3pPr marL="1143000" indent="-228600">
+                <a:defRPr sz="3600">
+                  <a:solidFill>
+                    <a:schemeClr val="tx1"/>
+                  </a:solidFill>
+                  <a:latin typeface="Lato Light" panose="020F0502020204030203" pitchFamily="34" charset="0"/>
+                </a:defRPr>
+              </a:lvl3pPr>
+              <a:lvl4pPr marL="1600200" indent="-228600">
+                <a:defRPr sz="3600">
+                  <a:solidFill>
+                    <a:schemeClr val="tx1"/>
+                  </a:solidFill>
+                  <a:latin typeface="Lato Light" panose="020F0502020204030203" pitchFamily="34" charset="0"/>
+                </a:defRPr>
+              </a:lvl4pPr>
+              <a:lvl5pPr marL="2057400" indent="-228600">
+                <a:defRPr sz="3600">
+                  <a:solidFill>
+                    <a:schemeClr val="tx1"/>
+                  </a:solidFill>
+                  <a:latin typeface="Lato Light" panose="020F0502020204030203" pitchFamily="34" charset="0"/>
+                </a:defRPr>
+              </a:lvl5pPr>
+              <a:lvl6pPr marL="2514600" indent="-228600" defTabSz="1827213" eaLnBrk="0" fontAlgn="base" hangingPunct="0">
+                <a:spcBef>
+                  <a:spcPct val="0"/>
+                </a:spcBef>
+                <a:spcAft>
+                  <a:spcPct val="0"/>
+                </a:spcAft>
+                <a:defRPr sz="3600">
+                  <a:solidFill>
+                    <a:schemeClr val="tx1"/>
+                  </a:solidFill>
+                  <a:latin typeface="Lato Light" panose="020F0502020204030203" pitchFamily="34" charset="0"/>
+                </a:defRPr>
+              </a:lvl6pPr>
+              <a:lvl7pPr marL="2971800" indent="-228600" defTabSz="1827213" eaLnBrk="0" fontAlgn="base" hangingPunct="0">
+                <a:spcBef>
+                  <a:spcPct val="0"/>
+                </a:spcBef>
+                <a:spcAft>
+                  <a:spcPct val="0"/>
+                </a:spcAft>
+                <a:defRPr sz="3600">
+                  <a:solidFill>
+                    <a:schemeClr val="tx1"/>
+                  </a:solidFill>
+                  <a:latin typeface="Lato Light" panose="020F0502020204030203" pitchFamily="34" charset="0"/>
+                </a:defRPr>
+              </a:lvl7pPr>
+              <a:lvl8pPr marL="3429000" indent="-228600" defTabSz="1827213" eaLnBrk="0" fontAlgn="base" hangingPunct="0">
+                <a:spcBef>
+                  <a:spcPct val="0"/>
+                </a:spcBef>
+                <a:spcAft>
+                  <a:spcPct val="0"/>
+                </a:spcAft>
+                <a:defRPr sz="3600">
+                  <a:solidFill>
+                    <a:schemeClr val="tx1"/>
+                  </a:solidFill>
+                  <a:latin typeface="Lato Light" panose="020F0502020204030203" pitchFamily="34" charset="0"/>
+                </a:defRPr>
+              </a:lvl8pPr>
+              <a:lvl9pPr marL="3886200" indent="-228600" defTabSz="1827213" eaLnBrk="0" fontAlgn="base" hangingPunct="0">
+                <a:spcBef>
+                  <a:spcPct val="0"/>
+                </a:spcBef>
+                <a:spcAft>
+                  <a:spcPct val="0"/>
+                </a:spcAft>
+                <a:defRPr sz="3600">
+                  <a:solidFill>
+                    <a:schemeClr val="tx1"/>
+                  </a:solidFill>
+                  <a:latin typeface="Lato Light" panose="020F0502020204030203" pitchFamily="34" charset="0"/>
+                </a:defRPr>
+              </a:lvl9pPr>
+            </a:lstStyle>
+            <a:p>
+              <a:pPr eaLnBrk="1" hangingPunct="1"/>
+              <a:r>
+                <a:rPr lang="en-IN" altLang="en-US" sz="1800" dirty="0">
+                  <a:solidFill>
+                    <a:schemeClr val="accent2"/>
+                  </a:solidFill>
+                  <a:latin typeface="+mj-lt"/>
+                  <a:ea typeface="Montserrat" panose="00000500000000000000" pitchFamily="50" charset="0"/>
+                  <a:cs typeface="Montserrat" panose="00000500000000000000" pitchFamily="50" charset="0"/>
+                </a:rPr>
+                <a:t>Programmers.io Confidential and Proprietary</a:t>
+              </a:r>
+              <a:endParaRPr lang="en-US" altLang="en-US" sz="1800" dirty="0">
+                <a:solidFill>
+                  <a:schemeClr val="accent2"/>
+                </a:solidFill>
+                <a:latin typeface="+mj-lt"/>
+                <a:ea typeface="Montserrat" panose="00000500000000000000" pitchFamily="50" charset="0"/>
+                <a:cs typeface="Montserrat" panose="00000500000000000000" pitchFamily="50" charset="0"/>
+              </a:endParaRPr>
+            </a:p>
+          </p:txBody>
+        </p:sp>
+        <p:pic>
+          <p:nvPicPr>
+            <p:cNvPr id="13" name="Picture 12">
+              <a:extLst>
+                <a:ext uri="{FF2B5EF4-FFF2-40B4-BE49-F238E27FC236}">
+                  <a16:creationId xmlns:a16="http://schemas.microsoft.com/office/drawing/2014/main" id="{44C1D793-FF63-F6CE-1862-DE62247CD61A}"/>
+                </a:ext>
+              </a:extLst>
+            </p:cNvPr>
+            <p:cNvPicPr>
+              <a:picLocks noChangeAspect="1"/>
+            </p:cNvPicPr>
+            <p:nvPr/>
+          </p:nvPicPr>
+          <p:blipFill>
+            <a:blip r:embed="rId2">
+              <a:extLst>
+                <a:ext uri="{28A0092B-C50C-407E-A947-70E740481C1C}">
+                  <a14:useLocalDpi xmlns:a14="http://schemas.microsoft.com/office/drawing/2010/main" val="0"/>
+                </a:ext>
+              </a:extLst>
+            </a:blip>
+            <a:stretch>
+              <a:fillRect/>
+            </a:stretch>
+          </p:blipFill>
+          <p:spPr>
+            <a:xfrm>
+              <a:off x="13592315" y="12121964"/>
+              <a:ext cx="4107183" cy="1333941"/>
+            </a:xfrm>
+            <a:prstGeom prst="rect">
+              <a:avLst/>
+            </a:prstGeom>
+            <a:ln>
+              <a:noFill/>
+            </a:ln>
+          </p:spPr>
+        </p:pic>
+      </p:grpSp>
+      <p:sp>
+        <p:nvSpPr>
+          <p:cNvPr id="4" name="Rectangle 3">
+            <a:extLst>
+              <a:ext uri="{FF2B5EF4-FFF2-40B4-BE49-F238E27FC236}">
+                <a16:creationId xmlns:a16="http://schemas.microsoft.com/office/drawing/2014/main" id="{4CD1F55D-D03E-A3EF-4060-A346585103DD}"/>
               </a:ext>
             </a:extLst>
           </p:cNvPr>
           <p:cNvSpPr>
-            <a:spLocks noGrp="1" noRot="1" noChangeAspect="1" noMove="1" noResize="1" noEditPoints="1" noAdjustHandles="1" noChangeArrowheads="1" noChangeShapeType="1" noTextEdit="1"/>
+            <a:spLocks noChangeArrowheads="1"/>
           </p:cNvSpPr>
-          <p:nvPr>
-            <p:extLst>
-              <p:ext uri="{386F3935-93C4-4BCD-93E2-E3B085C9AB24}">
-                <p16:designElem xmlns:p16="http://schemas.microsoft.com/office/powerpoint/2015/main" val="1"/>
-              </p:ext>
-            </p:extLst>
-          </p:nvPr>
+          <p:nvPr/>
         </p:nvSpPr>
-        <p:spPr>
+        <p:spPr bwMode="auto">
           <a:xfrm>
-            <a:off x="0" y="0"/>
-            <a:ext cx="12192000" cy="6858000"/>
+            <a:off x="830085" y="223989"/>
+            <a:ext cx="9172331" cy="616902"/>
           </a:xfrm>
           <a:prstGeom prst="rect">
             <a:avLst/>
           </a:prstGeom>
           <a:solidFill>
             <a:schemeClr val="tx1">
-              <a:lumMod val="75000"/>
-              <a:lumOff val="25000"/>
+              <a:lumMod val="65000"/>
+              <a:lumOff val="35000"/>
             </a:schemeClr>
           </a:solidFill>
           <a:ln>
             <a:noFill/>
           </a:ln>
+          <a:effectLst/>
         </p:spPr>
-        <p:style>
-          <a:lnRef idx="2">
-            <a:schemeClr val="accent1">
-              <a:shade val="50000"/>
-            </a:schemeClr>
-          </a:lnRef>
-          <a:fillRef idx="1">
-            <a:schemeClr val="accent1"/>
-          </a:fillRef>
-          <a:effectRef idx="0">
-            <a:schemeClr val="accent1"/>
-          </a:effectRef>
-          <a:fontRef idx="minor">
-            <a:schemeClr val="lt1"/>
-          </a:fontRef>
-        </p:style>
         <p:txBody>
-          <a:bodyPr rtlCol="0" anchor="ctr"/>
-          <a:lstStyle/>
-          <a:p>
-            <a:pPr algn="ctr"/>
-            <a:endParaRPr lang="en-US"/>
-          </a:p>
-        </p:txBody>
-      </p:sp>
-      <p:sp>
-        <p:nvSpPr>
-          <p:cNvPr id="11" name="Freeform: Shape 10">
-            <a:extLst>
-              <a:ext uri="{FF2B5EF4-FFF2-40B4-BE49-F238E27FC236}">
-                <a16:creationId xmlns:a16="http://schemas.microsoft.com/office/drawing/2014/main" id="{1DB7C82F-AB7E-4F0C-B829-FA1B9C415180}"/>
-              </a:ext>
-              <a:ext uri="{C183D7F6-B498-43B3-948B-1728B52AA6E4}">
-                <adec:decorative xmlns:adec="http://schemas.microsoft.com/office/drawing/2017/decorative" val="1"/>
-              </a:ext>
-            </a:extLst>
-          </p:cNvPr>
-          <p:cNvSpPr>
-            <a:spLocks noGrp="1" noRot="1" noChangeAspect="1" noMove="1" noResize="1" noEditPoints="1" noAdjustHandles="1" noChangeArrowheads="1" noChangeShapeType="1" noTextEdit="1"/>
-          </p:cNvSpPr>
-          <p:nvPr>
-            <p:extLst>
-              <p:ext uri="{386F3935-93C4-4BCD-93E2-E3B085C9AB24}">
-                <p16:designElem xmlns:p16="http://schemas.microsoft.com/office/powerpoint/2015/main" val="1"/>
-              </p:ext>
-            </p:extLst>
-          </p:nvPr>
-        </p:nvSpPr>
-        <p:spPr>
-          <a:xfrm flipH="1">
-            <a:off x="0" y="0"/>
-            <a:ext cx="6172782" cy="6858000"/>
-          </a:xfrm>
-          <a:custGeom>
-            <a:avLst/>
-            <a:gdLst>
-              <a:gd name="connsiteX0" fmla="*/ 6172782 w 6172782"/>
-              <a:gd name="connsiteY0" fmla="*/ 0 h 6858000"/>
-              <a:gd name="connsiteX1" fmla="*/ 69075 w 6172782"/>
-              <a:gd name="connsiteY1" fmla="*/ 0 h 6858000"/>
-              <a:gd name="connsiteX2" fmla="*/ 35131 w 6172782"/>
-              <a:gd name="connsiteY2" fmla="*/ 267128 h 6858000"/>
-              <a:gd name="connsiteX3" fmla="*/ 0 w 6172782"/>
-              <a:gd name="connsiteY3" fmla="*/ 962845 h 6858000"/>
-              <a:gd name="connsiteX4" fmla="*/ 3276103 w 6172782"/>
-              <a:gd name="connsiteY4" fmla="*/ 6782205 h 6858000"/>
-              <a:gd name="connsiteX5" fmla="*/ 3407923 w 6172782"/>
-              <a:gd name="connsiteY5" fmla="*/ 6858000 h 6858000"/>
-              <a:gd name="connsiteX6" fmla="*/ 6172782 w 6172782"/>
-              <a:gd name="connsiteY6" fmla="*/ 6858000 h 6858000"/>
-            </a:gdLst>
-            <a:ahLst/>
-            <a:cxnLst>
-              <a:cxn ang="0">
-                <a:pos x="connsiteX0" y="connsiteY0"/>
-              </a:cxn>
-              <a:cxn ang="0">
-                <a:pos x="connsiteX1" y="connsiteY1"/>
-              </a:cxn>
-              <a:cxn ang="0">
-                <a:pos x="connsiteX2" y="connsiteY2"/>
-              </a:cxn>
-              <a:cxn ang="0">
-                <a:pos x="connsiteX3" y="connsiteY3"/>
-              </a:cxn>
-              <a:cxn ang="0">
-                <a:pos x="connsiteX4" y="connsiteY4"/>
-              </a:cxn>
-              <a:cxn ang="0">
-                <a:pos x="connsiteX5" y="connsiteY5"/>
-              </a:cxn>
-              <a:cxn ang="0">
-                <a:pos x="connsiteX6" y="connsiteY6"/>
-              </a:cxn>
-            </a:cxnLst>
-            <a:rect l="l" t="t" r="r" b="b"/>
-            <a:pathLst>
-              <a:path w="6172782" h="6858000">
-                <a:moveTo>
-                  <a:pt x="6172782" y="0"/>
-                </a:moveTo>
-                <a:lnTo>
-                  <a:pt x="69075" y="0"/>
-                </a:lnTo>
-                <a:lnTo>
-                  <a:pt x="35131" y="267128"/>
-                </a:lnTo>
-                <a:cubicBezTo>
-                  <a:pt x="11901" y="495874"/>
-                  <a:pt x="0" y="727970"/>
-                  <a:pt x="0" y="962845"/>
-                </a:cubicBezTo>
-                <a:cubicBezTo>
-                  <a:pt x="0" y="3429034"/>
-                  <a:pt x="1312002" y="5588789"/>
-                  <a:pt x="3276103" y="6782205"/>
-                </a:cubicBezTo>
-                <a:lnTo>
-                  <a:pt x="3407923" y="6858000"/>
-                </a:lnTo>
-                <a:lnTo>
-                  <a:pt x="6172782" y="6858000"/>
-                </a:lnTo>
-                <a:close/>
-              </a:path>
-            </a:pathLst>
-          </a:custGeom>
-          <a:solidFill>
-            <a:schemeClr val="bg1">
-              <a:alpha val="80000"/>
-            </a:schemeClr>
-          </a:solidFill>
-          <a:ln>
-            <a:noFill/>
-          </a:ln>
-        </p:spPr>
-        <p:style>
-          <a:lnRef idx="2">
-            <a:schemeClr val="accent1">
-              <a:shade val="50000"/>
-            </a:schemeClr>
-          </a:lnRef>
-          <a:fillRef idx="1">
-            <a:schemeClr val="accent1"/>
-          </a:fillRef>
-          <a:effectRef idx="0">
-            <a:schemeClr val="accent1"/>
-          </a:effectRef>
-          <a:fontRef idx="minor">
-            <a:schemeClr val="lt1"/>
-          </a:fontRef>
-        </p:style>
-        <p:txBody>
-          <a:bodyPr wrap="square" rtlCol="0" anchor="ctr">
-            <a:noAutofit/>
-          </a:bodyPr>
-          <a:lstStyle/>
-          <a:p>
-            <a:pPr marL="0" marR="0" lvl="0" indent="0" algn="ctr" defTabSz="914400" rtl="0" eaLnBrk="1" fontAlgn="auto" latinLnBrk="0" hangingPunct="1">
+          <a:bodyPr wrap="none" lIns="90000" tIns="45000" rIns="90000" bIns="45000" anchor="ctr"/>
+          <a:lstStyle>
+            <a:lvl1pPr>
+              <a:tabLst>
+                <a:tab pos="457200" algn="l"/>
+                <a:tab pos="914400" algn="l"/>
+                <a:tab pos="1371600" algn="l"/>
+                <a:tab pos="1828800" algn="l"/>
+                <a:tab pos="2286000" algn="l"/>
+              </a:tabLst>
+              <a:defRPr>
+                <a:solidFill>
+                  <a:srgbClr val="000000"/>
+                </a:solidFill>
+                <a:latin typeface="Arial" panose="020B0604020202020204" pitchFamily="34" charset="0"/>
+                <a:cs typeface="Tahoma" panose="020B0604030504040204" pitchFamily="34" charset="0"/>
+              </a:defRPr>
+            </a:lvl1pPr>
+            <a:lvl2pPr>
+              <a:tabLst>
+                <a:tab pos="457200" algn="l"/>
+                <a:tab pos="914400" algn="l"/>
+                <a:tab pos="1371600" algn="l"/>
+                <a:tab pos="1828800" algn="l"/>
+                <a:tab pos="2286000" algn="l"/>
+              </a:tabLst>
+              <a:defRPr>
+                <a:solidFill>
+                  <a:srgbClr val="000000"/>
+                </a:solidFill>
+                <a:latin typeface="Arial" panose="020B0604020202020204" pitchFamily="34" charset="0"/>
+                <a:cs typeface="Tahoma" panose="020B0604030504040204" pitchFamily="34" charset="0"/>
+              </a:defRPr>
+            </a:lvl2pPr>
+            <a:lvl3pPr>
+              <a:tabLst>
+                <a:tab pos="457200" algn="l"/>
+                <a:tab pos="914400" algn="l"/>
+                <a:tab pos="1371600" algn="l"/>
+                <a:tab pos="1828800" algn="l"/>
+                <a:tab pos="2286000" algn="l"/>
+              </a:tabLst>
+              <a:defRPr>
+                <a:solidFill>
+                  <a:srgbClr val="000000"/>
+                </a:solidFill>
+                <a:latin typeface="Arial" panose="020B0604020202020204" pitchFamily="34" charset="0"/>
+                <a:cs typeface="Tahoma" panose="020B0604030504040204" pitchFamily="34" charset="0"/>
+              </a:defRPr>
+            </a:lvl3pPr>
+            <a:lvl4pPr>
+              <a:tabLst>
+                <a:tab pos="457200" algn="l"/>
+                <a:tab pos="914400" algn="l"/>
+                <a:tab pos="1371600" algn="l"/>
+                <a:tab pos="1828800" algn="l"/>
+                <a:tab pos="2286000" algn="l"/>
+              </a:tabLst>
+              <a:defRPr>
+                <a:solidFill>
+                  <a:srgbClr val="000000"/>
+                </a:solidFill>
+                <a:latin typeface="Arial" panose="020B0604020202020204" pitchFamily="34" charset="0"/>
+                <a:cs typeface="Tahoma" panose="020B0604030504040204" pitchFamily="34" charset="0"/>
+              </a:defRPr>
+            </a:lvl4pPr>
+            <a:lvl5pPr>
+              <a:tabLst>
+                <a:tab pos="457200" algn="l"/>
+                <a:tab pos="914400" algn="l"/>
+                <a:tab pos="1371600" algn="l"/>
+                <a:tab pos="1828800" algn="l"/>
+                <a:tab pos="2286000" algn="l"/>
+              </a:tabLst>
+              <a:defRPr>
+                <a:solidFill>
+                  <a:srgbClr val="000000"/>
+                </a:solidFill>
+                <a:latin typeface="Arial" panose="020B0604020202020204" pitchFamily="34" charset="0"/>
+                <a:cs typeface="Tahoma" panose="020B0604030504040204" pitchFamily="34" charset="0"/>
+              </a:defRPr>
+            </a:lvl5pPr>
+            <a:lvl6pPr marL="2514600" indent="-228600" defTabSz="457200" fontAlgn="base" hangingPunct="0">
+              <a:lnSpc>
+                <a:spcPct val="93000"/>
+              </a:lnSpc>
+              <a:spcBef>
+                <a:spcPts val="13"/>
+              </a:spcBef>
+              <a:spcAft>
+                <a:spcPts val="13"/>
+              </a:spcAft>
+              <a:buClr>
+                <a:srgbClr val="000000"/>
+              </a:buClr>
+              <a:buSzPct val="100000"/>
+              <a:buFont typeface="Times New Roman" panose="02020603050405020304" pitchFamily="18" charset="0"/>
+              <a:tabLst>
+                <a:tab pos="457200" algn="l"/>
+                <a:tab pos="914400" algn="l"/>
+                <a:tab pos="1371600" algn="l"/>
+                <a:tab pos="1828800" algn="l"/>
+                <a:tab pos="2286000" algn="l"/>
+              </a:tabLst>
+              <a:defRPr>
+                <a:solidFill>
+                  <a:srgbClr val="000000"/>
+                </a:solidFill>
+                <a:latin typeface="Arial" panose="020B0604020202020204" pitchFamily="34" charset="0"/>
+                <a:cs typeface="Tahoma" panose="020B0604030504040204" pitchFamily="34" charset="0"/>
+              </a:defRPr>
+            </a:lvl6pPr>
+            <a:lvl7pPr marL="2971800" indent="-228600" defTabSz="457200" fontAlgn="base" hangingPunct="0">
+              <a:lnSpc>
+                <a:spcPct val="93000"/>
+              </a:lnSpc>
+              <a:spcBef>
+                <a:spcPts val="13"/>
+              </a:spcBef>
+              <a:spcAft>
+                <a:spcPts val="13"/>
+              </a:spcAft>
+              <a:buClr>
+                <a:srgbClr val="000000"/>
+              </a:buClr>
+              <a:buSzPct val="100000"/>
+              <a:buFont typeface="Times New Roman" panose="02020603050405020304" pitchFamily="18" charset="0"/>
+              <a:tabLst>
+                <a:tab pos="457200" algn="l"/>
+                <a:tab pos="914400" algn="l"/>
+                <a:tab pos="1371600" algn="l"/>
+                <a:tab pos="1828800" algn="l"/>
+                <a:tab pos="2286000" algn="l"/>
+              </a:tabLst>
+              <a:defRPr>
+                <a:solidFill>
+                  <a:srgbClr val="000000"/>
+                </a:solidFill>
+                <a:latin typeface="Arial" panose="020B0604020202020204" pitchFamily="34" charset="0"/>
+                <a:cs typeface="Tahoma" panose="020B0604030504040204" pitchFamily="34" charset="0"/>
+              </a:defRPr>
+            </a:lvl7pPr>
+            <a:lvl8pPr marL="3429000" indent="-228600" defTabSz="457200" fontAlgn="base" hangingPunct="0">
+              <a:lnSpc>
+                <a:spcPct val="93000"/>
+              </a:lnSpc>
+              <a:spcBef>
+                <a:spcPts val="13"/>
+              </a:spcBef>
+              <a:spcAft>
+                <a:spcPts val="13"/>
+              </a:spcAft>
+              <a:buClr>
+                <a:srgbClr val="000000"/>
+              </a:buClr>
+              <a:buSzPct val="100000"/>
+              <a:buFont typeface="Times New Roman" panose="02020603050405020304" pitchFamily="18" charset="0"/>
+              <a:tabLst>
+                <a:tab pos="457200" algn="l"/>
+                <a:tab pos="914400" algn="l"/>
+                <a:tab pos="1371600" algn="l"/>
+                <a:tab pos="1828800" algn="l"/>
+                <a:tab pos="2286000" algn="l"/>
+              </a:tabLst>
+              <a:defRPr>
+                <a:solidFill>
+                  <a:srgbClr val="000000"/>
+                </a:solidFill>
+                <a:latin typeface="Arial" panose="020B0604020202020204" pitchFamily="34" charset="0"/>
+                <a:cs typeface="Tahoma" panose="020B0604030504040204" pitchFamily="34" charset="0"/>
+              </a:defRPr>
+            </a:lvl8pPr>
+            <a:lvl9pPr marL="3886200" indent="-228600" defTabSz="457200" fontAlgn="base" hangingPunct="0">
+              <a:lnSpc>
+                <a:spcPct val="93000"/>
+              </a:lnSpc>
+              <a:spcBef>
+                <a:spcPts val="13"/>
+              </a:spcBef>
+              <a:spcAft>
+                <a:spcPts val="13"/>
+              </a:spcAft>
+              <a:buClr>
+                <a:srgbClr val="000000"/>
+              </a:buClr>
+              <a:buSzPct val="100000"/>
+              <a:buFont typeface="Times New Roman" panose="02020603050405020304" pitchFamily="18" charset="0"/>
+              <a:tabLst>
+                <a:tab pos="457200" algn="l"/>
+                <a:tab pos="914400" algn="l"/>
+                <a:tab pos="1371600" algn="l"/>
+                <a:tab pos="1828800" algn="l"/>
+                <a:tab pos="2286000" algn="l"/>
+              </a:tabLst>
+              <a:defRPr>
+                <a:solidFill>
+                  <a:srgbClr val="000000"/>
+                </a:solidFill>
+                <a:latin typeface="Arial" panose="020B0604020202020204" pitchFamily="34" charset="0"/>
+                <a:cs typeface="Tahoma" panose="020B0604030504040204" pitchFamily="34" charset="0"/>
+              </a:defRPr>
+            </a:lvl9pPr>
+          </a:lstStyle>
+          <a:p>
+            <a:pPr algn="ctr">
               <a:lnSpc>
                 <a:spcPct val="100000"/>
               </a:lnSpc>
-              <a:spcBef>
-                <a:spcPts val="0"/>
-              </a:spcBef>
-              <a:spcAft>
-                <a:spcPts val="0"/>
-              </a:spcAft>
-              <a:buClrTx/>
-              <a:buSzTx/>
-              <a:buFontTx/>
-              <a:buNone/>
-              <a:tabLst/>
-              <a:defRPr/>
             </a:pPr>
-            <a:endParaRPr kumimoji="0" lang="en-US" sz="1800" b="0" i="0" u="none" strike="noStrike" kern="1200" cap="none" spc="0" normalizeH="0" baseline="0" noProof="0">
-              <a:ln>
-                <a:noFill/>
-              </a:ln>
-              <a:solidFill>
-                <a:prstClr val="white"/>
-              </a:solidFill>
-              <a:effectLst/>
-              <a:uLnTx/>
-              <a:uFillTx/>
-              <a:latin typeface="Calibri" panose="020F0502020204030204"/>
-              <a:ea typeface="+mn-ea"/>
-              <a:cs typeface="+mn-cs"/>
-            </a:endParaRPr>
-          </a:p>
-        </p:txBody>
-      </p:sp>
-      <p:sp>
-        <p:nvSpPr>
-          <p:cNvPr id="13" name="Freeform: Shape 12">
-            <a:extLst>
-              <a:ext uri="{FF2B5EF4-FFF2-40B4-BE49-F238E27FC236}">
-                <a16:creationId xmlns:a16="http://schemas.microsoft.com/office/drawing/2014/main" id="{70B66945-4967-4040-926D-DCA44313CDAB}"/>
-              </a:ext>
-              <a:ext uri="{C183D7F6-B498-43B3-948B-1728B52AA6E4}">
-                <adec:decorative xmlns:adec="http://schemas.microsoft.com/office/drawing/2017/decorative" val="1"/>
-              </a:ext>
-            </a:extLst>
-          </p:cNvPr>
-          <p:cNvSpPr>
-            <a:spLocks noGrp="1" noRot="1" noChangeAspect="1" noMove="1" noResize="1" noEditPoints="1" noAdjustHandles="1" noChangeArrowheads="1" noChangeShapeType="1" noTextEdit="1"/>
-          </p:cNvSpPr>
-          <p:nvPr>
-            <p:extLst>
-              <p:ext uri="{386F3935-93C4-4BCD-93E2-E3B085C9AB24}">
-                <p16:designElem xmlns:p16="http://schemas.microsoft.com/office/powerpoint/2015/main" val="1"/>
-              </p:ext>
-            </p:extLst>
-          </p:nvPr>
-        </p:nvSpPr>
-        <p:spPr>
-          <a:xfrm>
-            <a:off x="0" y="0"/>
-            <a:ext cx="6024154" cy="6858000"/>
-          </a:xfrm>
-          <a:custGeom>
-            <a:avLst/>
-            <a:gdLst>
-              <a:gd name="connsiteX0" fmla="*/ 0 w 6024154"/>
-              <a:gd name="connsiteY0" fmla="*/ 0 h 6858000"/>
-              <a:gd name="connsiteX1" fmla="*/ 5953780 w 6024154"/>
-              <a:gd name="connsiteY1" fmla="*/ 0 h 6858000"/>
-              <a:gd name="connsiteX2" fmla="*/ 5989880 w 6024154"/>
-              <a:gd name="connsiteY2" fmla="*/ 284091 h 6858000"/>
-              <a:gd name="connsiteX3" fmla="*/ 6024154 w 6024154"/>
-              <a:gd name="connsiteY3" fmla="*/ 962844 h 6858000"/>
-              <a:gd name="connsiteX4" fmla="*/ 2549934 w 6024154"/>
-              <a:gd name="connsiteY4" fmla="*/ 6800152 h 6858000"/>
-              <a:gd name="connsiteX5" fmla="*/ 2436987 w 6024154"/>
-              <a:gd name="connsiteY5" fmla="*/ 6858000 h 6858000"/>
-              <a:gd name="connsiteX6" fmla="*/ 0 w 6024154"/>
-              <a:gd name="connsiteY6" fmla="*/ 6858000 h 6858000"/>
-            </a:gdLst>
-            <a:ahLst/>
-            <a:cxnLst>
-              <a:cxn ang="0">
-                <a:pos x="connsiteX0" y="connsiteY0"/>
-              </a:cxn>
-              <a:cxn ang="0">
-                <a:pos x="connsiteX1" y="connsiteY1"/>
-              </a:cxn>
-              <a:cxn ang="0">
-                <a:pos x="connsiteX2" y="connsiteY2"/>
-              </a:cxn>
-              <a:cxn ang="0">
-                <a:pos x="connsiteX3" y="connsiteY3"/>
-              </a:cxn>
-              <a:cxn ang="0">
-                <a:pos x="connsiteX4" y="connsiteY4"/>
-              </a:cxn>
-              <a:cxn ang="0">
-                <a:pos x="connsiteX5" y="connsiteY5"/>
-              </a:cxn>
-              <a:cxn ang="0">
-                <a:pos x="connsiteX6" y="connsiteY6"/>
-              </a:cxn>
-            </a:cxnLst>
-            <a:rect l="l" t="t" r="r" b="b"/>
-            <a:pathLst>
-              <a:path w="6024154" h="6858000">
-                <a:moveTo>
-                  <a:pt x="0" y="0"/>
-                </a:moveTo>
-                <a:lnTo>
-                  <a:pt x="5953780" y="0"/>
-                </a:lnTo>
-                <a:lnTo>
-                  <a:pt x="5989880" y="284091"/>
-                </a:lnTo>
-                <a:cubicBezTo>
-                  <a:pt x="6012544" y="507260"/>
-                  <a:pt x="6024154" y="733696"/>
-                  <a:pt x="6024154" y="962844"/>
-                </a:cubicBezTo>
-                <a:cubicBezTo>
-                  <a:pt x="6024154" y="3483472"/>
-                  <a:pt x="4619336" y="5675986"/>
-                  <a:pt x="2549934" y="6800152"/>
-                </a:cubicBezTo>
-                <a:lnTo>
-                  <a:pt x="2436987" y="6858000"/>
-                </a:lnTo>
-                <a:lnTo>
-                  <a:pt x="0" y="6858000"/>
-                </a:lnTo>
-                <a:close/>
-              </a:path>
-            </a:pathLst>
-          </a:custGeom>
-          <a:solidFill>
-            <a:schemeClr val="bg1"/>
-          </a:solidFill>
-          <a:ln>
-            <a:noFill/>
-          </a:ln>
-        </p:spPr>
-        <p:style>
-          <a:lnRef idx="2">
-            <a:schemeClr val="accent1">
-              <a:shade val="50000"/>
-            </a:schemeClr>
-          </a:lnRef>
-          <a:fillRef idx="1">
-            <a:schemeClr val="accent1"/>
-          </a:fillRef>
-          <a:effectRef idx="0">
-            <a:schemeClr val="accent1"/>
-          </a:effectRef>
-          <a:fontRef idx="minor">
-            <a:schemeClr val="lt1"/>
-          </a:fontRef>
-        </p:style>
-        <p:txBody>
-          <a:bodyPr wrap="square" rtlCol="0" anchor="ctr">
-            <a:noAutofit/>
-          </a:bodyPr>
-          <a:lstStyle/>
-          <a:p>
-            <a:pPr marL="0" marR="0" lvl="0" indent="0" algn="ctr" defTabSz="914400" rtl="0" eaLnBrk="1" fontAlgn="auto" latinLnBrk="0" hangingPunct="1">
-              <a:lnSpc>
-                <a:spcPct val="100000"/>
-              </a:lnSpc>
-              <a:spcBef>
-                <a:spcPts val="0"/>
-              </a:spcBef>
-              <a:spcAft>
-                <a:spcPts val="0"/>
-              </a:spcAft>
-              <a:buClrTx/>
-              <a:buSzTx/>
-              <a:buFontTx/>
-              <a:buNone/>
-              <a:tabLst/>
-              <a:defRPr/>
-            </a:pPr>
-            <a:endParaRPr kumimoji="0" lang="en-US" sz="1800" b="0" i="0" u="none" strike="noStrike" kern="1200" cap="none" spc="0" normalizeH="0" baseline="0" noProof="0">
-              <a:ln>
-                <a:noFill/>
-              </a:ln>
-              <a:solidFill>
-                <a:prstClr val="white"/>
-              </a:solidFill>
-              <a:effectLst/>
-              <a:uLnTx/>
-              <a:uFillTx/>
-              <a:latin typeface="Calibri" panose="020F0502020204030204"/>
-              <a:ea typeface="+mn-ea"/>
-              <a:cs typeface="+mn-cs"/>
-            </a:endParaRPr>
-          </a:p>
-        </p:txBody>
-      </p:sp>
-      <p:pic>
-        <p:nvPicPr>
-          <p:cNvPr id="4" name="Picture 3">
-            <a:extLst>
-              <a:ext uri="{FF2B5EF4-FFF2-40B4-BE49-F238E27FC236}">
-                <a16:creationId xmlns:a16="http://schemas.microsoft.com/office/drawing/2014/main" id="{EA1EC9FA-40B1-4BB6-A853-F743CC317FCC}"/>
-              </a:ext>
-            </a:extLst>
-          </p:cNvPr>
-          <p:cNvPicPr>
-            <a:picLocks noChangeAspect="1"/>
-          </p:cNvPicPr>
-          <p:nvPr/>
-        </p:nvPicPr>
-        <p:blipFill>
-          <a:blip r:embed="rId2">
-            <a:extLst>
-              <a:ext uri="{28A0092B-C50C-407E-A947-70E740481C1C}">
-                <a14:useLocalDpi xmlns:a14="http://schemas.microsoft.com/office/drawing/2010/main" val="0"/>
-              </a:ext>
-            </a:extLst>
-          </a:blip>
-          <a:stretch>
-            <a:fillRect/>
-          </a:stretch>
-        </p:blipFill>
-        <p:spPr>
-          <a:xfrm>
-            <a:off x="419382" y="1834150"/>
-            <a:ext cx="4047843" cy="1821529"/>
-          </a:xfrm>
-          <a:prstGeom prst="rect">
-            <a:avLst/>
-          </a:prstGeom>
-        </p:spPr>
-      </p:pic>
-      <p:sp>
-        <p:nvSpPr>
-          <p:cNvPr id="6" name="Title 1">
-            <a:extLst>
-              <a:ext uri="{FF2B5EF4-FFF2-40B4-BE49-F238E27FC236}">
-                <a16:creationId xmlns:a16="http://schemas.microsoft.com/office/drawing/2014/main" id="{ED79748E-0E43-9B86-383D-6B4C92D09E5D}"/>
-              </a:ext>
-            </a:extLst>
-          </p:cNvPr>
-          <p:cNvSpPr txBox="1">
-            <a:spLocks/>
-          </p:cNvSpPr>
-          <p:nvPr/>
-        </p:nvSpPr>
-        <p:spPr>
-          <a:xfrm>
-            <a:off x="6592164" y="1074832"/>
-            <a:ext cx="4645250" cy="2889114"/>
-          </a:xfrm>
-          <a:prstGeom prst="rect">
-            <a:avLst/>
-          </a:prstGeom>
-        </p:spPr>
-        <p:txBody>
-          <a:bodyPr vert="horz" lIns="91440" tIns="45720" rIns="91440" bIns="45720" rtlCol="0" anchor="b">
-            <a:normAutofit/>
-          </a:bodyPr>
-          <a:lstStyle>
-            <a:lvl1pPr algn="ctr" defTabSz="914400" rtl="0" eaLnBrk="1" latinLnBrk="0" hangingPunct="1">
-              <a:lnSpc>
-                <a:spcPct val="90000"/>
-              </a:lnSpc>
-              <a:spcBef>
-                <a:spcPct val="0"/>
-              </a:spcBef>
-              <a:buNone/>
-              <a:defRPr sz="6000" kern="1200">
-                <a:solidFill>
-                  <a:schemeClr val="tx1"/>
-                </a:solidFill>
-                <a:latin typeface="+mj-lt"/>
-                <a:ea typeface="+mj-ea"/>
-                <a:cs typeface="+mj-cs"/>
-              </a:defRPr>
-            </a:lvl1pPr>
-          </a:lstStyle>
-          <a:p>
-            <a:pPr algn="l"/>
-            <a:r>
-              <a:rPr lang="en-US" dirty="0">
-                <a:solidFill>
-                  <a:schemeClr val="bg1"/>
-                </a:solidFill>
+            <a:r>
+              <a:rPr lang="en-US" altLang="en-US" sz="2800" dirty="0">
+                <a:solidFill>
+                  <a:srgbClr val="FFFFFF"/>
+                </a:solidFill>
+                <a:latin typeface="Calibri   "/>
               </a:rPr>
-              <a:t>Questions and Answers?</a:t>
+              <a:t>Don’t ‘commit’ to trouble: Git Concerns for </a:t>
+            </a:r>
+            <a:r>
+              <a:rPr lang="en-US" altLang="en-US" sz="2800" dirty="0" err="1">
+                <a:solidFill>
+                  <a:srgbClr val="FFFFFF"/>
+                </a:solidFill>
+                <a:latin typeface="Calibri   "/>
+              </a:rPr>
+              <a:t>IBMi</a:t>
+            </a:r>
+            <a:r>
+              <a:rPr lang="en-US" altLang="en-US" sz="2800" dirty="0">
+                <a:solidFill>
+                  <a:srgbClr val="FFFFFF"/>
+                </a:solidFill>
+                <a:latin typeface="Calibri   "/>
+              </a:rPr>
+              <a:t> Developers</a:t>
             </a:r>
           </a:p>
         </p:txBody>
@@ -10424,7 +14097,7 @@
     </p:spTree>
     <p:extLst>
       <p:ext uri="{BB962C8B-B14F-4D97-AF65-F5344CB8AC3E}">
-        <p14:creationId xmlns:p14="http://schemas.microsoft.com/office/powerpoint/2010/main" val="3982711201"/>
+        <p14:creationId xmlns:p14="http://schemas.microsoft.com/office/powerpoint/2010/main" val="3953193169"/>
       </p:ext>
     </p:extLst>
   </p:cSld>
@@ -11320,6 +14993,23 @@
 </file>
 
 <file path=customXml/item1.xml><?xml version="1.0" encoding="utf-8"?>
+<p:properties xmlns:p="http://schemas.microsoft.com/office/2006/metadata/properties" xmlns:xsi="http://www.w3.org/2001/XMLSchema-instance" xmlns:pc="http://schemas.microsoft.com/office/infopath/2007/PartnerControls">
+  <documentManagement>
+    <_activity xmlns="33314088-60db-4a22-969a-9bb9476d1771" xsi:nil="true"/>
+  </documentManagement>
+</p:properties>
+</file>
+
+<file path=customXml/item2.xml><?xml version="1.0" encoding="utf-8"?>
+<?mso-contentType ?>
+<FormTemplates xmlns="http://schemas.microsoft.com/sharepoint/v3/contenttype/forms">
+  <Display>DocumentLibraryForm</Display>
+  <Edit>DocumentLibraryForm</Edit>
+  <New>DocumentLibraryForm</New>
+</FormTemplates>
+</file>
+
+<file path=customXml/item3.xml><?xml version="1.0" encoding="utf-8"?>
 <ct:contentTypeSchema xmlns:ct="http://schemas.microsoft.com/office/2006/metadata/contentType" xmlns:ma="http://schemas.microsoft.com/office/2006/metadata/properties/metaAttributes" ct:_="" ma:_="" ma:contentTypeName="Document" ma:contentTypeID="0x0101001D008EE04551664E99EE517CC9492B21" ma:contentTypeVersion="15" ma:contentTypeDescription="Create a new document." ma:contentTypeScope="" ma:versionID="cd88482bd8e14b9f7a01235aad4a4f49">
   <xsd:schema xmlns:xsd="http://www.w3.org/2001/XMLSchema" xmlns:xs="http://www.w3.org/2001/XMLSchema" xmlns:p="http://schemas.microsoft.com/office/2006/metadata/properties" xmlns:ns3="33314088-60db-4a22-969a-9bb9476d1771" xmlns:ns4="44b119f1-e575-4f2a-9ac9-d12be3ecff41" targetNamespace="http://schemas.microsoft.com/office/2006/metadata/properties" ma:root="true" ma:fieldsID="464f4138993d4c5dc616436e66b8c209" ns3:_="" ns4:_="">
     <xsd:import namespace="33314088-60db-4a22-969a-9bb9476d1771"/>
@@ -11552,24 +15242,32 @@
 </ct:contentTypeSchema>
 </file>
 
-<file path=customXml/item2.xml><?xml version="1.0" encoding="utf-8"?>
-<?mso-contentType ?>
-<FormTemplates xmlns="http://schemas.microsoft.com/sharepoint/v3/contenttype/forms">
-  <Display>DocumentLibraryForm</Display>
-  <Edit>DocumentLibraryForm</Edit>
-  <New>DocumentLibraryForm</New>
-</FormTemplates>
+<file path=customXml/itemProps1.xml><?xml version="1.0" encoding="utf-8"?>
+<ds:datastoreItem xmlns:ds="http://schemas.openxmlformats.org/officeDocument/2006/customXml" ds:itemID="{2C7AF218-50EE-4143-8163-B3A788E8FC81}">
+  <ds:schemaRefs>
+    <ds:schemaRef ds:uri="http://purl.org/dc/dcmitype/"/>
+    <ds:schemaRef ds:uri="http://purl.org/dc/elements/1.1/"/>
+    <ds:schemaRef ds:uri="http://schemas.microsoft.com/office/2006/metadata/properties"/>
+    <ds:schemaRef ds:uri="44b119f1-e575-4f2a-9ac9-d12be3ecff41"/>
+    <ds:schemaRef ds:uri="http://schemas.microsoft.com/office/2006/documentManagement/types"/>
+    <ds:schemaRef ds:uri="http://schemas.microsoft.com/office/infopath/2007/PartnerControls"/>
+    <ds:schemaRef ds:uri="http://purl.org/dc/terms/"/>
+    <ds:schemaRef ds:uri="http://schemas.openxmlformats.org/package/2006/metadata/core-properties"/>
+    <ds:schemaRef ds:uri="33314088-60db-4a22-969a-9bb9476d1771"/>
+    <ds:schemaRef ds:uri="http://www.w3.org/XML/1998/namespace"/>
+  </ds:schemaRefs>
+</ds:datastoreItem>
 </file>
 
-<file path=customXml/item3.xml><?xml version="1.0" encoding="utf-8"?>
-<p:properties xmlns:p="http://schemas.microsoft.com/office/2006/metadata/properties" xmlns:xsi="http://www.w3.org/2001/XMLSchema-instance" xmlns:pc="http://schemas.microsoft.com/office/infopath/2007/PartnerControls">
-  <documentManagement>
-    <_activity xmlns="33314088-60db-4a22-969a-9bb9476d1771" xsi:nil="true"/>
-  </documentManagement>
-</p:properties>
+<file path=customXml/itemProps2.xml><?xml version="1.0" encoding="utf-8"?>
+<ds:datastoreItem xmlns:ds="http://schemas.openxmlformats.org/officeDocument/2006/customXml" ds:itemID="{A0A7A02C-8472-44A3-BDE2-46E1BA4C2268}">
+  <ds:schemaRefs>
+    <ds:schemaRef ds:uri="http://schemas.microsoft.com/sharepoint/v3/contenttype/forms"/>
+  </ds:schemaRefs>
+</ds:datastoreItem>
 </file>
 
-<file path=customXml/itemProps1.xml><?xml version="1.0" encoding="utf-8"?>
+<file path=customXml/itemProps3.xml><?xml version="1.0" encoding="utf-8"?>
 <ds:datastoreItem xmlns:ds="http://schemas.openxmlformats.org/officeDocument/2006/customXml" ds:itemID="{6FF384F0-795B-4130-B7B5-CF497B842844}">
   <ds:schemaRefs>
     <ds:schemaRef ds:uri="http://schemas.microsoft.com/office/2006/metadata/contentType"/>
@@ -11586,29 +15284,4 @@
     <ds:schemaRef ds:uri="http://schemas.microsoft.com/internal/obd"/>
   </ds:schemaRefs>
 </ds:datastoreItem>
-</file>
-
-<file path=customXml/itemProps2.xml><?xml version="1.0" encoding="utf-8"?>
-<ds:datastoreItem xmlns:ds="http://schemas.openxmlformats.org/officeDocument/2006/customXml" ds:itemID="{A0A7A02C-8472-44A3-BDE2-46E1BA4C2268}">
-  <ds:schemaRefs>
-    <ds:schemaRef ds:uri="http://schemas.microsoft.com/sharepoint/v3/contenttype/forms"/>
-  </ds:schemaRefs>
-</ds:datastoreItem>
-</file>
-
-<file path=customXml/itemProps3.xml><?xml version="1.0" encoding="utf-8"?>
-<ds:datastoreItem xmlns:ds="http://schemas.openxmlformats.org/officeDocument/2006/customXml" ds:itemID="{2C7AF218-50EE-4143-8163-B3A788E8FC81}">
-  <ds:schemaRefs>
-    <ds:schemaRef ds:uri="http://purl.org/dc/elements/1.1/"/>
-    <ds:schemaRef ds:uri="http://schemas.microsoft.com/office/2006/metadata/properties"/>
-    <ds:schemaRef ds:uri="http://purl.org/dc/terms/"/>
-    <ds:schemaRef ds:uri="44b119f1-e575-4f2a-9ac9-d12be3ecff41"/>
-    <ds:schemaRef ds:uri="http://schemas.microsoft.com/office/2006/documentManagement/types"/>
-    <ds:schemaRef ds:uri="http://schemas.microsoft.com/office/infopath/2007/PartnerControls"/>
-    <ds:schemaRef ds:uri="33314088-60db-4a22-969a-9bb9476d1771"/>
-    <ds:schemaRef ds:uri="http://schemas.openxmlformats.org/package/2006/metadata/core-properties"/>
-    <ds:schemaRef ds:uri="http://www.w3.org/XML/1998/namespace"/>
-    <ds:schemaRef ds:uri="http://purl.org/dc/dcmitype/"/>
-  </ds:schemaRefs>
-</ds:datastoreItem>
 </file>
--- a/DevOps on IBMi.pptx
+++ b/DevOps on IBMi.pptx
@@ -5,10 +5,10 @@
     <p:sldMasterId id="2147483672" r:id="rId4"/>
   </p:sldMasterIdLst>
   <p:notesMasterIdLst>
-    <p:notesMasterId r:id="rId17"/>
+    <p:notesMasterId r:id="rId18"/>
   </p:notesMasterIdLst>
   <p:handoutMasterIdLst>
-    <p:handoutMasterId r:id="rId18"/>
+    <p:handoutMasterId r:id="rId19"/>
   </p:handoutMasterIdLst>
   <p:sldIdLst>
     <p:sldId id="256" r:id="rId5"/>
@@ -22,7 +22,8 @@
     <p:sldId id="293" r:id="rId13"/>
     <p:sldId id="294" r:id="rId14"/>
     <p:sldId id="295" r:id="rId15"/>
-    <p:sldId id="277" r:id="rId16"/>
+    <p:sldId id="296" r:id="rId16"/>
+    <p:sldId id="277" r:id="rId17"/>
   </p:sldIdLst>
   <p:sldSz cx="12192000" cy="6858000"/>
   <p:notesSz cx="6858000" cy="9144000"/>
@@ -137,6 +138,7 @@
             <p14:sldId id="293"/>
             <p14:sldId id="294"/>
             <p14:sldId id="295"/>
+            <p14:sldId id="296"/>
             <p14:sldId id="277"/>
           </p14:sldIdLst>
         </p14:section>
@@ -152,7 +154,7 @@
 <file path=ppt/revisionInfo.xml><?xml version="1.0" encoding="utf-8"?>
 <p1510:revInfo xmlns:a="http://schemas.openxmlformats.org/drawingml/2006/main" xmlns:r="http://schemas.openxmlformats.org/officeDocument/2006/relationships" xmlns:p1510="http://schemas.microsoft.com/office/powerpoint/2015/10/main">
   <p1510:revLst>
-    <p1510:client id="{F90EED2A-78A7-4939-A5D9-9CD56D8FC3CA}" v="58" dt="2024-05-14T12:19:22.803"/>
+    <p1510:client id="{F90EED2A-78A7-4939-A5D9-9CD56D8FC3CA}" v="64" dt="2024-05-14T16:42:06.805"/>
   </p1510:revLst>
 </p1510:revInfo>
 </file>
@@ -162,7 +164,7 @@
   <pc:docChgLst>
     <pc:chgData name="Ravisankar Pandian" userId="ed09f74a-2b53-4ce0-832d-148e0a91ef02" providerId="ADAL" clId="{F90EED2A-78A7-4939-A5D9-9CD56D8FC3CA}"/>
     <pc:docChg chg="undo custSel addSld delSld modSld sldOrd modSection">
-      <pc:chgData name="Ravisankar Pandian" userId="ed09f74a-2b53-4ce0-832d-148e0a91ef02" providerId="ADAL" clId="{F90EED2A-78A7-4939-A5D9-9CD56D8FC3CA}" dt="2024-05-14T14:01:37.672" v="5984" actId="732"/>
+      <pc:chgData name="Ravisankar Pandian" userId="ed09f74a-2b53-4ce0-832d-148e0a91ef02" providerId="ADAL" clId="{F90EED2A-78A7-4939-A5D9-9CD56D8FC3CA}" dt="2024-05-14T16:44:19.507" v="6099" actId="20577"/>
       <pc:docMkLst>
         <pc:docMk/>
       </pc:docMkLst>
@@ -198,13 +200,13 @@
         </pc:spChg>
       </pc:sldChg>
       <pc:sldChg chg="modSp mod">
-        <pc:chgData name="Ravisankar Pandian" userId="ed09f74a-2b53-4ce0-832d-148e0a91ef02" providerId="ADAL" clId="{F90EED2A-78A7-4939-A5D9-9CD56D8FC3CA}" dt="2024-05-14T12:45:48.362" v="5881" actId="1076"/>
+        <pc:chgData name="Ravisankar Pandian" userId="ed09f74a-2b53-4ce0-832d-148e0a91ef02" providerId="ADAL" clId="{F90EED2A-78A7-4939-A5D9-9CD56D8FC3CA}" dt="2024-05-14T16:44:19.507" v="6099" actId="20577"/>
         <pc:sldMkLst>
           <pc:docMk/>
           <pc:sldMk cId="1543194730" sldId="257"/>
         </pc:sldMkLst>
         <pc:spChg chg="mod">
-          <ac:chgData name="Ravisankar Pandian" userId="ed09f74a-2b53-4ce0-832d-148e0a91ef02" providerId="ADAL" clId="{F90EED2A-78A7-4939-A5D9-9CD56D8FC3CA}" dt="2024-05-14T12:45:44.479" v="5880" actId="20577"/>
+          <ac:chgData name="Ravisankar Pandian" userId="ed09f74a-2b53-4ce0-832d-148e0a91ef02" providerId="ADAL" clId="{F90EED2A-78A7-4939-A5D9-9CD56D8FC3CA}" dt="2024-05-14T16:44:19.507" v="6099" actId="20577"/>
           <ac:spMkLst>
             <pc:docMk/>
             <pc:sldMk cId="1543194730" sldId="257"/>
@@ -228,13 +230,13 @@
         </pc:sldMkLst>
       </pc:sldChg>
       <pc:sldChg chg="delSp modSp mod">
-        <pc:chgData name="Ravisankar Pandian" userId="ed09f74a-2b53-4ce0-832d-148e0a91ef02" providerId="ADAL" clId="{F90EED2A-78A7-4939-A5D9-9CD56D8FC3CA}" dt="2024-05-13T13:20:48.408" v="1416" actId="20577"/>
+        <pc:chgData name="Ravisankar Pandian" userId="ed09f74a-2b53-4ce0-832d-148e0a91ef02" providerId="ADAL" clId="{F90EED2A-78A7-4939-A5D9-9CD56D8FC3CA}" dt="2024-05-14T16:29:41.759" v="5994" actId="20577"/>
         <pc:sldMkLst>
           <pc:docMk/>
           <pc:sldMk cId="3982711201" sldId="277"/>
         </pc:sldMkLst>
         <pc:spChg chg="mod">
-          <ac:chgData name="Ravisankar Pandian" userId="ed09f74a-2b53-4ce0-832d-148e0a91ef02" providerId="ADAL" clId="{F90EED2A-78A7-4939-A5D9-9CD56D8FC3CA}" dt="2024-05-13T13:20:48.408" v="1416" actId="20577"/>
+          <ac:chgData name="Ravisankar Pandian" userId="ed09f74a-2b53-4ce0-832d-148e0a91ef02" providerId="ADAL" clId="{F90EED2A-78A7-4939-A5D9-9CD56D8FC3CA}" dt="2024-05-14T16:29:41.759" v="5994" actId="20577"/>
           <ac:spMkLst>
             <pc:docMk/>
             <pc:sldMk cId="3982711201" sldId="277"/>
@@ -773,8 +775,8 @@
           </ac:picMkLst>
         </pc:picChg>
       </pc:sldChg>
-      <pc:sldChg chg="delSp modSp add mod">
-        <pc:chgData name="Ravisankar Pandian" userId="ed09f74a-2b53-4ce0-832d-148e0a91ef02" providerId="ADAL" clId="{F90EED2A-78A7-4939-A5D9-9CD56D8FC3CA}" dt="2024-05-14T12:48:11.842" v="5983" actId="478"/>
+      <pc:sldChg chg="addSp delSp modSp add mod">
+        <pc:chgData name="Ravisankar Pandian" userId="ed09f74a-2b53-4ce0-832d-148e0a91ef02" providerId="ADAL" clId="{F90EED2A-78A7-4939-A5D9-9CD56D8FC3CA}" dt="2024-05-14T16:41:36.298" v="6075" actId="1076"/>
         <pc:sldMkLst>
           <pc:docMk/>
           <pc:sldMk cId="2665125064" sldId="295"/>
@@ -801,6 +803,60 @@
             <pc:docMk/>
             <pc:sldMk cId="2665125064" sldId="295"/>
             <ac:picMk id="8" creationId="{312D560B-757E-0713-91AA-553B844EC4B7}"/>
+          </ac:picMkLst>
+        </pc:picChg>
+        <pc:picChg chg="add mod">
+          <ac:chgData name="Ravisankar Pandian" userId="ed09f74a-2b53-4ce0-832d-148e0a91ef02" providerId="ADAL" clId="{F90EED2A-78A7-4939-A5D9-9CD56D8FC3CA}" dt="2024-05-14T16:41:36.298" v="6075" actId="1076"/>
+          <ac:picMkLst>
+            <pc:docMk/>
+            <pc:sldMk cId="2665125064" sldId="295"/>
+            <ac:picMk id="1026" creationId="{BE3F6ACA-D03C-733B-92CE-93AD671A66B2}"/>
+          </ac:picMkLst>
+        </pc:picChg>
+      </pc:sldChg>
+      <pc:sldChg chg="addSp modSp add mod">
+        <pc:chgData name="Ravisankar Pandian" userId="ed09f74a-2b53-4ce0-832d-148e0a91ef02" providerId="ADAL" clId="{F90EED2A-78A7-4939-A5D9-9CD56D8FC3CA}" dt="2024-05-14T16:43:44.306" v="6093" actId="20577"/>
+        <pc:sldMkLst>
+          <pc:docMk/>
+          <pc:sldMk cId="2673372282" sldId="296"/>
+        </pc:sldMkLst>
+        <pc:spChg chg="add mod">
+          <ac:chgData name="Ravisankar Pandian" userId="ed09f74a-2b53-4ce0-832d-148e0a91ef02" providerId="ADAL" clId="{F90EED2A-78A7-4939-A5D9-9CD56D8FC3CA}" dt="2024-05-14T16:43:44.306" v="6093" actId="20577"/>
+          <ac:spMkLst>
+            <pc:docMk/>
+            <pc:sldMk cId="2673372282" sldId="296"/>
+            <ac:spMk id="3" creationId="{C10ADF87-347A-C953-1D68-EF2CFBDA3393}"/>
+          </ac:spMkLst>
+        </pc:spChg>
+        <pc:spChg chg="mod">
+          <ac:chgData name="Ravisankar Pandian" userId="ed09f74a-2b53-4ce0-832d-148e0a91ef02" providerId="ADAL" clId="{F90EED2A-78A7-4939-A5D9-9CD56D8FC3CA}" dt="2024-05-14T16:33:46.612" v="6008" actId="14100"/>
+          <ac:spMkLst>
+            <pc:docMk/>
+            <pc:sldMk cId="2673372282" sldId="296"/>
+            <ac:spMk id="4" creationId="{EE0B0B39-080E-ECFD-4F1D-9A657847454D}"/>
+          </ac:spMkLst>
+        </pc:spChg>
+      </pc:sldChg>
+      <pc:sldChg chg="addSp delSp modSp add del mod">
+        <pc:chgData name="Ravisankar Pandian" userId="ed09f74a-2b53-4ce0-832d-148e0a91ef02" providerId="ADAL" clId="{F90EED2A-78A7-4939-A5D9-9CD56D8FC3CA}" dt="2024-05-14T16:43:22.875" v="6085" actId="2696"/>
+        <pc:sldMkLst>
+          <pc:docMk/>
+          <pc:sldMk cId="729048338" sldId="297"/>
+        </pc:sldMkLst>
+        <pc:picChg chg="add mod">
+          <ac:chgData name="Ravisankar Pandian" userId="ed09f74a-2b53-4ce0-832d-148e0a91ef02" providerId="ADAL" clId="{F90EED2A-78A7-4939-A5D9-9CD56D8FC3CA}" dt="2024-05-14T16:42:14.267" v="6084" actId="1076"/>
+          <ac:picMkLst>
+            <pc:docMk/>
+            <pc:sldMk cId="729048338" sldId="297"/>
+            <ac:picMk id="3" creationId="{A146C253-7C4C-CD60-A6F9-BB92C560E31E}"/>
+          </ac:picMkLst>
+        </pc:picChg>
+        <pc:picChg chg="del">
+          <ac:chgData name="Ravisankar Pandian" userId="ed09f74a-2b53-4ce0-832d-148e0a91ef02" providerId="ADAL" clId="{F90EED2A-78A7-4939-A5D9-9CD56D8FC3CA}" dt="2024-05-14T16:41:43.942" v="6077" actId="478"/>
+          <ac:picMkLst>
+            <pc:docMk/>
+            <pc:sldMk cId="729048338" sldId="297"/>
+            <ac:picMk id="1026" creationId="{7273121E-CCFF-3EAA-8E88-2EEE75AAA65D}"/>
           </ac:picMkLst>
         </pc:picChg>
       </pc:sldChg>
@@ -6557,6 +6613,53 @@
           </a:p>
         </p:txBody>
       </p:sp>
+      <p:pic>
+        <p:nvPicPr>
+          <p:cNvPr id="1026" name="Picture 2">
+            <a:extLst>
+              <a:ext uri="{FF2B5EF4-FFF2-40B4-BE49-F238E27FC236}">
+                <a16:creationId xmlns:a16="http://schemas.microsoft.com/office/drawing/2014/main" id="{BE3F6ACA-D03C-733B-92CE-93AD671A66B2}"/>
+              </a:ext>
+            </a:extLst>
+          </p:cNvPr>
+          <p:cNvPicPr>
+            <a:picLocks noChangeAspect="1" noChangeArrowheads="1"/>
+          </p:cNvPicPr>
+          <p:nvPr/>
+        </p:nvPicPr>
+        <p:blipFill>
+          <a:blip r:embed="rId3">
+            <a:extLst>
+              <a:ext uri="{28A0092B-C50C-407E-A947-70E740481C1C}">
+                <a14:useLocalDpi xmlns:a14="http://schemas.microsoft.com/office/drawing/2010/main" val="0"/>
+              </a:ext>
+            </a:extLst>
+          </a:blip>
+          <a:srcRect/>
+          <a:stretch>
+            <a:fillRect/>
+          </a:stretch>
+        </p:blipFill>
+        <p:spPr bwMode="auto">
+          <a:xfrm>
+            <a:off x="460184" y="1150538"/>
+            <a:ext cx="9971314" cy="4230018"/>
+          </a:xfrm>
+          <a:prstGeom prst="rect">
+            <a:avLst/>
+          </a:prstGeom>
+          <a:noFill/>
+          <a:extLst>
+            <a:ext uri="{909E8E84-426E-40DD-AFC4-6F175D3DCCD1}">
+              <a14:hiddenFill xmlns:a14="http://schemas.microsoft.com/office/drawing/2010/main">
+                <a:solidFill>
+                  <a:srgbClr val="FFFFFF"/>
+                </a:solidFill>
+              </a14:hiddenFill>
+            </a:ext>
+          </a:extLst>
+        </p:spPr>
+      </p:pic>
     </p:spTree>
     <p:extLst>
       <p:ext uri="{BB962C8B-B14F-4D97-AF65-F5344CB8AC3E}">
@@ -6571,6 +6674,1128 @@
 </file>
 
 <file path=ppt/slides/slide12.xml><?xml version="1.0" encoding="utf-8"?>
+<p:sld xmlns:a="http://schemas.openxmlformats.org/drawingml/2006/main" xmlns:r="http://schemas.openxmlformats.org/officeDocument/2006/relationships" xmlns:p="http://schemas.openxmlformats.org/presentationml/2006/main">
+  <p:cSld>
+    <p:spTree>
+      <p:nvGrpSpPr>
+        <p:cNvPr id="1" name="">
+          <a:extLst>
+            <a:ext uri="{FF2B5EF4-FFF2-40B4-BE49-F238E27FC236}">
+              <a16:creationId xmlns:a16="http://schemas.microsoft.com/office/drawing/2014/main" id="{26E764CA-376F-428C-B3CF-C1C210662580}"/>
+            </a:ext>
+          </a:extLst>
+        </p:cNvPr>
+        <p:cNvGrpSpPr/>
+        <p:nvPr/>
+      </p:nvGrpSpPr>
+      <p:grpSpPr>
+        <a:xfrm>
+          <a:off x="0" y="0"/>
+          <a:ext cx="0" cy="0"/>
+          <a:chOff x="0" y="0"/>
+          <a:chExt cx="0" cy="0"/>
+        </a:xfrm>
+      </p:grpSpPr>
+      <p:grpSp>
+        <p:nvGrpSpPr>
+          <p:cNvPr id="6" name="Group 5">
+            <a:extLst>
+              <a:ext uri="{FF2B5EF4-FFF2-40B4-BE49-F238E27FC236}">
+                <a16:creationId xmlns:a16="http://schemas.microsoft.com/office/drawing/2014/main" id="{4F022285-397A-F915-B65A-60DD2D02EF5B}"/>
+              </a:ext>
+            </a:extLst>
+          </p:cNvPr>
+          <p:cNvGrpSpPr/>
+          <p:nvPr/>
+        </p:nvGrpSpPr>
+        <p:grpSpPr>
+          <a:xfrm>
+            <a:off x="629110" y="5881665"/>
+            <a:ext cx="11258551" cy="616902"/>
+            <a:chOff x="373320" y="11920376"/>
+            <a:chExt cx="17541357" cy="1544612"/>
+          </a:xfrm>
+        </p:grpSpPr>
+        <p:sp>
+          <p:nvSpPr>
+            <p:cNvPr id="7" name="Rectangle 6">
+              <a:extLst>
+                <a:ext uri="{FF2B5EF4-FFF2-40B4-BE49-F238E27FC236}">
+                  <a16:creationId xmlns:a16="http://schemas.microsoft.com/office/drawing/2014/main" id="{995C2D43-2B03-844A-A388-555F036A9769}"/>
+                </a:ext>
+              </a:extLst>
+            </p:cNvPr>
+            <p:cNvSpPr/>
+            <p:nvPr/>
+          </p:nvSpPr>
+          <p:spPr>
+            <a:xfrm>
+              <a:off x="373320" y="11920376"/>
+              <a:ext cx="17541357" cy="1544612"/>
+            </a:xfrm>
+            <a:prstGeom prst="rect">
+              <a:avLst/>
+            </a:prstGeom>
+            <a:solidFill>
+              <a:schemeClr val="bg1"/>
+            </a:solidFill>
+            <a:ln>
+              <a:noFill/>
+            </a:ln>
+          </p:spPr>
+          <p:style>
+            <a:lnRef idx="2">
+              <a:schemeClr val="accent1">
+                <a:shade val="50000"/>
+              </a:schemeClr>
+            </a:lnRef>
+            <a:fillRef idx="1">
+              <a:schemeClr val="accent1"/>
+            </a:fillRef>
+            <a:effectRef idx="0">
+              <a:schemeClr val="accent1"/>
+            </a:effectRef>
+            <a:fontRef idx="minor">
+              <a:schemeClr val="lt1"/>
+            </a:fontRef>
+          </p:style>
+          <p:txBody>
+            <a:bodyPr rtlCol="0" anchor="ctr"/>
+            <a:lstStyle/>
+            <a:p>
+              <a:pPr algn="ctr"/>
+              <a:endParaRPr lang="en-US" dirty="0"/>
+            </a:p>
+          </p:txBody>
+        </p:sp>
+        <p:sp>
+          <p:nvSpPr>
+            <p:cNvPr id="12" name="TextBox 26">
+              <a:extLst>
+                <a:ext uri="{FF2B5EF4-FFF2-40B4-BE49-F238E27FC236}">
+                  <a16:creationId xmlns:a16="http://schemas.microsoft.com/office/drawing/2014/main" id="{CB06093A-C443-491A-CD02-57D8B49DF661}"/>
+                </a:ext>
+              </a:extLst>
+            </p:cNvPr>
+            <p:cNvSpPr txBox="1">
+              <a:spLocks noChangeArrowheads="1"/>
+            </p:cNvSpPr>
+            <p:nvPr/>
+          </p:nvSpPr>
+          <p:spPr bwMode="auto">
+            <a:xfrm>
+              <a:off x="686449" y="12531163"/>
+              <a:ext cx="7411302" cy="924741"/>
+            </a:xfrm>
+            <a:prstGeom prst="rect">
+              <a:avLst/>
+            </a:prstGeom>
+            <a:noFill/>
+            <a:ln w="9525">
+              <a:solidFill>
+                <a:schemeClr val="bg1"/>
+              </a:solidFill>
+              <a:miter lim="800000"/>
+              <a:headEnd/>
+              <a:tailEnd/>
+            </a:ln>
+            <a:extLst>
+              <a:ext uri="{909E8E84-426E-40DD-AFC4-6F175D3DCCD1}">
+                <a14:hiddenFill xmlns:a14="http://schemas.microsoft.com/office/drawing/2010/main">
+                  <a:solidFill>
+                    <a:srgbClr val="FFFFFF"/>
+                  </a:solidFill>
+                </a14:hiddenFill>
+              </a:ext>
+            </a:extLst>
+          </p:spPr>
+          <p:txBody>
+            <a:bodyPr wrap="square">
+              <a:spAutoFit/>
+            </a:bodyPr>
+            <a:lstStyle>
+              <a:lvl1pPr>
+                <a:defRPr sz="3600">
+                  <a:solidFill>
+                    <a:schemeClr val="tx1"/>
+                  </a:solidFill>
+                  <a:latin typeface="Lato Light" panose="020F0502020204030203" pitchFamily="34" charset="0"/>
+                </a:defRPr>
+              </a:lvl1pPr>
+              <a:lvl2pPr marL="742950" indent="-285750">
+                <a:defRPr sz="3600">
+                  <a:solidFill>
+                    <a:schemeClr val="tx1"/>
+                  </a:solidFill>
+                  <a:latin typeface="Lato Light" panose="020F0502020204030203" pitchFamily="34" charset="0"/>
+                </a:defRPr>
+              </a:lvl2pPr>
+              <a:lvl3pPr marL="1143000" indent="-228600">
+                <a:defRPr sz="3600">
+                  <a:solidFill>
+                    <a:schemeClr val="tx1"/>
+                  </a:solidFill>
+                  <a:latin typeface="Lato Light" panose="020F0502020204030203" pitchFamily="34" charset="0"/>
+                </a:defRPr>
+              </a:lvl3pPr>
+              <a:lvl4pPr marL="1600200" indent="-228600">
+                <a:defRPr sz="3600">
+                  <a:solidFill>
+                    <a:schemeClr val="tx1"/>
+                  </a:solidFill>
+                  <a:latin typeface="Lato Light" panose="020F0502020204030203" pitchFamily="34" charset="0"/>
+                </a:defRPr>
+              </a:lvl4pPr>
+              <a:lvl5pPr marL="2057400" indent="-228600">
+                <a:defRPr sz="3600">
+                  <a:solidFill>
+                    <a:schemeClr val="tx1"/>
+                  </a:solidFill>
+                  <a:latin typeface="Lato Light" panose="020F0502020204030203" pitchFamily="34" charset="0"/>
+                </a:defRPr>
+              </a:lvl5pPr>
+              <a:lvl6pPr marL="2514600" indent="-228600" defTabSz="1827213" eaLnBrk="0" fontAlgn="base" hangingPunct="0">
+                <a:spcBef>
+                  <a:spcPct val="0"/>
+                </a:spcBef>
+                <a:spcAft>
+                  <a:spcPct val="0"/>
+                </a:spcAft>
+                <a:defRPr sz="3600">
+                  <a:solidFill>
+                    <a:schemeClr val="tx1"/>
+                  </a:solidFill>
+                  <a:latin typeface="Lato Light" panose="020F0502020204030203" pitchFamily="34" charset="0"/>
+                </a:defRPr>
+              </a:lvl6pPr>
+              <a:lvl7pPr marL="2971800" indent="-228600" defTabSz="1827213" eaLnBrk="0" fontAlgn="base" hangingPunct="0">
+                <a:spcBef>
+                  <a:spcPct val="0"/>
+                </a:spcBef>
+                <a:spcAft>
+                  <a:spcPct val="0"/>
+                </a:spcAft>
+                <a:defRPr sz="3600">
+                  <a:solidFill>
+                    <a:schemeClr val="tx1"/>
+                  </a:solidFill>
+                  <a:latin typeface="Lato Light" panose="020F0502020204030203" pitchFamily="34" charset="0"/>
+                </a:defRPr>
+              </a:lvl7pPr>
+              <a:lvl8pPr marL="3429000" indent="-228600" defTabSz="1827213" eaLnBrk="0" fontAlgn="base" hangingPunct="0">
+                <a:spcBef>
+                  <a:spcPct val="0"/>
+                </a:spcBef>
+                <a:spcAft>
+                  <a:spcPct val="0"/>
+                </a:spcAft>
+                <a:defRPr sz="3600">
+                  <a:solidFill>
+                    <a:schemeClr val="tx1"/>
+                  </a:solidFill>
+                  <a:latin typeface="Lato Light" panose="020F0502020204030203" pitchFamily="34" charset="0"/>
+                </a:defRPr>
+              </a:lvl8pPr>
+              <a:lvl9pPr marL="3886200" indent="-228600" defTabSz="1827213" eaLnBrk="0" fontAlgn="base" hangingPunct="0">
+                <a:spcBef>
+                  <a:spcPct val="0"/>
+                </a:spcBef>
+                <a:spcAft>
+                  <a:spcPct val="0"/>
+                </a:spcAft>
+                <a:defRPr sz="3600">
+                  <a:solidFill>
+                    <a:schemeClr val="tx1"/>
+                  </a:solidFill>
+                  <a:latin typeface="Lato Light" panose="020F0502020204030203" pitchFamily="34" charset="0"/>
+                </a:defRPr>
+              </a:lvl9pPr>
+            </a:lstStyle>
+            <a:p>
+              <a:pPr eaLnBrk="1" hangingPunct="1"/>
+              <a:r>
+                <a:rPr lang="en-IN" altLang="en-US" sz="1800" dirty="0">
+                  <a:solidFill>
+                    <a:schemeClr val="accent2"/>
+                  </a:solidFill>
+                  <a:latin typeface="+mj-lt"/>
+                  <a:ea typeface="Montserrat" panose="00000500000000000000" pitchFamily="50" charset="0"/>
+                  <a:cs typeface="Montserrat" panose="00000500000000000000" pitchFamily="50" charset="0"/>
+                </a:rPr>
+                <a:t>Programmers.io Confidential and Proprietary</a:t>
+              </a:r>
+              <a:endParaRPr lang="en-US" altLang="en-US" sz="1800" dirty="0">
+                <a:solidFill>
+                  <a:schemeClr val="accent2"/>
+                </a:solidFill>
+                <a:latin typeface="+mj-lt"/>
+                <a:ea typeface="Montserrat" panose="00000500000000000000" pitchFamily="50" charset="0"/>
+                <a:cs typeface="Montserrat" panose="00000500000000000000" pitchFamily="50" charset="0"/>
+              </a:endParaRPr>
+            </a:p>
+          </p:txBody>
+        </p:sp>
+        <p:pic>
+          <p:nvPicPr>
+            <p:cNvPr id="13" name="Picture 12">
+              <a:extLst>
+                <a:ext uri="{FF2B5EF4-FFF2-40B4-BE49-F238E27FC236}">
+                  <a16:creationId xmlns:a16="http://schemas.microsoft.com/office/drawing/2014/main" id="{A342173E-BA2B-CA64-526B-55819187623A}"/>
+                </a:ext>
+              </a:extLst>
+            </p:cNvPr>
+            <p:cNvPicPr>
+              <a:picLocks noChangeAspect="1"/>
+            </p:cNvPicPr>
+            <p:nvPr/>
+          </p:nvPicPr>
+          <p:blipFill>
+            <a:blip r:embed="rId2">
+              <a:extLst>
+                <a:ext uri="{28A0092B-C50C-407E-A947-70E740481C1C}">
+                  <a14:useLocalDpi xmlns:a14="http://schemas.microsoft.com/office/drawing/2010/main" val="0"/>
+                </a:ext>
+              </a:extLst>
+            </a:blip>
+            <a:stretch>
+              <a:fillRect/>
+            </a:stretch>
+          </p:blipFill>
+          <p:spPr>
+            <a:xfrm>
+              <a:off x="13592315" y="12121964"/>
+              <a:ext cx="4107183" cy="1333941"/>
+            </a:xfrm>
+            <a:prstGeom prst="rect">
+              <a:avLst/>
+            </a:prstGeom>
+            <a:ln>
+              <a:noFill/>
+            </a:ln>
+          </p:spPr>
+        </p:pic>
+      </p:grpSp>
+      <p:sp>
+        <p:nvSpPr>
+          <p:cNvPr id="4" name="Rectangle 3">
+            <a:extLst>
+              <a:ext uri="{FF2B5EF4-FFF2-40B4-BE49-F238E27FC236}">
+                <a16:creationId xmlns:a16="http://schemas.microsoft.com/office/drawing/2014/main" id="{EE0B0B39-080E-ECFD-4F1D-9A657847454D}"/>
+              </a:ext>
+            </a:extLst>
+          </p:cNvPr>
+          <p:cNvSpPr>
+            <a:spLocks noChangeArrowheads="1"/>
+          </p:cNvSpPr>
+          <p:nvPr/>
+        </p:nvSpPr>
+        <p:spPr bwMode="auto">
+          <a:xfrm>
+            <a:off x="830086" y="223989"/>
+            <a:ext cx="2202364" cy="616902"/>
+          </a:xfrm>
+          <a:prstGeom prst="rect">
+            <a:avLst/>
+          </a:prstGeom>
+          <a:solidFill>
+            <a:schemeClr val="tx1">
+              <a:lumMod val="65000"/>
+              <a:lumOff val="35000"/>
+            </a:schemeClr>
+          </a:solidFill>
+          <a:ln>
+            <a:noFill/>
+          </a:ln>
+          <a:effectLst/>
+        </p:spPr>
+        <p:txBody>
+          <a:bodyPr wrap="none" lIns="90000" tIns="45000" rIns="90000" bIns="45000" anchor="ctr"/>
+          <a:lstStyle>
+            <a:lvl1pPr>
+              <a:tabLst>
+                <a:tab pos="457200" algn="l"/>
+                <a:tab pos="914400" algn="l"/>
+                <a:tab pos="1371600" algn="l"/>
+                <a:tab pos="1828800" algn="l"/>
+                <a:tab pos="2286000" algn="l"/>
+              </a:tabLst>
+              <a:defRPr>
+                <a:solidFill>
+                  <a:srgbClr val="000000"/>
+                </a:solidFill>
+                <a:latin typeface="Arial" panose="020B0604020202020204" pitchFamily="34" charset="0"/>
+                <a:cs typeface="Tahoma" panose="020B0604030504040204" pitchFamily="34" charset="0"/>
+              </a:defRPr>
+            </a:lvl1pPr>
+            <a:lvl2pPr>
+              <a:tabLst>
+                <a:tab pos="457200" algn="l"/>
+                <a:tab pos="914400" algn="l"/>
+                <a:tab pos="1371600" algn="l"/>
+                <a:tab pos="1828800" algn="l"/>
+                <a:tab pos="2286000" algn="l"/>
+              </a:tabLst>
+              <a:defRPr>
+                <a:solidFill>
+                  <a:srgbClr val="000000"/>
+                </a:solidFill>
+                <a:latin typeface="Arial" panose="020B0604020202020204" pitchFamily="34" charset="0"/>
+                <a:cs typeface="Tahoma" panose="020B0604030504040204" pitchFamily="34" charset="0"/>
+              </a:defRPr>
+            </a:lvl2pPr>
+            <a:lvl3pPr>
+              <a:tabLst>
+                <a:tab pos="457200" algn="l"/>
+                <a:tab pos="914400" algn="l"/>
+                <a:tab pos="1371600" algn="l"/>
+                <a:tab pos="1828800" algn="l"/>
+                <a:tab pos="2286000" algn="l"/>
+              </a:tabLst>
+              <a:defRPr>
+                <a:solidFill>
+                  <a:srgbClr val="000000"/>
+                </a:solidFill>
+                <a:latin typeface="Arial" panose="020B0604020202020204" pitchFamily="34" charset="0"/>
+                <a:cs typeface="Tahoma" panose="020B0604030504040204" pitchFamily="34" charset="0"/>
+              </a:defRPr>
+            </a:lvl3pPr>
+            <a:lvl4pPr>
+              <a:tabLst>
+                <a:tab pos="457200" algn="l"/>
+                <a:tab pos="914400" algn="l"/>
+                <a:tab pos="1371600" algn="l"/>
+                <a:tab pos="1828800" algn="l"/>
+                <a:tab pos="2286000" algn="l"/>
+              </a:tabLst>
+              <a:defRPr>
+                <a:solidFill>
+                  <a:srgbClr val="000000"/>
+                </a:solidFill>
+                <a:latin typeface="Arial" panose="020B0604020202020204" pitchFamily="34" charset="0"/>
+                <a:cs typeface="Tahoma" panose="020B0604030504040204" pitchFamily="34" charset="0"/>
+              </a:defRPr>
+            </a:lvl4pPr>
+            <a:lvl5pPr>
+              <a:tabLst>
+                <a:tab pos="457200" algn="l"/>
+                <a:tab pos="914400" algn="l"/>
+                <a:tab pos="1371600" algn="l"/>
+                <a:tab pos="1828800" algn="l"/>
+                <a:tab pos="2286000" algn="l"/>
+              </a:tabLst>
+              <a:defRPr>
+                <a:solidFill>
+                  <a:srgbClr val="000000"/>
+                </a:solidFill>
+                <a:latin typeface="Arial" panose="020B0604020202020204" pitchFamily="34" charset="0"/>
+                <a:cs typeface="Tahoma" panose="020B0604030504040204" pitchFamily="34" charset="0"/>
+              </a:defRPr>
+            </a:lvl5pPr>
+            <a:lvl6pPr marL="2514600" indent="-228600" defTabSz="457200" fontAlgn="base" hangingPunct="0">
+              <a:lnSpc>
+                <a:spcPct val="93000"/>
+              </a:lnSpc>
+              <a:spcBef>
+                <a:spcPts val="13"/>
+              </a:spcBef>
+              <a:spcAft>
+                <a:spcPts val="13"/>
+              </a:spcAft>
+              <a:buClr>
+                <a:srgbClr val="000000"/>
+              </a:buClr>
+              <a:buSzPct val="100000"/>
+              <a:buFont typeface="Times New Roman" panose="02020603050405020304" pitchFamily="18" charset="0"/>
+              <a:tabLst>
+                <a:tab pos="457200" algn="l"/>
+                <a:tab pos="914400" algn="l"/>
+                <a:tab pos="1371600" algn="l"/>
+                <a:tab pos="1828800" algn="l"/>
+                <a:tab pos="2286000" algn="l"/>
+              </a:tabLst>
+              <a:defRPr>
+                <a:solidFill>
+                  <a:srgbClr val="000000"/>
+                </a:solidFill>
+                <a:latin typeface="Arial" panose="020B0604020202020204" pitchFamily="34" charset="0"/>
+                <a:cs typeface="Tahoma" panose="020B0604030504040204" pitchFamily="34" charset="0"/>
+              </a:defRPr>
+            </a:lvl6pPr>
+            <a:lvl7pPr marL="2971800" indent="-228600" defTabSz="457200" fontAlgn="base" hangingPunct="0">
+              <a:lnSpc>
+                <a:spcPct val="93000"/>
+              </a:lnSpc>
+              <a:spcBef>
+                <a:spcPts val="13"/>
+              </a:spcBef>
+              <a:spcAft>
+                <a:spcPts val="13"/>
+              </a:spcAft>
+              <a:buClr>
+                <a:srgbClr val="000000"/>
+              </a:buClr>
+              <a:buSzPct val="100000"/>
+              <a:buFont typeface="Times New Roman" panose="02020603050405020304" pitchFamily="18" charset="0"/>
+              <a:tabLst>
+                <a:tab pos="457200" algn="l"/>
+                <a:tab pos="914400" algn="l"/>
+                <a:tab pos="1371600" algn="l"/>
+                <a:tab pos="1828800" algn="l"/>
+                <a:tab pos="2286000" algn="l"/>
+              </a:tabLst>
+              <a:defRPr>
+                <a:solidFill>
+                  <a:srgbClr val="000000"/>
+                </a:solidFill>
+                <a:latin typeface="Arial" panose="020B0604020202020204" pitchFamily="34" charset="0"/>
+                <a:cs typeface="Tahoma" panose="020B0604030504040204" pitchFamily="34" charset="0"/>
+              </a:defRPr>
+            </a:lvl7pPr>
+            <a:lvl8pPr marL="3429000" indent="-228600" defTabSz="457200" fontAlgn="base" hangingPunct="0">
+              <a:lnSpc>
+                <a:spcPct val="93000"/>
+              </a:lnSpc>
+              <a:spcBef>
+                <a:spcPts val="13"/>
+              </a:spcBef>
+              <a:spcAft>
+                <a:spcPts val="13"/>
+              </a:spcAft>
+              <a:buClr>
+                <a:srgbClr val="000000"/>
+              </a:buClr>
+              <a:buSzPct val="100000"/>
+              <a:buFont typeface="Times New Roman" panose="02020603050405020304" pitchFamily="18" charset="0"/>
+              <a:tabLst>
+                <a:tab pos="457200" algn="l"/>
+                <a:tab pos="914400" algn="l"/>
+                <a:tab pos="1371600" algn="l"/>
+                <a:tab pos="1828800" algn="l"/>
+                <a:tab pos="2286000" algn="l"/>
+              </a:tabLst>
+              <a:defRPr>
+                <a:solidFill>
+                  <a:srgbClr val="000000"/>
+                </a:solidFill>
+                <a:latin typeface="Arial" panose="020B0604020202020204" pitchFamily="34" charset="0"/>
+                <a:cs typeface="Tahoma" panose="020B0604030504040204" pitchFamily="34" charset="0"/>
+              </a:defRPr>
+            </a:lvl8pPr>
+            <a:lvl9pPr marL="3886200" indent="-228600" defTabSz="457200" fontAlgn="base" hangingPunct="0">
+              <a:lnSpc>
+                <a:spcPct val="93000"/>
+              </a:lnSpc>
+              <a:spcBef>
+                <a:spcPts val="13"/>
+              </a:spcBef>
+              <a:spcAft>
+                <a:spcPts val="13"/>
+              </a:spcAft>
+              <a:buClr>
+                <a:srgbClr val="000000"/>
+              </a:buClr>
+              <a:buSzPct val="100000"/>
+              <a:buFont typeface="Times New Roman" panose="02020603050405020304" pitchFamily="18" charset="0"/>
+              <a:tabLst>
+                <a:tab pos="457200" algn="l"/>
+                <a:tab pos="914400" algn="l"/>
+                <a:tab pos="1371600" algn="l"/>
+                <a:tab pos="1828800" algn="l"/>
+                <a:tab pos="2286000" algn="l"/>
+              </a:tabLst>
+              <a:defRPr>
+                <a:solidFill>
+                  <a:srgbClr val="000000"/>
+                </a:solidFill>
+                <a:latin typeface="Arial" panose="020B0604020202020204" pitchFamily="34" charset="0"/>
+                <a:cs typeface="Tahoma" panose="020B0604030504040204" pitchFamily="34" charset="0"/>
+              </a:defRPr>
+            </a:lvl9pPr>
+          </a:lstStyle>
+          <a:p>
+            <a:pPr algn="ctr">
+              <a:lnSpc>
+                <a:spcPct val="100000"/>
+              </a:lnSpc>
+            </a:pPr>
+            <a:r>
+              <a:rPr lang="en-US" altLang="en-US" sz="2800" dirty="0">
+                <a:solidFill>
+                  <a:srgbClr val="FFFFFF"/>
+                </a:solidFill>
+                <a:latin typeface="Calibri   "/>
+              </a:rPr>
+              <a:t>References</a:t>
+            </a:r>
+          </a:p>
+        </p:txBody>
+      </p:sp>
+      <p:sp>
+        <p:nvSpPr>
+          <p:cNvPr id="3" name="TextBox 2">
+            <a:extLst>
+              <a:ext uri="{FF2B5EF4-FFF2-40B4-BE49-F238E27FC236}">
+                <a16:creationId xmlns:a16="http://schemas.microsoft.com/office/drawing/2014/main" id="{C10ADF87-347A-C953-1D68-EF2CFBDA3393}"/>
+              </a:ext>
+            </a:extLst>
+          </p:cNvPr>
+          <p:cNvSpPr txBox="1"/>
+          <p:nvPr/>
+        </p:nvSpPr>
+        <p:spPr>
+          <a:xfrm>
+            <a:off x="830085" y="1084833"/>
+            <a:ext cx="6097554" cy="3108543"/>
+          </a:xfrm>
+          <a:prstGeom prst="rect">
+            <a:avLst/>
+          </a:prstGeom>
+          <a:noFill/>
+        </p:spPr>
+        <p:txBody>
+          <a:bodyPr wrap="square">
+            <a:spAutoFit/>
+          </a:bodyPr>
+          <a:lstStyle/>
+          <a:p>
+            <a:pPr algn="l">
+              <a:buFont typeface="Arial" panose="020B0604020202020204" pitchFamily="34" charset="0"/>
+              <a:buChar char="•"/>
+            </a:pPr>
+            <a:r>
+              <a:rPr lang="en-US" sz="1400" b="0" i="0" dirty="0">
+                <a:solidFill>
+                  <a:srgbClr val="333333"/>
+                </a:solidFill>
+                <a:effectLst/>
+                <a:latin typeface="Helvetica Neue"/>
+              </a:rPr>
+              <a:t> Jenkins</a:t>
+            </a:r>
+          </a:p>
+          <a:p>
+            <a:pPr marL="742950" lvl="1" indent="-285750" algn="l">
+              <a:buFont typeface="Arial" panose="020B0604020202020204" pitchFamily="34" charset="0"/>
+              <a:buChar char="•"/>
+            </a:pPr>
+            <a:r>
+              <a:rPr lang="en-US" sz="1400" b="0" i="0" u="none" strike="noStrike" dirty="0">
+                <a:solidFill>
+                  <a:srgbClr val="0088CC"/>
+                </a:solidFill>
+                <a:effectLst/>
+                <a:latin typeface="Helvetica Neue"/>
+                <a:hlinkClick r:id="rId3"/>
+              </a:rPr>
+              <a:t>Getting started</a:t>
+            </a:r>
+            <a:r>
+              <a:rPr lang="en-US" sz="1400" b="0" i="0" dirty="0">
+                <a:solidFill>
+                  <a:srgbClr val="333333"/>
+                </a:solidFill>
+                <a:effectLst/>
+                <a:latin typeface="Helvetica Neue"/>
+              </a:rPr>
+              <a:t> with Jenkins.</a:t>
+            </a:r>
+          </a:p>
+          <a:p>
+            <a:pPr marL="742950" lvl="1" indent="-285750" algn="l">
+              <a:buFont typeface="Arial" panose="020B0604020202020204" pitchFamily="34" charset="0"/>
+              <a:buChar char="•"/>
+            </a:pPr>
+            <a:r>
+              <a:rPr lang="en-US" sz="1400" b="0" i="0" dirty="0">
+                <a:solidFill>
+                  <a:srgbClr val="333333"/>
+                </a:solidFill>
+                <a:effectLst/>
+                <a:latin typeface="Helvetica Neue"/>
+              </a:rPr>
+              <a:t>Create Jenkins </a:t>
+            </a:r>
+            <a:r>
+              <a:rPr lang="en-US" sz="1400" b="0" i="0" u="none" strike="noStrike" dirty="0">
+                <a:solidFill>
+                  <a:srgbClr val="0088CC"/>
+                </a:solidFill>
+                <a:effectLst/>
+                <a:latin typeface="Helvetica Neue"/>
+                <a:hlinkClick r:id="rId4"/>
+              </a:rPr>
+              <a:t>pipeline</a:t>
+            </a:r>
+            <a:endParaRPr lang="en-US" sz="1400" b="0" i="0" dirty="0">
+              <a:solidFill>
+                <a:srgbClr val="333333"/>
+              </a:solidFill>
+              <a:effectLst/>
+              <a:latin typeface="Helvetica Neue"/>
+            </a:endParaRPr>
+          </a:p>
+          <a:p>
+            <a:pPr marL="742950" lvl="1" indent="-285750" algn="l">
+              <a:buFont typeface="Arial" panose="020B0604020202020204" pitchFamily="34" charset="0"/>
+              <a:buChar char="•"/>
+            </a:pPr>
+            <a:r>
+              <a:rPr lang="en-US" sz="1400" b="0" i="0" u="none" strike="noStrike" dirty="0">
+                <a:solidFill>
+                  <a:srgbClr val="0088CC"/>
+                </a:solidFill>
+                <a:effectLst/>
+                <a:latin typeface="Helvetica Neue"/>
+                <a:hlinkClick r:id="rId5"/>
+              </a:rPr>
+              <a:t>Setup Jenkins</a:t>
+            </a:r>
+            <a:r>
+              <a:rPr lang="en-US" sz="1400" b="0" i="0" dirty="0">
+                <a:solidFill>
+                  <a:srgbClr val="333333"/>
+                </a:solidFill>
+                <a:effectLst/>
+                <a:latin typeface="Helvetica Neue"/>
+              </a:rPr>
+              <a:t> on </a:t>
+            </a:r>
+            <a:r>
+              <a:rPr lang="en-US" sz="1400" b="0" i="0" dirty="0" err="1">
+                <a:solidFill>
+                  <a:srgbClr val="333333"/>
+                </a:solidFill>
+                <a:effectLst/>
+                <a:latin typeface="Helvetica Neue"/>
+              </a:rPr>
+              <a:t>IBMi</a:t>
+            </a:r>
+            <a:endParaRPr lang="en-US" sz="1400" b="0" i="0" dirty="0">
+              <a:solidFill>
+                <a:srgbClr val="333333"/>
+              </a:solidFill>
+              <a:effectLst/>
+              <a:latin typeface="Helvetica Neue"/>
+            </a:endParaRPr>
+          </a:p>
+          <a:p>
+            <a:pPr algn="l">
+              <a:buFont typeface="Arial" panose="020B0604020202020204" pitchFamily="34" charset="0"/>
+              <a:buChar char="•"/>
+            </a:pPr>
+            <a:r>
+              <a:rPr lang="en-US" sz="1400" b="0" i="0" dirty="0">
+                <a:solidFill>
+                  <a:srgbClr val="333333"/>
+                </a:solidFill>
+                <a:effectLst/>
+                <a:latin typeface="Helvetica Neue"/>
+              </a:rPr>
+              <a:t> </a:t>
+            </a:r>
+            <a:r>
+              <a:rPr lang="en-US" sz="1400" b="0" i="0" dirty="0" err="1">
+                <a:solidFill>
+                  <a:srgbClr val="333333"/>
+                </a:solidFill>
+                <a:effectLst/>
+                <a:latin typeface="Helvetica Neue"/>
+              </a:rPr>
+              <a:t>GitBucket</a:t>
+            </a:r>
+            <a:endParaRPr lang="en-US" sz="1400" b="0" i="0" dirty="0">
+              <a:solidFill>
+                <a:srgbClr val="333333"/>
+              </a:solidFill>
+              <a:effectLst/>
+              <a:latin typeface="Helvetica Neue"/>
+            </a:endParaRPr>
+          </a:p>
+          <a:p>
+            <a:pPr marL="742950" lvl="1" indent="-285750" algn="l">
+              <a:buFont typeface="Arial" panose="020B0604020202020204" pitchFamily="34" charset="0"/>
+              <a:buChar char="•"/>
+            </a:pPr>
+            <a:r>
+              <a:rPr lang="en-US" sz="1400" b="0" i="0" dirty="0">
+                <a:solidFill>
+                  <a:srgbClr val="333333"/>
+                </a:solidFill>
+                <a:effectLst/>
+                <a:latin typeface="Helvetica Neue"/>
+              </a:rPr>
+              <a:t>A VCS that can be hosted within </a:t>
+            </a:r>
+            <a:r>
+              <a:rPr lang="en-US" sz="1400" b="0" i="0" dirty="0" err="1">
+                <a:solidFill>
+                  <a:srgbClr val="333333"/>
+                </a:solidFill>
+                <a:effectLst/>
+                <a:latin typeface="Helvetica Neue"/>
+              </a:rPr>
+              <a:t>IBMi</a:t>
+            </a:r>
+            <a:r>
+              <a:rPr lang="en-US" sz="1400" b="0" i="0" dirty="0">
+                <a:solidFill>
+                  <a:srgbClr val="333333"/>
+                </a:solidFill>
+                <a:effectLst/>
+                <a:latin typeface="Helvetica Neue"/>
+              </a:rPr>
+              <a:t>. Click </a:t>
+            </a:r>
+            <a:r>
+              <a:rPr lang="en-US" sz="1400" b="0" i="0" u="none" strike="noStrike" dirty="0">
+                <a:solidFill>
+                  <a:srgbClr val="0088CC"/>
+                </a:solidFill>
+                <a:effectLst/>
+                <a:latin typeface="Helvetica Neue"/>
+                <a:hlinkClick r:id="rId6"/>
+              </a:rPr>
+              <a:t>here</a:t>
+            </a:r>
+            <a:r>
+              <a:rPr lang="en-US" sz="1400" b="0" i="0" dirty="0">
+                <a:solidFill>
+                  <a:srgbClr val="333333"/>
+                </a:solidFill>
+                <a:effectLst/>
+                <a:latin typeface="Helvetica Neue"/>
+              </a:rPr>
+              <a:t> to learn more.</a:t>
+            </a:r>
+          </a:p>
+          <a:p>
+            <a:pPr algn="l">
+              <a:buFont typeface="Arial" panose="020B0604020202020204" pitchFamily="34" charset="0"/>
+              <a:buChar char="•"/>
+            </a:pPr>
+            <a:r>
+              <a:rPr lang="en-US" sz="1400" b="0" i="0" dirty="0">
+                <a:solidFill>
+                  <a:srgbClr val="333333"/>
+                </a:solidFill>
+                <a:effectLst/>
+                <a:latin typeface="Helvetica Neue"/>
+              </a:rPr>
+              <a:t> Source Orbit ()</a:t>
+            </a:r>
+          </a:p>
+          <a:p>
+            <a:pPr marL="742950" lvl="1" indent="-285750" algn="l">
+              <a:buFont typeface="Arial" panose="020B0604020202020204" pitchFamily="34" charset="0"/>
+              <a:buChar char="•"/>
+            </a:pPr>
+            <a:r>
+              <a:rPr lang="en-US" sz="1400" b="0" i="0" dirty="0" err="1">
+                <a:solidFill>
+                  <a:srgbClr val="333333"/>
+                </a:solidFill>
+                <a:effectLst/>
+                <a:latin typeface="Helvetica Neue"/>
+              </a:rPr>
+              <a:t>Defintion</a:t>
+            </a:r>
+            <a:r>
+              <a:rPr lang="en-US" sz="1400" b="0" i="0" dirty="0">
+                <a:solidFill>
+                  <a:srgbClr val="333333"/>
+                </a:solidFill>
+                <a:effectLst/>
+                <a:latin typeface="Helvetica Neue"/>
+              </a:rPr>
+              <a:t> of </a:t>
+            </a:r>
+            <a:r>
+              <a:rPr lang="en-US" sz="1400" b="0" i="0" u="none" strike="noStrike" dirty="0">
+                <a:solidFill>
+                  <a:srgbClr val="0088CC"/>
+                </a:solidFill>
+                <a:effectLst/>
+                <a:latin typeface="Helvetica Neue"/>
+                <a:hlinkClick r:id="rId7"/>
+              </a:rPr>
+              <a:t>Source Orbit</a:t>
+            </a:r>
+            <a:r>
+              <a:rPr lang="en-US" sz="1400" b="0" i="0" dirty="0">
+                <a:solidFill>
+                  <a:srgbClr val="333333"/>
+                </a:solidFill>
+                <a:effectLst/>
+                <a:latin typeface="Helvetica Neue"/>
+              </a:rPr>
+              <a:t> - a dependency management system</a:t>
+            </a:r>
+          </a:p>
+          <a:p>
+            <a:pPr marL="742950" lvl="1" indent="-285750" algn="l">
+              <a:buFont typeface="Arial" panose="020B0604020202020204" pitchFamily="34" charset="0"/>
+              <a:buChar char="•"/>
+            </a:pPr>
+            <a:r>
+              <a:rPr lang="en-US" sz="1400" b="0" i="0" dirty="0">
+                <a:solidFill>
+                  <a:srgbClr val="333333"/>
+                </a:solidFill>
+                <a:effectLst/>
+                <a:latin typeface="Helvetica Neue"/>
+              </a:rPr>
+              <a:t>A </a:t>
+            </a:r>
+            <a:r>
+              <a:rPr lang="en-US" sz="1400" b="0" i="0" u="none" strike="noStrike" dirty="0">
+                <a:solidFill>
+                  <a:srgbClr val="0088CC"/>
+                </a:solidFill>
+                <a:effectLst/>
+                <a:latin typeface="Helvetica Neue"/>
+                <a:hlinkClick r:id="rId8"/>
+              </a:rPr>
+              <a:t>blog post</a:t>
+            </a:r>
+            <a:r>
+              <a:rPr lang="en-US" sz="1400" b="0" i="0" dirty="0">
+                <a:solidFill>
+                  <a:srgbClr val="333333"/>
+                </a:solidFill>
+                <a:effectLst/>
+                <a:latin typeface="Helvetica Neue"/>
+              </a:rPr>
+              <a:t> by Liam Barry that tells about the SO - </a:t>
+            </a:r>
+            <a:r>
+              <a:rPr lang="en-US" sz="1400" b="0" i="0" dirty="0" err="1">
+                <a:solidFill>
+                  <a:srgbClr val="333333"/>
+                </a:solidFill>
+                <a:effectLst/>
+                <a:latin typeface="Helvetica Neue"/>
+              </a:rPr>
+              <a:t>SourceOrbit</a:t>
+            </a:r>
+            <a:r>
+              <a:rPr lang="en-US" sz="1400" b="0" i="0" dirty="0">
+                <a:solidFill>
+                  <a:srgbClr val="333333"/>
+                </a:solidFill>
+                <a:effectLst/>
+                <a:latin typeface="Helvetica Neue"/>
+              </a:rPr>
+              <a:t>.</a:t>
+            </a:r>
+          </a:p>
+          <a:p>
+            <a:pPr algn="l">
+              <a:buFont typeface="Arial" panose="020B0604020202020204" pitchFamily="34" charset="0"/>
+              <a:buChar char="•"/>
+            </a:pPr>
+            <a:r>
+              <a:rPr lang="en-US" sz="1400" b="0" i="0" dirty="0">
+                <a:solidFill>
+                  <a:srgbClr val="333333"/>
+                </a:solidFill>
+                <a:effectLst/>
+                <a:latin typeface="Helvetica Neue"/>
+              </a:rPr>
+              <a:t> </a:t>
+            </a:r>
+            <a:r>
+              <a:rPr lang="en-US" sz="1400" b="0" i="0" dirty="0" err="1">
+                <a:solidFill>
+                  <a:srgbClr val="333333"/>
+                </a:solidFill>
+                <a:effectLst/>
+                <a:latin typeface="Helvetica Neue"/>
+              </a:rPr>
+              <a:t>IBMi</a:t>
+            </a:r>
+            <a:r>
+              <a:rPr lang="en-US" sz="1400" b="0" i="0" dirty="0">
+                <a:solidFill>
+                  <a:srgbClr val="333333"/>
+                </a:solidFill>
+                <a:effectLst/>
+                <a:latin typeface="Helvetica Neue"/>
+              </a:rPr>
+              <a:t> - CI</a:t>
+            </a:r>
+          </a:p>
+          <a:p>
+            <a:pPr marL="742950" lvl="1" indent="-285750" algn="l">
+              <a:buFont typeface="Arial" panose="020B0604020202020204" pitchFamily="34" charset="0"/>
+              <a:buChar char="•"/>
+            </a:pPr>
+            <a:r>
+              <a:rPr lang="en-US" sz="1400" b="0" i="0" dirty="0">
+                <a:solidFill>
+                  <a:srgbClr val="333333"/>
+                </a:solidFill>
+                <a:effectLst/>
+                <a:latin typeface="Helvetica Neue"/>
+              </a:rPr>
+              <a:t>A built in CI tool within </a:t>
+            </a:r>
+            <a:r>
+              <a:rPr lang="en-US" sz="1400" b="0" i="0" dirty="0" err="1">
+                <a:solidFill>
+                  <a:srgbClr val="333333"/>
+                </a:solidFill>
+                <a:effectLst/>
+                <a:latin typeface="Helvetica Neue"/>
+              </a:rPr>
+              <a:t>IBMi</a:t>
+            </a:r>
+            <a:r>
+              <a:rPr lang="en-US" sz="1400" b="0" i="0" dirty="0">
+                <a:solidFill>
+                  <a:srgbClr val="333333"/>
+                </a:solidFill>
+                <a:effectLst/>
+                <a:latin typeface="Helvetica Neue"/>
+              </a:rPr>
+              <a:t>. See it in action </a:t>
+            </a:r>
+            <a:r>
+              <a:rPr lang="en-US" sz="1400" b="0" i="0" u="none" strike="noStrike" dirty="0">
+                <a:solidFill>
+                  <a:srgbClr val="0088CC"/>
+                </a:solidFill>
+                <a:effectLst/>
+                <a:latin typeface="Helvetica Neue"/>
+                <a:hlinkClick r:id="rId9"/>
+              </a:rPr>
+              <a:t>here</a:t>
+            </a:r>
+            <a:endParaRPr lang="en-US" sz="1400" b="0" i="0" dirty="0">
+              <a:solidFill>
+                <a:srgbClr val="333333"/>
+              </a:solidFill>
+              <a:effectLst/>
+              <a:latin typeface="Helvetica Neue"/>
+            </a:endParaRPr>
+          </a:p>
+          <a:p>
+            <a:pPr marL="742950" lvl="1" indent="-285750" algn="l">
+              <a:buFont typeface="Arial" panose="020B0604020202020204" pitchFamily="34" charset="0"/>
+              <a:buChar char="•"/>
+            </a:pPr>
+            <a:r>
+              <a:rPr lang="en-US" sz="1400" b="0" i="0" dirty="0">
+                <a:solidFill>
+                  <a:srgbClr val="333333"/>
+                </a:solidFill>
+                <a:effectLst/>
+                <a:latin typeface="Helvetica Neue"/>
+              </a:rPr>
+              <a:t>Learn more about </a:t>
+            </a:r>
+            <a:r>
+              <a:rPr lang="en-US" sz="1400" b="0" i="0" u="none" strike="noStrike" dirty="0" err="1">
+                <a:solidFill>
+                  <a:srgbClr val="0088CC"/>
+                </a:solidFill>
+                <a:effectLst/>
+                <a:latin typeface="Helvetica Neue"/>
+                <a:hlinkClick r:id="rId10"/>
+              </a:rPr>
+              <a:t>IBMi</a:t>
+            </a:r>
+            <a:r>
+              <a:rPr lang="en-US" sz="1400" b="0" i="0" u="none" strike="noStrike" dirty="0">
+                <a:solidFill>
+                  <a:srgbClr val="0088CC"/>
+                </a:solidFill>
+                <a:effectLst/>
+                <a:latin typeface="Helvetica Neue"/>
+                <a:hlinkClick r:id="rId10"/>
+              </a:rPr>
+              <a:t>-CI</a:t>
+            </a:r>
+            <a:endParaRPr lang="en-US" sz="1400" b="0" i="0" u="none" strike="noStrike" dirty="0">
+              <a:solidFill>
+                <a:srgbClr val="0088CC"/>
+              </a:solidFill>
+              <a:effectLst/>
+              <a:latin typeface="Helvetica Neue"/>
+            </a:endParaRPr>
+          </a:p>
+          <a:p>
+            <a:pPr marL="285750" indent="-285750">
+              <a:buFont typeface="Arial" panose="020B0604020202020204" pitchFamily="34" charset="0"/>
+              <a:buChar char="•"/>
+            </a:pPr>
+            <a:r>
+              <a:rPr lang="en-US" sz="1400" b="0" i="0" dirty="0">
+                <a:solidFill>
+                  <a:srgbClr val="333333"/>
+                </a:solidFill>
+                <a:effectLst/>
+                <a:latin typeface="Helvetica Neue"/>
+              </a:rPr>
+              <a:t>GIT</a:t>
+            </a:r>
+          </a:p>
+          <a:p>
+            <a:pPr marL="742950" lvl="1" indent="-285750">
+              <a:buFont typeface="Arial" panose="020B0604020202020204" pitchFamily="34" charset="0"/>
+              <a:buChar char="•"/>
+            </a:pPr>
+            <a:r>
+              <a:rPr lang="en-US" sz="1400" dirty="0">
+                <a:solidFill>
+                  <a:srgbClr val="333333"/>
+                </a:solidFill>
+                <a:latin typeface="Helvetica Neue"/>
+              </a:rPr>
+              <a:t>A Crash Course </a:t>
+            </a:r>
+            <a:r>
+              <a:rPr lang="en-US" sz="1400" dirty="0">
+                <a:solidFill>
+                  <a:srgbClr val="333333"/>
+                </a:solidFill>
+                <a:latin typeface="Helvetica Neue"/>
+                <a:hlinkClick r:id="rId11"/>
+              </a:rPr>
+              <a:t>YouTube video </a:t>
+            </a:r>
+            <a:r>
+              <a:rPr lang="en-US" sz="1400" dirty="0">
+                <a:solidFill>
+                  <a:srgbClr val="333333"/>
+                </a:solidFill>
+                <a:latin typeface="Helvetica Neue"/>
+              </a:rPr>
+              <a:t>about GIT</a:t>
+            </a:r>
+            <a:endParaRPr lang="en-US" sz="1400" b="0" i="0" dirty="0">
+              <a:solidFill>
+                <a:srgbClr val="333333"/>
+              </a:solidFill>
+              <a:effectLst/>
+              <a:latin typeface="Helvetica Neue"/>
+            </a:endParaRPr>
+          </a:p>
+        </p:txBody>
+      </p:sp>
+    </p:spTree>
+    <p:extLst>
+      <p:ext uri="{BB962C8B-B14F-4D97-AF65-F5344CB8AC3E}">
+        <p14:creationId xmlns:p14="http://schemas.microsoft.com/office/powerpoint/2010/main" val="2673372282"/>
+      </p:ext>
+    </p:extLst>
+  </p:cSld>
+  <p:clrMapOvr>
+    <a:masterClrMapping/>
+  </p:clrMapOvr>
+</p:sld>
+</file>
+
+<file path=ppt/slides/slide13.xml><?xml version="1.0" encoding="utf-8"?>
 <p:sld xmlns:a="http://schemas.openxmlformats.org/drawingml/2006/main" xmlns:r="http://schemas.openxmlformats.org/officeDocument/2006/relationships" xmlns:p="http://schemas.openxmlformats.org/presentationml/2006/main">
   <p:cSld>
     <p:bg>
@@ -7085,7 +8310,7 @@
                   <a:schemeClr val="bg1"/>
                 </a:solidFill>
               </a:rPr>
-              <a:t>Questions and Answers?</a:t>
+              <a:t>Thank you!</a:t>
             </a:r>
           </a:p>
         </p:txBody>
@@ -7261,11 +8486,18 @@
               <a:buChar char="•"/>
             </a:pPr>
             <a:r>
+              <a:rPr lang="en-US" altLang="en-US" sz="2400">
+                <a:latin typeface="Calibri  "/>
+                <a:ea typeface="ＭＳ Ｐゴシック" panose="020B0600070205080204" pitchFamily="34" charset="-128"/>
+              </a:rPr>
+              <a:t>A Modern </a:t>
+            </a:r>
+            <a:r>
               <a:rPr lang="en-US" altLang="en-US" sz="2400" dirty="0">
                 <a:latin typeface="Calibri  "/>
                 <a:ea typeface="ＭＳ Ｐゴシック" panose="020B0600070205080204" pitchFamily="34" charset="-128"/>
               </a:rPr>
-              <a:t>A sample workflow for </a:t>
+              <a:t>workflow for </a:t>
             </a:r>
             <a:r>
               <a:rPr lang="en-US" altLang="en-US" sz="2400" dirty="0" err="1">
